--- a/09News/00Others/20250121KimiK1.5.pptx
+++ b/09News/00Others/20250121KimiK1.5.pptx
@@ -9,19 +9,31 @@
     <p:sldMasterId id="2147483683" r:id="rId5"/>
   </p:sldMasterIdLst>
   <p:notesMasterIdLst>
-    <p:notesMasterId r:id="rId13"/>
+    <p:notesMasterId r:id="rId25"/>
   </p:notesMasterIdLst>
   <p:handoutMasterIdLst>
-    <p:handoutMasterId r:id="rId14"/>
+    <p:handoutMasterId r:id="rId26"/>
   </p:handoutMasterIdLst>
   <p:sldIdLst>
     <p:sldId id="603" r:id="rId6"/>
     <p:sldId id="2417" r:id="rId7"/>
-    <p:sldId id="259" r:id="rId8"/>
-    <p:sldId id="2437" r:id="rId9"/>
-    <p:sldId id="2423" r:id="rId10"/>
-    <p:sldId id="582" r:id="rId11"/>
-    <p:sldId id="2419" r:id="rId12"/>
+    <p:sldId id="2441" r:id="rId8"/>
+    <p:sldId id="2448" r:id="rId9"/>
+    <p:sldId id="2442" r:id="rId10"/>
+    <p:sldId id="2443" r:id="rId11"/>
+    <p:sldId id="2445" r:id="rId12"/>
+    <p:sldId id="2449" r:id="rId13"/>
+    <p:sldId id="2450" r:id="rId14"/>
+    <p:sldId id="2444" r:id="rId15"/>
+    <p:sldId id="259" r:id="rId16"/>
+    <p:sldId id="2446" r:id="rId17"/>
+    <p:sldId id="2447" r:id="rId18"/>
+    <p:sldId id="2451" r:id="rId19"/>
+    <p:sldId id="2452" r:id="rId20"/>
+    <p:sldId id="2437" r:id="rId21"/>
+    <p:sldId id="582" r:id="rId22"/>
+    <p:sldId id="2423" r:id="rId23"/>
+    <p:sldId id="2419" r:id="rId24"/>
   </p:sldIdLst>
   <p:sldSz cx="12196763" cy="6858000"/>
   <p:notesSz cx="6858000" cy="9144000"/>
@@ -225,7 +237,7 @@
           <a:p>
             <a:fld id="{E8CF71B8-DF2A-2E41-BE66-2E18A767DA8A}" type="datetimeFigureOut">
               <a:rPr lang="en-US" smtClean="0"/>
-              <a:t>1/21/25</a:t>
+              <a:t>1/23/25</a:t>
             </a:fld>
             <a:endParaRPr lang="en-US"/>
           </a:p>
@@ -402,7 +414,7 @@
           <a:p>
             <a:fld id="{0DD60A27-BF12-6744-9E93-932A0E34D8BB}" type="datetimeFigureOut">
               <a:rPr lang="en-US" smtClean="0"/>
-              <a:t>1/21/25</a:t>
+              <a:t>1/23/25</a:t>
             </a:fld>
             <a:endParaRPr lang="en-US"/>
           </a:p>
@@ -827,7 +839,259 @@
     </p:spTree>
     <p:extLst>
       <p:ext uri="{BB962C8B-B14F-4D97-AF65-F5344CB8AC3E}">
+        <p14:creationId xmlns:p14="http://schemas.microsoft.com/office/powerpoint/2010/main" val="1304582115"/>
+      </p:ext>
+    </p:extLst>
+  </p:cSld>
+  <p:clrMapOvr>
+    <a:masterClrMapping/>
+  </p:clrMapOvr>
+</p:notes>
+</file>
+
+<file path=ppt/notesSlides/notesSlide3.xml><?xml version="1.0" encoding="utf-8"?>
+<p:notes xmlns:a="http://schemas.openxmlformats.org/drawingml/2006/main" xmlns:r="http://schemas.openxmlformats.org/officeDocument/2006/relationships" xmlns:p="http://schemas.openxmlformats.org/presentationml/2006/main">
+  <p:cSld>
+    <p:spTree>
+      <p:nvGrpSpPr>
+        <p:cNvPr id="1" name=""/>
+        <p:cNvGrpSpPr/>
+        <p:nvPr/>
+      </p:nvGrpSpPr>
+      <p:grpSpPr>
+        <a:xfrm>
+          <a:off x="0" y="0"/>
+          <a:ext cx="0" cy="0"/>
+          <a:chOff x="0" y="0"/>
+          <a:chExt cx="0" cy="0"/>
+        </a:xfrm>
+      </p:grpSpPr>
+      <p:sp>
+        <p:nvSpPr>
+          <p:cNvPr id="2" name="幻灯片图像占位符 1"/>
+          <p:cNvSpPr>
+            <a:spLocks noGrp="1" noRot="1" noChangeAspect="1"/>
+          </p:cNvSpPr>
+          <p:nvPr>
+            <p:ph type="sldImg"/>
+          </p:nvPr>
+        </p:nvSpPr>
+        <p:spPr/>
+      </p:sp>
+      <p:sp>
+        <p:nvSpPr>
+          <p:cNvPr id="3" name="备注占位符 2"/>
+          <p:cNvSpPr>
+            <a:spLocks noGrp="1"/>
+          </p:cNvSpPr>
+          <p:nvPr>
+            <p:ph type="body" idx="1"/>
+          </p:nvPr>
+        </p:nvSpPr>
+        <p:spPr/>
+        <p:txBody>
+          <a:bodyPr/>
+          <a:lstStyle/>
+          <a:p>
+            <a:endParaRPr kumimoji="1" lang="zh-CN" altLang="en-US" dirty="0"/>
+          </a:p>
+        </p:txBody>
+      </p:sp>
+      <p:sp>
+        <p:nvSpPr>
+          <p:cNvPr id="4" name="灯片编号占位符 3"/>
+          <p:cNvSpPr>
+            <a:spLocks noGrp="1"/>
+          </p:cNvSpPr>
+          <p:nvPr>
+            <p:ph type="sldNum" sz="quarter" idx="5"/>
+          </p:nvPr>
+        </p:nvSpPr>
+        <p:spPr/>
+        <p:txBody>
+          <a:bodyPr/>
+          <a:lstStyle/>
+          <a:p>
+            <a:fld id="{17021A3A-000B-724D-82E6-58165F25070D}" type="slidenum">
+              <a:rPr kumimoji="1" lang="zh-CN" altLang="en-US" smtClean="0"/>
+              <a:t>11</a:t>
+            </a:fld>
+            <a:endParaRPr kumimoji="1" lang="zh-CN" altLang="en-US"/>
+          </a:p>
+        </p:txBody>
+      </p:sp>
+    </p:spTree>
+    <p:extLst>
+      <p:ext uri="{BB962C8B-B14F-4D97-AF65-F5344CB8AC3E}">
         <p14:creationId xmlns:p14="http://schemas.microsoft.com/office/powerpoint/2010/main" val="1274378141"/>
+      </p:ext>
+    </p:extLst>
+  </p:cSld>
+  <p:clrMapOvr>
+    <a:masterClrMapping/>
+  </p:clrMapOvr>
+</p:notes>
+</file>
+
+<file path=ppt/notesSlides/notesSlide4.xml><?xml version="1.0" encoding="utf-8"?>
+<p:notes xmlns:a="http://schemas.openxmlformats.org/drawingml/2006/main" xmlns:r="http://schemas.openxmlformats.org/officeDocument/2006/relationships" xmlns:p="http://schemas.openxmlformats.org/presentationml/2006/main">
+  <p:cSld>
+    <p:spTree>
+      <p:nvGrpSpPr>
+        <p:cNvPr id="1" name=""/>
+        <p:cNvGrpSpPr/>
+        <p:nvPr/>
+      </p:nvGrpSpPr>
+      <p:grpSpPr>
+        <a:xfrm>
+          <a:off x="0" y="0"/>
+          <a:ext cx="0" cy="0"/>
+          <a:chOff x="0" y="0"/>
+          <a:chExt cx="0" cy="0"/>
+        </a:xfrm>
+      </p:grpSpPr>
+      <p:sp>
+        <p:nvSpPr>
+          <p:cNvPr id="2" name="幻灯片图像占位符 1"/>
+          <p:cNvSpPr>
+            <a:spLocks noGrp="1" noRot="1" noChangeAspect="1"/>
+          </p:cNvSpPr>
+          <p:nvPr>
+            <p:ph type="sldImg"/>
+          </p:nvPr>
+        </p:nvSpPr>
+        <p:spPr/>
+      </p:sp>
+      <p:sp>
+        <p:nvSpPr>
+          <p:cNvPr id="3" name="备注占位符 2"/>
+          <p:cNvSpPr>
+            <a:spLocks noGrp="1"/>
+          </p:cNvSpPr>
+          <p:nvPr>
+            <p:ph type="body" idx="1"/>
+          </p:nvPr>
+        </p:nvSpPr>
+        <p:spPr/>
+        <p:txBody>
+          <a:bodyPr/>
+          <a:lstStyle/>
+          <a:p>
+            <a:endParaRPr kumimoji="1" lang="zh-CN" altLang="en-US" dirty="0"/>
+          </a:p>
+        </p:txBody>
+      </p:sp>
+      <p:sp>
+        <p:nvSpPr>
+          <p:cNvPr id="4" name="灯片编号占位符 3"/>
+          <p:cNvSpPr>
+            <a:spLocks noGrp="1"/>
+          </p:cNvSpPr>
+          <p:nvPr>
+            <p:ph type="sldNum" sz="quarter" idx="5"/>
+          </p:nvPr>
+        </p:nvSpPr>
+        <p:spPr/>
+        <p:txBody>
+          <a:bodyPr/>
+          <a:lstStyle/>
+          <a:p>
+            <a:fld id="{17021A3A-000B-724D-82E6-58165F25070D}" type="slidenum">
+              <a:rPr kumimoji="1" lang="zh-CN" altLang="en-US" smtClean="0"/>
+              <a:t>14</a:t>
+            </a:fld>
+            <a:endParaRPr kumimoji="1" lang="zh-CN" altLang="en-US"/>
+          </a:p>
+        </p:txBody>
+      </p:sp>
+    </p:spTree>
+    <p:extLst>
+      <p:ext uri="{BB962C8B-B14F-4D97-AF65-F5344CB8AC3E}">
+        <p14:creationId xmlns:p14="http://schemas.microsoft.com/office/powerpoint/2010/main" val="1245803676"/>
+      </p:ext>
+    </p:extLst>
+  </p:cSld>
+  <p:clrMapOvr>
+    <a:masterClrMapping/>
+  </p:clrMapOvr>
+</p:notes>
+</file>
+
+<file path=ppt/notesSlides/notesSlide5.xml><?xml version="1.0" encoding="utf-8"?>
+<p:notes xmlns:a="http://schemas.openxmlformats.org/drawingml/2006/main" xmlns:r="http://schemas.openxmlformats.org/officeDocument/2006/relationships" xmlns:p="http://schemas.openxmlformats.org/presentationml/2006/main">
+  <p:cSld>
+    <p:spTree>
+      <p:nvGrpSpPr>
+        <p:cNvPr id="1" name=""/>
+        <p:cNvGrpSpPr/>
+        <p:nvPr/>
+      </p:nvGrpSpPr>
+      <p:grpSpPr>
+        <a:xfrm>
+          <a:off x="0" y="0"/>
+          <a:ext cx="0" cy="0"/>
+          <a:chOff x="0" y="0"/>
+          <a:chExt cx="0" cy="0"/>
+        </a:xfrm>
+      </p:grpSpPr>
+      <p:sp>
+        <p:nvSpPr>
+          <p:cNvPr id="2" name="幻灯片图像占位符 1"/>
+          <p:cNvSpPr>
+            <a:spLocks noGrp="1" noRot="1" noChangeAspect="1"/>
+          </p:cNvSpPr>
+          <p:nvPr>
+            <p:ph type="sldImg"/>
+          </p:nvPr>
+        </p:nvSpPr>
+        <p:spPr/>
+      </p:sp>
+      <p:sp>
+        <p:nvSpPr>
+          <p:cNvPr id="3" name="备注占位符 2"/>
+          <p:cNvSpPr>
+            <a:spLocks noGrp="1"/>
+          </p:cNvSpPr>
+          <p:nvPr>
+            <p:ph type="body" idx="1"/>
+          </p:nvPr>
+        </p:nvSpPr>
+        <p:spPr/>
+        <p:txBody>
+          <a:bodyPr/>
+          <a:lstStyle/>
+          <a:p>
+            <a:endParaRPr kumimoji="1" lang="zh-CN" altLang="en-US" dirty="0"/>
+          </a:p>
+        </p:txBody>
+      </p:sp>
+      <p:sp>
+        <p:nvSpPr>
+          <p:cNvPr id="4" name="灯片编号占位符 3"/>
+          <p:cNvSpPr>
+            <a:spLocks noGrp="1"/>
+          </p:cNvSpPr>
+          <p:nvPr>
+            <p:ph type="sldNum" sz="quarter" idx="5"/>
+          </p:nvPr>
+        </p:nvSpPr>
+        <p:spPr/>
+        <p:txBody>
+          <a:bodyPr/>
+          <a:lstStyle/>
+          <a:p>
+            <a:fld id="{17021A3A-000B-724D-82E6-58165F25070D}" type="slidenum">
+              <a:rPr kumimoji="1" lang="zh-CN" altLang="en-US" smtClean="0"/>
+              <a:t>15</a:t>
+            </a:fld>
+            <a:endParaRPr kumimoji="1" lang="zh-CN" altLang="en-US"/>
+          </a:p>
+        </p:txBody>
+      </p:sp>
+    </p:spTree>
+    <p:extLst>
+      <p:ext uri="{BB962C8B-B14F-4D97-AF65-F5344CB8AC3E}">
+        <p14:creationId xmlns:p14="http://schemas.microsoft.com/office/powerpoint/2010/main" val="3128211511"/>
       </p:ext>
     </p:extLst>
   </p:cSld>
@@ -911,9 +1175,9 @@
                 <a:solidFill>
                   <a:schemeClr val="tx2"/>
                 </a:solidFill>
-                <a:latin typeface="Futura Medium" panose="020B0602020204020303" pitchFamily="34" charset="-79"/>
+                <a:latin typeface="Futura-Medium" panose="020B0602020204020303" pitchFamily="34" charset="-79"/>
                 <a:ea typeface="微软雅黑" panose="020B0503020204020204" pitchFamily="34" charset="-122"/>
-                <a:cs typeface="Futura Medium" panose="020B0602020204020303" pitchFamily="34" charset="-79"/>
+                <a:cs typeface="Futura-Medium" panose="020B0602020204020303" pitchFamily="34" charset="-79"/>
               </a:rPr>
               <a:t>ZOMI</a:t>
             </a:r>
@@ -921,9 +1185,9 @@
               <a:solidFill>
                 <a:schemeClr val="tx2"/>
               </a:solidFill>
-              <a:latin typeface="Futura Medium" panose="020B0602020204020303" pitchFamily="34" charset="-79"/>
+              <a:latin typeface="Futura-Medium" panose="020B0602020204020303" pitchFamily="34" charset="-79"/>
               <a:ea typeface="微软雅黑" panose="020B0503020204020204" pitchFamily="34" charset="-122"/>
-              <a:cs typeface="Futura Medium" panose="020B0602020204020303" pitchFamily="34" charset="-79"/>
+              <a:cs typeface="Futura-Medium" panose="020B0602020204020303" pitchFamily="34" charset="-79"/>
             </a:endParaRPr>
           </a:p>
         </p:txBody>
@@ -1089,7 +1353,7 @@
                 </a:solidFill>
                 <a:latin typeface="Gill Sans MT" panose="020B0502020104020203" pitchFamily="34" charset="0"/>
                 <a:ea typeface="+mj-ea"/>
-                <a:cs typeface="Futura Medium" panose="020B0602020204020303" pitchFamily="34" charset="-79"/>
+                <a:cs typeface="Futura-Medium" panose="020B0602020204020303" pitchFamily="34" charset="-79"/>
               </a:rPr>
               <a:t>GitHub</a:t>
             </a:r>
@@ -1100,7 +1364,7 @@
                 </a:solidFill>
                 <a:latin typeface="Gill Sans MT" panose="020B0502020104020203" pitchFamily="34" charset="0"/>
                 <a:ea typeface="+mj-ea"/>
-                <a:cs typeface="Futura Medium" panose="020B0602020204020303" pitchFamily="34" charset="-79"/>
+                <a:cs typeface="Futura-Medium" panose="020B0602020204020303" pitchFamily="34" charset="-79"/>
               </a:rPr>
               <a:t> </a:t>
             </a:r>
@@ -1111,7 +1375,7 @@
                 </a:solidFill>
                 <a:latin typeface="Gill Sans MT" panose="020B0502020104020203" pitchFamily="34" charset="0"/>
                 <a:ea typeface="+mj-ea"/>
-                <a:cs typeface="Futura Medium" panose="020B0602020204020303" pitchFamily="34" charset="-79"/>
+                <a:cs typeface="Futura-Medium" panose="020B0602020204020303" pitchFamily="34" charset="-79"/>
               </a:rPr>
               <a:t>https://</a:t>
             </a:r>
@@ -1122,7 +1386,7 @@
                 </a:solidFill>
                 <a:latin typeface="Gill Sans MT" panose="020B0502020104020203" pitchFamily="34" charset="0"/>
                 <a:ea typeface="+mj-ea"/>
-                <a:cs typeface="Futura Medium" panose="020B0602020204020303" pitchFamily="34" charset="-79"/>
+                <a:cs typeface="Futura-Medium" panose="020B0602020204020303" pitchFamily="34" charset="-79"/>
               </a:rPr>
               <a:t>github.com</a:t>
             </a:r>
@@ -1133,7 +1397,7 @@
                 </a:solidFill>
                 <a:latin typeface="Gill Sans MT" panose="020B0502020104020203" pitchFamily="34" charset="0"/>
                 <a:ea typeface="+mj-ea"/>
-                <a:cs typeface="Futura Medium" panose="020B0602020204020303" pitchFamily="34" charset="-79"/>
+                <a:cs typeface="Futura-Medium" panose="020B0602020204020303" pitchFamily="34" charset="-79"/>
               </a:rPr>
               <a:t>/chenzomi12/</a:t>
             </a:r>
@@ -1144,7 +1408,7 @@
                 </a:solidFill>
                 <a:latin typeface="Gill Sans MT" panose="020B0502020104020203" pitchFamily="34" charset="0"/>
                 <a:ea typeface="+mj-ea"/>
-                <a:cs typeface="Futura Medium" panose="020B0602020204020303" pitchFamily="34" charset="-79"/>
+                <a:cs typeface="Futura-Medium" panose="020B0602020204020303" pitchFamily="34" charset="-79"/>
               </a:rPr>
               <a:t>AIFoundation</a:t>
             </a:r>
@@ -1154,7 +1418,7 @@
               </a:solidFill>
               <a:latin typeface="Gill Sans MT" panose="020B0502020104020203" pitchFamily="34" charset="0"/>
               <a:ea typeface="+mj-ea"/>
-              <a:cs typeface="Futura Medium" panose="020B0602020204020303" pitchFamily="34" charset="-79"/>
+              <a:cs typeface="Futura-Medium" panose="020B0602020204020303" pitchFamily="34" charset="-79"/>
             </a:endParaRPr>
           </a:p>
         </p:txBody>
@@ -1163,6 +1427,98 @@
     <p:extLst>
       <p:ext uri="{BB962C8B-B14F-4D97-AF65-F5344CB8AC3E}">
         <p14:creationId xmlns:p14="http://schemas.microsoft.com/office/powerpoint/2010/main" val="2951395180"/>
+      </p:ext>
+    </p:extLst>
+  </p:cSld>
+  <p:clrMapOvr>
+    <a:masterClrMapping/>
+  </p:clrMapOvr>
+  <mc:AlternateContent xmlns:mc="http://schemas.openxmlformats.org/markup-compatibility/2006" xmlns:p159="http://schemas.microsoft.com/office/powerpoint/2015/09/main">
+    <mc:Choice Requires="p159">
+      <p:transition xmlns:p14="http://schemas.microsoft.com/office/powerpoint/2010/main" spd="slow" p14:dur="2000">
+        <p159:morph option="byObject"/>
+      </p:transition>
+    </mc:Choice>
+    <mc:Fallback xmlns="">
+      <p:transition spd="slow">
+        <p:fade/>
+      </p:transition>
+    </mc:Fallback>
+  </mc:AlternateContent>
+</p:sldLayout>
+</file>
+
+<file path=ppt/slideLayouts/slideLayout10.xml><?xml version="1.0" encoding="utf-8"?>
+<p:sldLayout xmlns:a="http://schemas.openxmlformats.org/drawingml/2006/main" xmlns:r="http://schemas.openxmlformats.org/officeDocument/2006/relationships" xmlns:p="http://schemas.openxmlformats.org/presentationml/2006/main" preserve="1" userDrawn="1">
+  <p:cSld name="结束页">
+    <p:bg>
+      <p:bgPr>
+        <a:solidFill>
+          <a:srgbClr val="FFFFFF"/>
+        </a:solidFill>
+        <a:effectLst/>
+      </p:bgPr>
+    </p:bg>
+    <p:spTree>
+      <p:nvGrpSpPr>
+        <p:cNvPr id="1" name=""/>
+        <p:cNvGrpSpPr/>
+        <p:nvPr/>
+      </p:nvGrpSpPr>
+      <p:grpSpPr>
+        <a:xfrm>
+          <a:off x="0" y="0"/>
+          <a:ext cx="0" cy="0"/>
+          <a:chOff x="0" y="0"/>
+          <a:chExt cx="0" cy="0"/>
+        </a:xfrm>
+      </p:grpSpPr>
+      <p:sp>
+        <p:nvSpPr>
+          <p:cNvPr id="3" name="TextBox 2">
+            <a:extLst>
+              <a:ext uri="{FF2B5EF4-FFF2-40B4-BE49-F238E27FC236}">
+                <a16:creationId xmlns:a16="http://schemas.microsoft.com/office/drawing/2014/main" id="{C1960DD1-8AC3-8F46-9D2D-BF81187F43FC}"/>
+              </a:ext>
+            </a:extLst>
+          </p:cNvPr>
+          <p:cNvSpPr txBox="1"/>
+          <p:nvPr userDrawn="1"/>
+        </p:nvSpPr>
+        <p:spPr>
+          <a:xfrm>
+            <a:off x="1502228" y="2617826"/>
+            <a:ext cx="5127171" cy="1323439"/>
+          </a:xfrm>
+          <a:prstGeom prst="rect">
+            <a:avLst/>
+          </a:prstGeom>
+          <a:noFill/>
+        </p:spPr>
+        <p:txBody>
+          <a:bodyPr wrap="square" rtlCol="0">
+            <a:spAutoFit/>
+          </a:bodyPr>
+          <a:lstStyle/>
+          <a:p>
+            <a:pPr algn="l"/>
+            <a:r>
+              <a:rPr lang="en-US" sz="8000" dirty="0">
+                <a:solidFill>
+                  <a:srgbClr val="221815"/>
+                </a:solidFill>
+                <a:latin typeface="Futura-Medium" panose="020B0602020204020303" pitchFamily="34" charset="-79"/>
+                <a:cs typeface="Futura-Medium" panose="020B0602020204020303" pitchFamily="34" charset="-79"/>
+              </a:rPr>
+              <a:t>Thank you</a:t>
+            </a:r>
+          </a:p>
+        </p:txBody>
+      </p:sp>
+    </p:spTree>
+    <p:extLst>
+      <p:ext uri="{BB962C8B-B14F-4D97-AF65-F5344CB8AC3E}">
+        <p14:creationId xmlns:p14="http://schemas.microsoft.com/office/powerpoint/2010/main" val="3664786014"/>
       </p:ext>
     </p:extLst>
   </p:cSld>
@@ -1240,9 +1596,9 @@
                 <a:effectLst/>
                 <a:uLnTx/>
                 <a:uFillTx/>
-                <a:latin typeface="Futura Medium" panose="020B0602020204020303" pitchFamily="34" charset="-79"/>
+                <a:latin typeface="Futura-Medium" panose="020B0602020204020303" pitchFamily="34" charset="-79"/>
                 <a:ea typeface="微软雅黑" pitchFamily="34" charset="-122"/>
-                <a:cs typeface="Futura Medium" panose="020B0602020204020303" pitchFamily="34" charset="-79"/>
+                <a:cs typeface="Futura-Medium" panose="020B0602020204020303" pitchFamily="34" charset="-79"/>
               </a:defRPr>
             </a:lvl1pPr>
           </a:lstStyle>
@@ -1502,9 +1858,9 @@
                 <a:effectLst/>
                 <a:uLnTx/>
                 <a:uFillTx/>
-                <a:latin typeface="Futura Medium" panose="020B0602020204020303" pitchFamily="34" charset="-79"/>
+                <a:latin typeface="Futura-Medium" panose="020B0602020204020303" pitchFamily="34" charset="-79"/>
                 <a:ea typeface="微软雅黑" pitchFamily="34" charset="-122"/>
-                <a:cs typeface="Futura Medium" panose="020B0602020204020303" pitchFamily="34" charset="-79"/>
+                <a:cs typeface="Futura-Medium" panose="020B0602020204020303" pitchFamily="34" charset="-79"/>
               </a:defRPr>
             </a:lvl1pPr>
           </a:lstStyle>
@@ -1999,9 +2355,9 @@
                 <a:solidFill>
                   <a:schemeClr val="tx2"/>
                 </a:solidFill>
-                <a:latin typeface="Futura Medium" panose="020B0602020204020303" pitchFamily="34" charset="-79"/>
+                <a:latin typeface="Futura-Medium" panose="020B0602020204020303" pitchFamily="34" charset="-79"/>
                 <a:ea typeface="微软雅黑" panose="020B0503020204020204" pitchFamily="34" charset="-122"/>
-                <a:cs typeface="Futura Medium" panose="020B0602020204020303" pitchFamily="34" charset="-79"/>
+                <a:cs typeface="Futura-Medium" panose="020B0602020204020303" pitchFamily="34" charset="-79"/>
               </a:rPr>
               <a:t>ZOMI</a:t>
             </a:r>
@@ -2009,9 +2365,9 @@
               <a:solidFill>
                 <a:schemeClr val="tx2"/>
               </a:solidFill>
-              <a:latin typeface="Futura Medium" panose="020B0602020204020303" pitchFamily="34" charset="-79"/>
+              <a:latin typeface="Futura-Medium" panose="020B0602020204020303" pitchFamily="34" charset="-79"/>
               <a:ea typeface="微软雅黑" panose="020B0503020204020204" pitchFamily="34" charset="-122"/>
-              <a:cs typeface="Futura Medium" panose="020B0602020204020303" pitchFamily="34" charset="-79"/>
+              <a:cs typeface="Futura-Medium" panose="020B0602020204020303" pitchFamily="34" charset="-79"/>
             </a:endParaRPr>
           </a:p>
         </p:txBody>
@@ -2177,7 +2533,7 @@
                 </a:solidFill>
                 <a:latin typeface="Gill Sans MT" panose="020B0502020104020203" pitchFamily="34" charset="0"/>
                 <a:ea typeface="+mj-ea"/>
-                <a:cs typeface="Futura Medium" panose="020B0602020204020303" pitchFamily="34" charset="-79"/>
+                <a:cs typeface="Futura-Medium" panose="020B0602020204020303" pitchFamily="34" charset="-79"/>
               </a:rPr>
               <a:t>GitHub</a:t>
             </a:r>
@@ -2188,7 +2544,7 @@
                 </a:solidFill>
                 <a:latin typeface="Gill Sans MT" panose="020B0502020104020203" pitchFamily="34" charset="0"/>
                 <a:ea typeface="+mj-ea"/>
-                <a:cs typeface="Futura Medium" panose="020B0602020204020303" pitchFamily="34" charset="-79"/>
+                <a:cs typeface="Futura-Medium" panose="020B0602020204020303" pitchFamily="34" charset="-79"/>
               </a:rPr>
               <a:t> </a:t>
             </a:r>
@@ -2199,7 +2555,7 @@
                 </a:solidFill>
                 <a:latin typeface="Gill Sans MT" panose="020B0502020104020203" pitchFamily="34" charset="0"/>
                 <a:ea typeface="+mj-ea"/>
-                <a:cs typeface="Futura Medium" panose="020B0602020204020303" pitchFamily="34" charset="-79"/>
+                <a:cs typeface="Futura-Medium" panose="020B0602020204020303" pitchFamily="34" charset="-79"/>
               </a:rPr>
               <a:t>https://</a:t>
             </a:r>
@@ -2210,7 +2566,7 @@
                 </a:solidFill>
                 <a:latin typeface="Gill Sans MT" panose="020B0502020104020203" pitchFamily="34" charset="0"/>
                 <a:ea typeface="+mj-ea"/>
-                <a:cs typeface="Futura Medium" panose="020B0602020204020303" pitchFamily="34" charset="-79"/>
+                <a:cs typeface="Futura-Medium" panose="020B0602020204020303" pitchFamily="34" charset="-79"/>
               </a:rPr>
               <a:t>github.com</a:t>
             </a:r>
@@ -2221,7 +2577,7 @@
                 </a:solidFill>
                 <a:latin typeface="Gill Sans MT" panose="020B0502020104020203" pitchFamily="34" charset="0"/>
                 <a:ea typeface="+mj-ea"/>
-                <a:cs typeface="Futura Medium" panose="020B0602020204020303" pitchFamily="34" charset="-79"/>
+                <a:cs typeface="Futura-Medium" panose="020B0602020204020303" pitchFamily="34" charset="-79"/>
               </a:rPr>
               <a:t>/chenzomi12/</a:t>
             </a:r>
@@ -2232,7 +2588,7 @@
                 </a:solidFill>
                 <a:latin typeface="Gill Sans MT" panose="020B0502020104020203" pitchFamily="34" charset="0"/>
                 <a:ea typeface="+mj-ea"/>
-                <a:cs typeface="Futura Medium" panose="020B0602020204020303" pitchFamily="34" charset="-79"/>
+                <a:cs typeface="Futura-Medium" panose="020B0602020204020303" pitchFamily="34" charset="-79"/>
               </a:rPr>
               <a:t>AIFoundation</a:t>
             </a:r>
@@ -2242,7 +2598,7 @@
               </a:solidFill>
               <a:latin typeface="Gill Sans MT" panose="020B0502020104020203" pitchFamily="34" charset="0"/>
               <a:ea typeface="+mj-ea"/>
-              <a:cs typeface="Futura Medium" panose="020B0602020204020303" pitchFamily="34" charset="-79"/>
+              <a:cs typeface="Futura-Medium" panose="020B0602020204020303" pitchFamily="34" charset="-79"/>
             </a:endParaRPr>
           </a:p>
         </p:txBody>
@@ -2261,6 +2617,520 @@
 </file>
 
 <file path=ppt/slideLayouts/slideLayout6.xml><?xml version="1.0" encoding="utf-8"?>
+<p:sldLayout xmlns:a="http://schemas.openxmlformats.org/drawingml/2006/main" xmlns:r="http://schemas.openxmlformats.org/officeDocument/2006/relationships" xmlns:p="http://schemas.openxmlformats.org/presentationml/2006/main" userDrawn="1">
+  <p:cSld name="1_篇章页">
+    <p:spTree>
+      <p:nvGrpSpPr>
+        <p:cNvPr id="1" name=""/>
+        <p:cNvGrpSpPr/>
+        <p:nvPr/>
+      </p:nvGrpSpPr>
+      <p:grpSpPr>
+        <a:xfrm>
+          <a:off x="0" y="0"/>
+          <a:ext cx="0" cy="0"/>
+          <a:chOff x="0" y="0"/>
+          <a:chExt cx="0" cy="0"/>
+        </a:xfrm>
+      </p:grpSpPr>
+      <p:pic>
+        <p:nvPicPr>
+          <p:cNvPr id="5" name="图片 4">
+            <a:extLst>
+              <a:ext uri="{FF2B5EF4-FFF2-40B4-BE49-F238E27FC236}">
+                <a16:creationId xmlns:a16="http://schemas.microsoft.com/office/drawing/2014/main" id="{1BD3EAA6-5124-3D4A-95FF-740B70F60318}"/>
+              </a:ext>
+            </a:extLst>
+          </p:cNvPr>
+          <p:cNvPicPr>
+            <a:picLocks noChangeAspect="1"/>
+          </p:cNvPicPr>
+          <p:nvPr userDrawn="1"/>
+        </p:nvPicPr>
+        <p:blipFill>
+          <a:blip r:embed="rId2" cstate="print">
+            <a:extLst>
+              <a:ext uri="{28A0092B-C50C-407E-A947-70E740481C1C}">
+                <a14:useLocalDpi xmlns:a14="http://schemas.microsoft.com/office/drawing/2010/main"/>
+              </a:ext>
+            </a:extLst>
+          </a:blip>
+          <a:stretch>
+            <a:fillRect/>
+          </a:stretch>
+        </p:blipFill>
+        <p:spPr>
+          <a:xfrm>
+            <a:off x="0" y="0"/>
+            <a:ext cx="12196763" cy="6858000"/>
+          </a:xfrm>
+          <a:prstGeom prst="rect">
+            <a:avLst/>
+          </a:prstGeom>
+        </p:spPr>
+      </p:pic>
+      <p:sp>
+        <p:nvSpPr>
+          <p:cNvPr id="2" name="TextBox 2">
+            <a:extLst>
+              <a:ext uri="{FF2B5EF4-FFF2-40B4-BE49-F238E27FC236}">
+                <a16:creationId xmlns:a16="http://schemas.microsoft.com/office/drawing/2014/main" id="{F3652C3B-3BDF-C967-C9F7-FC41B185F5A1}"/>
+              </a:ext>
+            </a:extLst>
+          </p:cNvPr>
+          <p:cNvSpPr txBox="1"/>
+          <p:nvPr userDrawn="1"/>
+        </p:nvSpPr>
+        <p:spPr>
+          <a:xfrm>
+            <a:off x="543605" y="6449875"/>
+            <a:ext cx="728026" cy="295466"/>
+          </a:xfrm>
+          <a:prstGeom prst="rect">
+            <a:avLst/>
+          </a:prstGeom>
+          <a:noFill/>
+        </p:spPr>
+        <p:txBody>
+          <a:bodyPr wrap="square" rtlCol="0">
+            <a:spAutoFit/>
+          </a:bodyPr>
+          <a:lstStyle/>
+          <a:p>
+            <a:pPr>
+              <a:lnSpc>
+                <a:spcPct val="120000"/>
+              </a:lnSpc>
+              <a:spcBef>
+                <a:spcPct val="20000"/>
+              </a:spcBef>
+              <a:buClr>
+                <a:srgbClr val="1D1D1A"/>
+              </a:buClr>
+              <a:buSzPct val="50000"/>
+              <a:buFont typeface="Wingdings" pitchFamily="2" charset="2"/>
+              <a:buNone/>
+            </a:pPr>
+            <a:r>
+              <a:rPr lang="en-US" altLang="zh-CN" sz="1200" dirty="0">
+                <a:solidFill>
+                  <a:schemeClr val="tx2"/>
+                </a:solidFill>
+                <a:latin typeface="Futura-Medium" panose="020B0602020204020303" pitchFamily="34" charset="-79"/>
+                <a:ea typeface="微软雅黑" panose="020B0503020204020204" pitchFamily="34" charset="-122"/>
+                <a:cs typeface="Futura-Medium" panose="020B0602020204020303" pitchFamily="34" charset="-79"/>
+              </a:rPr>
+              <a:t>ZOMI</a:t>
+            </a:r>
+            <a:endParaRPr lang="en-US" sz="1200" dirty="0">
+              <a:solidFill>
+                <a:schemeClr val="tx2"/>
+              </a:solidFill>
+              <a:latin typeface="Futura-Medium" panose="020B0602020204020303" pitchFamily="34" charset="-79"/>
+              <a:ea typeface="微软雅黑" panose="020B0503020204020204" pitchFamily="34" charset="-122"/>
+              <a:cs typeface="Futura-Medium" panose="020B0602020204020303" pitchFamily="34" charset="-79"/>
+            </a:endParaRPr>
+          </a:p>
+        </p:txBody>
+      </p:sp>
+      <p:sp>
+        <p:nvSpPr>
+          <p:cNvPr id="3" name="TextBox 3">
+            <a:extLst>
+              <a:ext uri="{FF2B5EF4-FFF2-40B4-BE49-F238E27FC236}">
+                <a16:creationId xmlns:a16="http://schemas.microsoft.com/office/drawing/2014/main" id="{62216C8F-403B-B46A-188F-43EEF71787AB}"/>
+              </a:ext>
+            </a:extLst>
+          </p:cNvPr>
+          <p:cNvSpPr txBox="1"/>
+          <p:nvPr userDrawn="1"/>
+        </p:nvSpPr>
+        <p:spPr>
+          <a:xfrm>
+            <a:off x="8358978" y="6505275"/>
+            <a:ext cx="499730" cy="184666"/>
+          </a:xfrm>
+          <a:prstGeom prst="rect">
+            <a:avLst/>
+          </a:prstGeom>
+          <a:noFill/>
+        </p:spPr>
+        <p:txBody>
+          <a:bodyPr wrap="square" lIns="0" tIns="0" rIns="0" bIns="0" rtlCol="0">
+            <a:spAutoFit/>
+          </a:bodyPr>
+          <a:lstStyle/>
+          <a:p>
+            <a:pPr algn="ctr" defTabSz="890204" fontAlgn="auto">
+              <a:spcBef>
+                <a:spcPts val="0"/>
+              </a:spcBef>
+              <a:spcAft>
+                <a:spcPts val="0"/>
+              </a:spcAft>
+              <a:defRPr/>
+            </a:pPr>
+            <a:fld id="{C3837181-38C6-AD4F-B8BA-B444770388BB}" type="slidenum">
+              <a:rPr lang="en-US" sz="1200" smtClean="0">
+                <a:solidFill>
+                  <a:schemeClr val="tx2"/>
+                </a:solidFill>
+                <a:latin typeface="Arial" panose="020B0604020202020204" pitchFamily="34" charset="0"/>
+                <a:ea typeface="华文细黑" pitchFamily="2" charset="-122"/>
+                <a:cs typeface="Arial" panose="020B0604020202020204" pitchFamily="34" charset="0"/>
+              </a:rPr>
+              <a:pPr algn="ctr" defTabSz="890204" fontAlgn="auto">
+                <a:spcBef>
+                  <a:spcPts val="0"/>
+                </a:spcBef>
+                <a:spcAft>
+                  <a:spcPts val="0"/>
+                </a:spcAft>
+                <a:defRPr/>
+              </a:pPr>
+              <a:t>‹#›</a:t>
+            </a:fld>
+            <a:endParaRPr lang="en-US" sz="1200" dirty="0">
+              <a:solidFill>
+                <a:schemeClr val="tx2"/>
+              </a:solidFill>
+              <a:latin typeface="Arial" panose="020B0604020202020204" pitchFamily="34" charset="0"/>
+              <a:ea typeface="华文细黑" pitchFamily="2" charset="-122"/>
+              <a:cs typeface="Arial" panose="020B0604020202020204" pitchFamily="34" charset="0"/>
+            </a:endParaRPr>
+          </a:p>
+        </p:txBody>
+      </p:sp>
+      <p:pic>
+        <p:nvPicPr>
+          <p:cNvPr id="4" name="图片 3">
+            <a:extLst>
+              <a:ext uri="{FF2B5EF4-FFF2-40B4-BE49-F238E27FC236}">
+                <a16:creationId xmlns:a16="http://schemas.microsoft.com/office/drawing/2014/main" id="{1503A16B-634D-EAB9-B25D-7FC30383ACC6}"/>
+              </a:ext>
+            </a:extLst>
+          </p:cNvPr>
+          <p:cNvPicPr>
+            <a:picLocks noChangeAspect="1"/>
+          </p:cNvPicPr>
+          <p:nvPr userDrawn="1"/>
+        </p:nvPicPr>
+        <p:blipFill>
+          <a:blip r:embed="rId3" cstate="print">
+            <a:alphaModFix amt="70000"/>
+            <a:extLst>
+              <a:ext uri="{28A0092B-C50C-407E-A947-70E740481C1C}">
+                <a14:useLocalDpi xmlns:a14="http://schemas.microsoft.com/office/drawing/2010/main"/>
+              </a:ext>
+            </a:extLst>
+          </a:blip>
+          <a:stretch>
+            <a:fillRect/>
+          </a:stretch>
+        </p:blipFill>
+        <p:spPr>
+          <a:xfrm>
+            <a:off x="266621" y="6471608"/>
+            <a:ext cx="252000" cy="252000"/>
+          </a:xfrm>
+          <a:prstGeom prst="ellipse">
+            <a:avLst/>
+          </a:prstGeom>
+          <a:ln w="28575" cap="rnd">
+            <a:solidFill>
+              <a:schemeClr val="tx2"/>
+            </a:solidFill>
+            <a:prstDash val="solid"/>
+          </a:ln>
+          <a:effectLst/>
+        </p:spPr>
+      </p:pic>
+      <p:sp>
+        <p:nvSpPr>
+          <p:cNvPr id="6" name="TextBox 2">
+            <a:extLst>
+              <a:ext uri="{FF2B5EF4-FFF2-40B4-BE49-F238E27FC236}">
+                <a16:creationId xmlns:a16="http://schemas.microsoft.com/office/drawing/2014/main" id="{1F0AA649-F2A3-8307-89FA-873D519CD422}"/>
+              </a:ext>
+            </a:extLst>
+          </p:cNvPr>
+          <p:cNvSpPr txBox="1"/>
+          <p:nvPr userDrawn="1"/>
+        </p:nvSpPr>
+        <p:spPr>
+          <a:xfrm>
+            <a:off x="8830447" y="6458435"/>
+            <a:ext cx="3237243" cy="278346"/>
+          </a:xfrm>
+          <a:prstGeom prst="rect">
+            <a:avLst/>
+          </a:prstGeom>
+          <a:noFill/>
+        </p:spPr>
+        <p:txBody>
+          <a:bodyPr wrap="square" rtlCol="0">
+            <a:spAutoFit/>
+          </a:bodyPr>
+          <a:lstStyle/>
+          <a:p>
+            <a:pPr algn="r">
+              <a:lnSpc>
+                <a:spcPct val="120000"/>
+              </a:lnSpc>
+              <a:spcBef>
+                <a:spcPct val="20000"/>
+              </a:spcBef>
+              <a:buClr>
+                <a:srgbClr val="1D1D1A"/>
+              </a:buClr>
+              <a:buSzPct val="50000"/>
+              <a:buFont typeface="Wingdings" pitchFamily="2" charset="2"/>
+              <a:buNone/>
+            </a:pPr>
+            <a:r>
+              <a:rPr lang="en-US" altLang="zh-CN" sz="1100" dirty="0">
+                <a:solidFill>
+                  <a:schemeClr val="tx2"/>
+                </a:solidFill>
+                <a:latin typeface="Gill Sans MT" panose="020B0502020104020203" pitchFamily="34" charset="0"/>
+                <a:ea typeface="+mj-ea"/>
+                <a:cs typeface="Futura-Medium" panose="020B0602020204020303" pitchFamily="34" charset="-79"/>
+              </a:rPr>
+              <a:t>GitHub</a:t>
+            </a:r>
+            <a:r>
+              <a:rPr lang="zh-CN" altLang="en-US" sz="1100" dirty="0">
+                <a:solidFill>
+                  <a:schemeClr val="tx2"/>
+                </a:solidFill>
+                <a:latin typeface="Gill Sans MT" panose="020B0502020104020203" pitchFamily="34" charset="0"/>
+                <a:ea typeface="+mj-ea"/>
+                <a:cs typeface="Futura-Medium" panose="020B0602020204020303" pitchFamily="34" charset="-79"/>
+              </a:rPr>
+              <a:t> </a:t>
+            </a:r>
+            <a:r>
+              <a:rPr lang="en-US" altLang="zh-CN" sz="1100" dirty="0">
+                <a:solidFill>
+                  <a:schemeClr val="tx2"/>
+                </a:solidFill>
+                <a:latin typeface="Gill Sans MT" panose="020B0502020104020203" pitchFamily="34" charset="0"/>
+                <a:ea typeface="+mj-ea"/>
+                <a:cs typeface="Futura-Medium" panose="020B0602020204020303" pitchFamily="34" charset="-79"/>
+              </a:rPr>
+              <a:t>https://</a:t>
+            </a:r>
+            <a:r>
+              <a:rPr lang="en-US" altLang="zh-CN" sz="1100" dirty="0" err="1">
+                <a:solidFill>
+                  <a:schemeClr val="tx2"/>
+                </a:solidFill>
+                <a:latin typeface="Gill Sans MT" panose="020B0502020104020203" pitchFamily="34" charset="0"/>
+                <a:ea typeface="+mj-ea"/>
+                <a:cs typeface="Futura-Medium" panose="020B0602020204020303" pitchFamily="34" charset="-79"/>
+              </a:rPr>
+              <a:t>github.com</a:t>
+            </a:r>
+            <a:r>
+              <a:rPr lang="en-US" altLang="zh-CN" sz="1100" dirty="0">
+                <a:solidFill>
+                  <a:schemeClr val="tx2"/>
+                </a:solidFill>
+                <a:latin typeface="Gill Sans MT" panose="020B0502020104020203" pitchFamily="34" charset="0"/>
+                <a:ea typeface="+mj-ea"/>
+                <a:cs typeface="Futura-Medium" panose="020B0602020204020303" pitchFamily="34" charset="-79"/>
+              </a:rPr>
+              <a:t>/chenzomi12/</a:t>
+            </a:r>
+            <a:r>
+              <a:rPr lang="en-US" altLang="zh-CN" sz="1100" dirty="0" err="1">
+                <a:solidFill>
+                  <a:schemeClr val="tx2"/>
+                </a:solidFill>
+                <a:latin typeface="Gill Sans MT" panose="020B0502020104020203" pitchFamily="34" charset="0"/>
+                <a:ea typeface="+mj-ea"/>
+                <a:cs typeface="Futura-Medium" panose="020B0602020204020303" pitchFamily="34" charset="-79"/>
+              </a:rPr>
+              <a:t>AIFoundation</a:t>
+            </a:r>
+            <a:endParaRPr lang="en-US" sz="1100" dirty="0">
+              <a:solidFill>
+                <a:schemeClr val="tx2"/>
+              </a:solidFill>
+              <a:latin typeface="Gill Sans MT" panose="020B0502020104020203" pitchFamily="34" charset="0"/>
+              <a:ea typeface="+mj-ea"/>
+              <a:cs typeface="Futura-Medium" panose="020B0602020204020303" pitchFamily="34" charset="-79"/>
+            </a:endParaRPr>
+          </a:p>
+        </p:txBody>
+      </p:sp>
+      <p:sp>
+        <p:nvSpPr>
+          <p:cNvPr id="7" name="内容占位符 2">
+            <a:extLst>
+              <a:ext uri="{FF2B5EF4-FFF2-40B4-BE49-F238E27FC236}">
+                <a16:creationId xmlns:a16="http://schemas.microsoft.com/office/drawing/2014/main" id="{35A58353-89D2-75E1-4F31-34BFB4BE3291}"/>
+              </a:ext>
+            </a:extLst>
+          </p:cNvPr>
+          <p:cNvSpPr>
+            <a:spLocks noGrp="1"/>
+          </p:cNvSpPr>
+          <p:nvPr>
+            <p:ph sz="half" idx="1"/>
+          </p:nvPr>
+        </p:nvSpPr>
+        <p:spPr>
+          <a:xfrm>
+            <a:off x="481757" y="2406869"/>
+            <a:ext cx="11161240" cy="3603651"/>
+          </a:xfrm>
+          <a:prstGeom prst="rect">
+            <a:avLst/>
+          </a:prstGeom>
+          <a:noFill/>
+        </p:spPr>
+        <p:txBody>
+          <a:bodyPr anchor="ctr">
+            <a:normAutofit/>
+          </a:bodyPr>
+          <a:lstStyle>
+            <a:lvl1pPr marL="0" marR="0" indent="0" algn="ctr" defTabSz="1218804" rtl="0" eaLnBrk="0" fontAlgn="base" latinLnBrk="0" hangingPunct="0">
+              <a:lnSpc>
+                <a:spcPct val="100000"/>
+              </a:lnSpc>
+              <a:spcBef>
+                <a:spcPts val="0"/>
+              </a:spcBef>
+              <a:spcAft>
+                <a:spcPct val="0"/>
+              </a:spcAft>
+              <a:buClr>
+                <a:srgbClr val="71B2FF"/>
+              </a:buClr>
+              <a:buSzPct val="110000"/>
+              <a:buFont typeface="+mj-lt"/>
+              <a:buNone/>
+              <a:tabLst/>
+              <a:defRPr kumimoji="0" lang="zh-CN" altLang="en-US" sz="9600" b="1" i="0" u="none" strike="noStrike" kern="0" cap="none" spc="0" normalizeH="0" baseline="0" dirty="0">
+                <a:ln>
+                  <a:noFill/>
+                </a:ln>
+                <a:solidFill>
+                  <a:schemeClr val="bg1"/>
+                </a:solidFill>
+                <a:effectLst/>
+                <a:uLnTx/>
+                <a:uFillTx/>
+                <a:latin typeface="Futura-Medium" panose="020B0602020204020303" pitchFamily="34" charset="-79"/>
+                <a:ea typeface="微软雅黑" pitchFamily="34" charset="-122"/>
+                <a:cs typeface="Futura-Medium" panose="020B0602020204020303" pitchFamily="34" charset="-79"/>
+              </a:defRPr>
+            </a:lvl1pPr>
+            <a:lvl2pPr marL="476096" marR="0" indent="-236990" algn="l" defTabSz="1218804" rtl="0" eaLnBrk="0" fontAlgn="base" latinLnBrk="0" hangingPunct="0">
+              <a:lnSpc>
+                <a:spcPct val="150000"/>
+              </a:lnSpc>
+              <a:spcBef>
+                <a:spcPts val="0"/>
+              </a:spcBef>
+              <a:spcAft>
+                <a:spcPct val="0"/>
+              </a:spcAft>
+              <a:buClr>
+                <a:srgbClr val="71B2FF"/>
+              </a:buClr>
+              <a:buFont typeface="Arial" panose="020B0604020202020204" pitchFamily="34" charset="0"/>
+              <a:buChar char="◦"/>
+              <a:tabLst/>
+              <a:defRPr kumimoji="0" lang="zh-CN" altLang="en-US" sz="1200" b="0" i="0" u="none" strike="noStrike" kern="0" cap="none" spc="0" normalizeH="0" baseline="0" dirty="0">
+                <a:ln>
+                  <a:noFill/>
+                </a:ln>
+                <a:solidFill>
+                  <a:srgbClr val="374154"/>
+                </a:solidFill>
+                <a:effectLst/>
+                <a:uLnTx/>
+                <a:uFillTx/>
+                <a:latin typeface="微软雅黑" pitchFamily="34" charset="-122"/>
+                <a:ea typeface="微软雅黑" pitchFamily="34" charset="-122"/>
+                <a:cs typeface="+mn-cs"/>
+              </a:defRPr>
+            </a:lvl2pPr>
+            <a:lvl3pPr marL="833696" marR="0" indent="-236990" algn="l" defTabSz="1218804" rtl="0" eaLnBrk="0" fontAlgn="base" latinLnBrk="0" hangingPunct="0">
+              <a:lnSpc>
+                <a:spcPct val="150000"/>
+              </a:lnSpc>
+              <a:spcBef>
+                <a:spcPts val="0"/>
+              </a:spcBef>
+              <a:spcAft>
+                <a:spcPct val="0"/>
+              </a:spcAft>
+              <a:buClr>
+                <a:srgbClr val="71B2FF"/>
+              </a:buClr>
+              <a:buFontTx/>
+              <a:buChar char="-"/>
+              <a:tabLst/>
+              <a:defRPr kumimoji="0" lang="zh-CN" altLang="en-US" sz="1200" b="0" i="0" u="none" strike="noStrike" kern="0" cap="none" spc="0" normalizeH="0" baseline="0" dirty="0">
+                <a:ln>
+                  <a:noFill/>
+                </a:ln>
+                <a:solidFill>
+                  <a:srgbClr val="374154"/>
+                </a:solidFill>
+                <a:effectLst/>
+                <a:uLnTx/>
+                <a:uFillTx/>
+                <a:latin typeface="微软雅黑" pitchFamily="34" charset="-122"/>
+                <a:ea typeface="微软雅黑" pitchFamily="34" charset="-122"/>
+                <a:cs typeface="+mn-cs"/>
+              </a:defRPr>
+            </a:lvl3pPr>
+            <a:lvl4pPr>
+              <a:defRPr sz="1542"/>
+            </a:lvl4pPr>
+            <a:lvl5pPr>
+              <a:defRPr sz="1542"/>
+            </a:lvl5pPr>
+            <a:lvl6pPr>
+              <a:defRPr sz="1542"/>
+            </a:lvl6pPr>
+            <a:lvl7pPr>
+              <a:defRPr sz="1542"/>
+            </a:lvl7pPr>
+            <a:lvl8pPr>
+              <a:defRPr sz="1542"/>
+            </a:lvl8pPr>
+            <a:lvl9pPr>
+              <a:defRPr sz="1542"/>
+            </a:lvl9pPr>
+          </a:lstStyle>
+          <a:p>
+            <a:pPr lvl="0"/>
+            <a:r>
+              <a:rPr lang="zh-CN" altLang="en-US" dirty="0"/>
+              <a:t>单击此处编辑母版文本样式</a:t>
+            </a:r>
+          </a:p>
+        </p:txBody>
+      </p:sp>
+    </p:spTree>
+    <p:extLst>
+      <p:ext uri="{BB962C8B-B14F-4D97-AF65-F5344CB8AC3E}">
+        <p14:creationId xmlns:p14="http://schemas.microsoft.com/office/powerpoint/2010/main" val="1634617437"/>
+      </p:ext>
+    </p:extLst>
+  </p:cSld>
+  <p:clrMapOvr>
+    <a:masterClrMapping/>
+  </p:clrMapOvr>
+</p:sldLayout>
+</file>
+
+<file path=ppt/slideLayouts/slideLayout7.xml><?xml version="1.0" encoding="utf-8"?>
 <p:sldLayout xmlns:a="http://schemas.openxmlformats.org/drawingml/2006/main" xmlns:r="http://schemas.openxmlformats.org/officeDocument/2006/relationships" xmlns:p="http://schemas.openxmlformats.org/presentationml/2006/main" preserve="1" userDrawn="1">
   <p:cSld name="标题幻灯片">
     <p:spTree>
@@ -2306,9 +3176,9 @@
                     <a:lumMod val="95000"/>
                   </a:schemeClr>
                 </a:solidFill>
-                <a:latin typeface="Futura Medium" panose="020B0602020204020303" pitchFamily="34" charset="-79"/>
+                <a:latin typeface="Futura-Medium" panose="020B0602020204020303" pitchFamily="34" charset="-79"/>
                 <a:ea typeface="微软雅黑" panose="020B0503020204020204" pitchFamily="34" charset="-122"/>
-                <a:cs typeface="Futura Medium" panose="020B0602020204020303" pitchFamily="34" charset="-79"/>
+                <a:cs typeface="Futura-Medium" panose="020B0602020204020303" pitchFamily="34" charset="-79"/>
               </a:defRPr>
             </a:lvl1pPr>
           </a:lstStyle>
@@ -2479,7 +3349,7 @@
 </p:sldLayout>
 </file>
 
-<file path=ppt/slideLayouts/slideLayout7.xml><?xml version="1.0" encoding="utf-8"?>
+<file path=ppt/slideLayouts/slideLayout8.xml><?xml version="1.0" encoding="utf-8"?>
 <p:sldLayout xmlns:a="http://schemas.openxmlformats.org/drawingml/2006/main" xmlns:r="http://schemas.openxmlformats.org/officeDocument/2006/relationships" xmlns:p="http://schemas.openxmlformats.org/presentationml/2006/main" preserve="1" userDrawn="1">
   <p:cSld name="3_标题幻灯片">
     <p:spTree>
@@ -2554,9 +3424,9 @@
                 <a:effectLst/>
                 <a:uLnTx/>
                 <a:uFillTx/>
-                <a:latin typeface="Futura Medium" panose="020B0602020204020303" pitchFamily="34" charset="-79"/>
+                <a:latin typeface="Futura-Medium" panose="020B0602020204020303" pitchFamily="34" charset="-79"/>
                 <a:ea typeface="微软雅黑" pitchFamily="34" charset="-122"/>
-                <a:cs typeface="Futura Medium" panose="020B0602020204020303" pitchFamily="34" charset="-79"/>
+                <a:cs typeface="Futura-Medium" panose="020B0602020204020303" pitchFamily="34" charset="-79"/>
               </a:defRPr>
             </a:lvl1pPr>
             <a:lvl2pPr marL="476096" marR="0" indent="-236990" algn="l" defTabSz="1218804" rtl="0" eaLnBrk="0" fontAlgn="base" latinLnBrk="0" hangingPunct="0">
@@ -2678,7 +3548,7 @@
 </p:sldLayout>
 </file>
 
-<file path=ppt/slideLayouts/slideLayout8.xml><?xml version="1.0" encoding="utf-8"?>
+<file path=ppt/slideLayouts/slideLayout9.xml><?xml version="1.0" encoding="utf-8"?>
 <p:sldLayout xmlns:a="http://schemas.openxmlformats.org/drawingml/2006/main" xmlns:r="http://schemas.openxmlformats.org/officeDocument/2006/relationships" xmlns:p="http://schemas.openxmlformats.org/presentationml/2006/main" preserve="1" userDrawn="1">
   <p:cSld name="标题幻灯片">
     <p:spTree>
@@ -2867,98 +3737,6 @@
     <p:extLst>
       <p:ext uri="{BB962C8B-B14F-4D97-AF65-F5344CB8AC3E}">
         <p14:creationId xmlns:p14="http://schemas.microsoft.com/office/powerpoint/2010/main" val="3370003082"/>
-      </p:ext>
-    </p:extLst>
-  </p:cSld>
-  <p:clrMapOvr>
-    <a:masterClrMapping/>
-  </p:clrMapOvr>
-  <mc:AlternateContent xmlns:mc="http://schemas.openxmlformats.org/markup-compatibility/2006" xmlns:p159="http://schemas.microsoft.com/office/powerpoint/2015/09/main">
-    <mc:Choice Requires="p159">
-      <p:transition xmlns:p14="http://schemas.microsoft.com/office/powerpoint/2010/main" spd="slow" p14:dur="2000">
-        <p159:morph option="byObject"/>
-      </p:transition>
-    </mc:Choice>
-    <mc:Fallback xmlns="">
-      <p:transition spd="slow">
-        <p:fade/>
-      </p:transition>
-    </mc:Fallback>
-  </mc:AlternateContent>
-</p:sldLayout>
-</file>
-
-<file path=ppt/slideLayouts/slideLayout9.xml><?xml version="1.0" encoding="utf-8"?>
-<p:sldLayout xmlns:a="http://schemas.openxmlformats.org/drawingml/2006/main" xmlns:r="http://schemas.openxmlformats.org/officeDocument/2006/relationships" xmlns:p="http://schemas.openxmlformats.org/presentationml/2006/main" preserve="1" userDrawn="1">
-  <p:cSld name="结束页">
-    <p:bg>
-      <p:bgPr>
-        <a:solidFill>
-          <a:srgbClr val="FFFFFF"/>
-        </a:solidFill>
-        <a:effectLst/>
-      </p:bgPr>
-    </p:bg>
-    <p:spTree>
-      <p:nvGrpSpPr>
-        <p:cNvPr id="1" name=""/>
-        <p:cNvGrpSpPr/>
-        <p:nvPr/>
-      </p:nvGrpSpPr>
-      <p:grpSpPr>
-        <a:xfrm>
-          <a:off x="0" y="0"/>
-          <a:ext cx="0" cy="0"/>
-          <a:chOff x="0" y="0"/>
-          <a:chExt cx="0" cy="0"/>
-        </a:xfrm>
-      </p:grpSpPr>
-      <p:sp>
-        <p:nvSpPr>
-          <p:cNvPr id="3" name="TextBox 2">
-            <a:extLst>
-              <a:ext uri="{FF2B5EF4-FFF2-40B4-BE49-F238E27FC236}">
-                <a16:creationId xmlns:a16="http://schemas.microsoft.com/office/drawing/2014/main" id="{C1960DD1-8AC3-8F46-9D2D-BF81187F43FC}"/>
-              </a:ext>
-            </a:extLst>
-          </p:cNvPr>
-          <p:cNvSpPr txBox="1"/>
-          <p:nvPr userDrawn="1"/>
-        </p:nvSpPr>
-        <p:spPr>
-          <a:xfrm>
-            <a:off x="1502228" y="2617826"/>
-            <a:ext cx="5127171" cy="1323439"/>
-          </a:xfrm>
-          <a:prstGeom prst="rect">
-            <a:avLst/>
-          </a:prstGeom>
-          <a:noFill/>
-        </p:spPr>
-        <p:txBody>
-          <a:bodyPr wrap="square" rtlCol="0">
-            <a:spAutoFit/>
-          </a:bodyPr>
-          <a:lstStyle/>
-          <a:p>
-            <a:pPr algn="l"/>
-            <a:r>
-              <a:rPr lang="en-US" sz="8000" dirty="0">
-                <a:solidFill>
-                  <a:srgbClr val="221815"/>
-                </a:solidFill>
-                <a:latin typeface="Futura Medium" panose="020B0602020204020303" pitchFamily="34" charset="-79"/>
-                <a:cs typeface="Futura Medium" panose="020B0602020204020303" pitchFamily="34" charset="-79"/>
-              </a:rPr>
-              <a:t>Thank you</a:t>
-            </a:r>
-          </a:p>
-        </p:txBody>
-      </p:sp>
-    </p:spTree>
-    <p:extLst>
-      <p:ext uri="{BB962C8B-B14F-4D97-AF65-F5344CB8AC3E}">
-        <p14:creationId xmlns:p14="http://schemas.microsoft.com/office/powerpoint/2010/main" val="3664786014"/>
       </p:ext>
     </p:extLst>
   </p:cSld>
@@ -3052,9 +3830,9 @@
                 <a:solidFill>
                   <a:schemeClr val="tx1"/>
                 </a:solidFill>
-                <a:latin typeface="Futura Medium" panose="020B0602020204020303" pitchFamily="34" charset="-79"/>
+                <a:latin typeface="Futura-Medium" panose="020B0602020204020303" pitchFamily="34" charset="-79"/>
                 <a:ea typeface="微软雅黑" panose="020B0503020204020204" pitchFamily="34" charset="-122"/>
-                <a:cs typeface="Futura Medium" panose="020B0602020204020303" pitchFamily="34" charset="-79"/>
+                <a:cs typeface="Futura-Medium" panose="020B0602020204020303" pitchFamily="34" charset="-79"/>
               </a:rPr>
               <a:t>ZOMI</a:t>
             </a:r>
@@ -3062,9 +3840,9 @@
               <a:solidFill>
                 <a:schemeClr val="tx1"/>
               </a:solidFill>
-              <a:latin typeface="Futura Medium" panose="020B0602020204020303" pitchFamily="34" charset="-79"/>
+              <a:latin typeface="Futura-Medium" panose="020B0602020204020303" pitchFamily="34" charset="-79"/>
               <a:ea typeface="微软雅黑" panose="020B0503020204020204" pitchFamily="34" charset="-122"/>
-              <a:cs typeface="Futura Medium" panose="020B0602020204020303" pitchFamily="34" charset="-79"/>
+              <a:cs typeface="Futura-Medium" panose="020B0602020204020303" pitchFamily="34" charset="-79"/>
             </a:endParaRPr>
           </a:p>
         </p:txBody>
@@ -3230,7 +4008,7 @@
                 </a:solidFill>
                 <a:latin typeface="Gill Sans MT" panose="020B0502020104020203" pitchFamily="34" charset="0"/>
                 <a:ea typeface="+mj-ea"/>
-                <a:cs typeface="Futura Medium" panose="020B0602020204020303" pitchFamily="34" charset="-79"/>
+                <a:cs typeface="Futura-Medium" panose="020B0602020204020303" pitchFamily="34" charset="-79"/>
               </a:rPr>
               <a:t>GitHub</a:t>
             </a:r>
@@ -3241,7 +4019,7 @@
                 </a:solidFill>
                 <a:latin typeface="Gill Sans MT" panose="020B0502020104020203" pitchFamily="34" charset="0"/>
                 <a:ea typeface="+mj-ea"/>
-                <a:cs typeface="Futura Medium" panose="020B0602020204020303" pitchFamily="34" charset="-79"/>
+                <a:cs typeface="Futura-Medium" panose="020B0602020204020303" pitchFamily="34" charset="-79"/>
               </a:rPr>
               <a:t> </a:t>
             </a:r>
@@ -3252,7 +4030,7 @@
                 </a:solidFill>
                 <a:latin typeface="Gill Sans MT" panose="020B0502020104020203" pitchFamily="34" charset="0"/>
                 <a:ea typeface="+mj-ea"/>
-                <a:cs typeface="Futura Medium" panose="020B0602020204020303" pitchFamily="34" charset="-79"/>
+                <a:cs typeface="Futura-Medium" panose="020B0602020204020303" pitchFamily="34" charset="-79"/>
               </a:rPr>
               <a:t>https://</a:t>
             </a:r>
@@ -3263,7 +4041,7 @@
                 </a:solidFill>
                 <a:latin typeface="Gill Sans MT" panose="020B0502020104020203" pitchFamily="34" charset="0"/>
                 <a:ea typeface="+mj-ea"/>
-                <a:cs typeface="Futura Medium" panose="020B0602020204020303" pitchFamily="34" charset="-79"/>
+                <a:cs typeface="Futura-Medium" panose="020B0602020204020303" pitchFamily="34" charset="-79"/>
               </a:rPr>
               <a:t>github.com</a:t>
             </a:r>
@@ -3274,7 +4052,7 @@
                 </a:solidFill>
                 <a:latin typeface="Gill Sans MT" panose="020B0502020104020203" pitchFamily="34" charset="0"/>
                 <a:ea typeface="+mj-ea"/>
-                <a:cs typeface="Futura Medium" panose="020B0602020204020303" pitchFamily="34" charset="-79"/>
+                <a:cs typeface="Futura-Medium" panose="020B0602020204020303" pitchFamily="34" charset="-79"/>
               </a:rPr>
               <a:t>/chenzomi12/</a:t>
             </a:r>
@@ -3285,7 +4063,7 @@
                 </a:solidFill>
                 <a:latin typeface="Gill Sans MT" panose="020B0502020104020203" pitchFamily="34" charset="0"/>
                 <a:ea typeface="+mj-ea"/>
-                <a:cs typeface="Futura Medium" panose="020B0602020204020303" pitchFamily="34" charset="-79"/>
+                <a:cs typeface="Futura-Medium" panose="020B0602020204020303" pitchFamily="34" charset="-79"/>
               </a:rPr>
               <a:t>AIFoundation</a:t>
             </a:r>
@@ -3295,7 +4073,7 @@
               </a:solidFill>
               <a:latin typeface="Gill Sans MT" panose="020B0502020104020203" pitchFamily="34" charset="0"/>
               <a:ea typeface="+mj-ea"/>
-              <a:cs typeface="Futura Medium" panose="020B0602020204020303" pitchFamily="34" charset="-79"/>
+              <a:cs typeface="Futura-Medium" panose="020B0602020204020303" pitchFamily="34" charset="-79"/>
             </a:endParaRPr>
           </a:p>
         </p:txBody>
@@ -13329,9 +14107,9 @@
                 <a:solidFill>
                   <a:schemeClr val="tx1"/>
                 </a:solidFill>
-                <a:latin typeface="Futura Medium" panose="020B0602020204020303" pitchFamily="34" charset="-79"/>
+                <a:latin typeface="Futura-Medium" panose="020B0602020204020303" pitchFamily="34" charset="-79"/>
                 <a:ea typeface="微软雅黑" panose="020B0503020204020204" pitchFamily="34" charset="-122"/>
-                <a:cs typeface="Futura Medium" panose="020B0602020204020303" pitchFamily="34" charset="-79"/>
+                <a:cs typeface="Futura-Medium" panose="020B0602020204020303" pitchFamily="34" charset="-79"/>
               </a:rPr>
               <a:t>ZOMI</a:t>
             </a:r>
@@ -13339,9 +14117,9 @@
               <a:solidFill>
                 <a:schemeClr val="tx1"/>
               </a:solidFill>
-              <a:latin typeface="Futura Medium" panose="020B0602020204020303" pitchFamily="34" charset="-79"/>
+              <a:latin typeface="Futura-Medium" panose="020B0602020204020303" pitchFamily="34" charset="-79"/>
               <a:ea typeface="微软雅黑" panose="020B0503020204020204" pitchFamily="34" charset="-122"/>
-              <a:cs typeface="Futura Medium" panose="020B0602020204020303" pitchFamily="34" charset="-79"/>
+              <a:cs typeface="Futura-Medium" panose="020B0602020204020303" pitchFamily="34" charset="-79"/>
             </a:endParaRPr>
           </a:p>
         </p:txBody>
@@ -13429,7 +14207,7 @@
           <p:nvPr userDrawn="1"/>
         </p:nvPicPr>
         <p:blipFill>
-          <a:blip r:embed="rId6" cstate="print">
+          <a:blip r:embed="rId7" cstate="print">
             <a:alphaModFix amt="70000"/>
             <a:extLst>
               <a:ext uri="{28A0092B-C50C-407E-A947-70E740481C1C}">
@@ -13507,7 +14285,7 @@
                 </a:solidFill>
                 <a:latin typeface="Gill Sans MT" panose="020B0502020104020203" pitchFamily="34" charset="0"/>
                 <a:ea typeface="+mj-ea"/>
-                <a:cs typeface="Futura Medium" panose="020B0602020204020303" pitchFamily="34" charset="-79"/>
+                <a:cs typeface="Futura-Medium" panose="020B0602020204020303" pitchFamily="34" charset="-79"/>
               </a:rPr>
               <a:t>GitHub</a:t>
             </a:r>
@@ -13518,7 +14296,7 @@
                 </a:solidFill>
                 <a:latin typeface="Gill Sans MT" panose="020B0502020104020203" pitchFamily="34" charset="0"/>
                 <a:ea typeface="+mj-ea"/>
-                <a:cs typeface="Futura Medium" panose="020B0602020204020303" pitchFamily="34" charset="-79"/>
+                <a:cs typeface="Futura-Medium" panose="020B0602020204020303" pitchFamily="34" charset="-79"/>
               </a:rPr>
               <a:t> </a:t>
             </a:r>
@@ -13529,7 +14307,7 @@
                 </a:solidFill>
                 <a:latin typeface="Gill Sans MT" panose="020B0502020104020203" pitchFamily="34" charset="0"/>
                 <a:ea typeface="+mj-ea"/>
-                <a:cs typeface="Futura Medium" panose="020B0602020204020303" pitchFamily="34" charset="-79"/>
+                <a:cs typeface="Futura-Medium" panose="020B0602020204020303" pitchFamily="34" charset="-79"/>
               </a:rPr>
               <a:t>https://</a:t>
             </a:r>
@@ -13540,7 +14318,7 @@
                 </a:solidFill>
                 <a:latin typeface="Gill Sans MT" panose="020B0502020104020203" pitchFamily="34" charset="0"/>
                 <a:ea typeface="+mj-ea"/>
-                <a:cs typeface="Futura Medium" panose="020B0602020204020303" pitchFamily="34" charset="-79"/>
+                <a:cs typeface="Futura-Medium" panose="020B0602020204020303" pitchFamily="34" charset="-79"/>
               </a:rPr>
               <a:t>github.com</a:t>
             </a:r>
@@ -13551,7 +14329,7 @@
                 </a:solidFill>
                 <a:latin typeface="Gill Sans MT" panose="020B0502020104020203" pitchFamily="34" charset="0"/>
                 <a:ea typeface="+mj-ea"/>
-                <a:cs typeface="Futura Medium" panose="020B0602020204020303" pitchFamily="34" charset="-79"/>
+                <a:cs typeface="Futura-Medium" panose="020B0602020204020303" pitchFamily="34" charset="-79"/>
               </a:rPr>
               <a:t>/chenzomi12/</a:t>
             </a:r>
@@ -13562,7 +14340,7 @@
                 </a:solidFill>
                 <a:latin typeface="Gill Sans MT" panose="020B0502020104020203" pitchFamily="34" charset="0"/>
                 <a:ea typeface="+mj-ea"/>
-                <a:cs typeface="Futura Medium" panose="020B0602020204020303" pitchFamily="34" charset="-79"/>
+                <a:cs typeface="Futura-Medium" panose="020B0602020204020303" pitchFamily="34" charset="-79"/>
               </a:rPr>
               <a:t>AIFoundation</a:t>
             </a:r>
@@ -13572,7 +14350,7 @@
               </a:solidFill>
               <a:latin typeface="Gill Sans MT" panose="020B0502020104020203" pitchFamily="34" charset="0"/>
               <a:ea typeface="+mj-ea"/>
-              <a:cs typeface="Futura Medium" panose="020B0602020204020303" pitchFamily="34" charset="-79"/>
+              <a:cs typeface="Futura-Medium" panose="020B0602020204020303" pitchFamily="34" charset="-79"/>
             </a:endParaRPr>
           </a:p>
         </p:txBody>
@@ -13590,6 +14368,7 @@
     <p:sldLayoutId id="2147483963" r:id="rId2"/>
     <p:sldLayoutId id="2147483964" r:id="rId3"/>
     <p:sldLayoutId id="2147483981" r:id="rId4"/>
+    <p:sldLayoutId id="2147483982" r:id="rId5"/>
   </p:sldLayoutIdLst>
   <mc:AlternateContent xmlns:mc="http://schemas.openxmlformats.org/markup-compatibility/2006" xmlns:p159="http://schemas.microsoft.com/office/powerpoint/2015/09/main">
     <mc:Choice Requires="p159">
@@ -18749,9 +19528,9 @@
                 <a:solidFill>
                   <a:schemeClr val="tx1"/>
                 </a:solidFill>
-                <a:latin typeface="Futura Medium" panose="020B0602020204020303" pitchFamily="34" charset="-79"/>
+                <a:latin typeface="Futura-Medium" panose="020B0602020204020303" pitchFamily="34" charset="-79"/>
                 <a:ea typeface="微软雅黑" panose="020B0503020204020204" pitchFamily="34" charset="-122"/>
-                <a:cs typeface="Futura Medium" panose="020B0602020204020303" pitchFamily="34" charset="-79"/>
+                <a:cs typeface="Futura-Medium" panose="020B0602020204020303" pitchFamily="34" charset="-79"/>
               </a:rPr>
               <a:t>ZOMI</a:t>
             </a:r>
@@ -18759,9 +19538,9 @@
               <a:solidFill>
                 <a:schemeClr val="tx1"/>
               </a:solidFill>
-              <a:latin typeface="Futura Medium" panose="020B0602020204020303" pitchFamily="34" charset="-79"/>
+              <a:latin typeface="Futura-Medium" panose="020B0602020204020303" pitchFamily="34" charset="-79"/>
               <a:ea typeface="微软雅黑" panose="020B0503020204020204" pitchFamily="34" charset="-122"/>
-              <a:cs typeface="Futura Medium" panose="020B0602020204020303" pitchFamily="34" charset="-79"/>
+              <a:cs typeface="Futura-Medium" panose="020B0602020204020303" pitchFamily="34" charset="-79"/>
             </a:endParaRPr>
           </a:p>
         </p:txBody>
@@ -18927,7 +19706,7 @@
                 </a:solidFill>
                 <a:latin typeface="Gill Sans MT" panose="020B0502020104020203" pitchFamily="34" charset="0"/>
                 <a:ea typeface="+mj-ea"/>
-                <a:cs typeface="Futura Medium" panose="020B0602020204020303" pitchFamily="34" charset="-79"/>
+                <a:cs typeface="Futura-Medium" panose="020B0602020204020303" pitchFamily="34" charset="-79"/>
               </a:rPr>
               <a:t>GitHub</a:t>
             </a:r>
@@ -18938,7 +19717,7 @@
                 </a:solidFill>
                 <a:latin typeface="Gill Sans MT" panose="020B0502020104020203" pitchFamily="34" charset="0"/>
                 <a:ea typeface="+mj-ea"/>
-                <a:cs typeface="Futura Medium" panose="020B0602020204020303" pitchFamily="34" charset="-79"/>
+                <a:cs typeface="Futura-Medium" panose="020B0602020204020303" pitchFamily="34" charset="-79"/>
               </a:rPr>
               <a:t> </a:t>
             </a:r>
@@ -18949,7 +19728,7 @@
                 </a:solidFill>
                 <a:latin typeface="Gill Sans MT" panose="020B0502020104020203" pitchFamily="34" charset="0"/>
                 <a:ea typeface="+mj-ea"/>
-                <a:cs typeface="Futura Medium" panose="020B0602020204020303" pitchFamily="34" charset="-79"/>
+                <a:cs typeface="Futura-Medium" panose="020B0602020204020303" pitchFamily="34" charset="-79"/>
               </a:rPr>
               <a:t>https://</a:t>
             </a:r>
@@ -18960,7 +19739,7 @@
                 </a:solidFill>
                 <a:latin typeface="Gill Sans MT" panose="020B0502020104020203" pitchFamily="34" charset="0"/>
                 <a:ea typeface="+mj-ea"/>
-                <a:cs typeface="Futura Medium" panose="020B0602020204020303" pitchFamily="34" charset="-79"/>
+                <a:cs typeface="Futura-Medium" panose="020B0602020204020303" pitchFamily="34" charset="-79"/>
               </a:rPr>
               <a:t>github.com</a:t>
             </a:r>
@@ -18971,7 +19750,7 @@
                 </a:solidFill>
                 <a:latin typeface="Gill Sans MT" panose="020B0502020104020203" pitchFamily="34" charset="0"/>
                 <a:ea typeface="+mj-ea"/>
-                <a:cs typeface="Futura Medium" panose="020B0602020204020303" pitchFamily="34" charset="-79"/>
+                <a:cs typeface="Futura-Medium" panose="020B0602020204020303" pitchFamily="34" charset="-79"/>
               </a:rPr>
               <a:t>/chenzomi12/</a:t>
             </a:r>
@@ -18982,7 +19761,7 @@
                 </a:solidFill>
                 <a:latin typeface="Gill Sans MT" panose="020B0502020104020203" pitchFamily="34" charset="0"/>
                 <a:ea typeface="+mj-ea"/>
-                <a:cs typeface="Futura Medium" panose="020B0602020204020303" pitchFamily="34" charset="-79"/>
+                <a:cs typeface="Futura-Medium" panose="020B0602020204020303" pitchFamily="34" charset="-79"/>
               </a:rPr>
               <a:t>AIFoundation</a:t>
             </a:r>
@@ -18992,7 +19771,7 @@
               </a:solidFill>
               <a:latin typeface="Gill Sans MT" panose="020B0502020104020203" pitchFamily="34" charset="0"/>
               <a:ea typeface="+mj-ea"/>
-              <a:cs typeface="Futura Medium" panose="020B0602020204020303" pitchFamily="34" charset="-79"/>
+              <a:cs typeface="Futura-Medium" panose="020B0602020204020303" pitchFamily="34" charset="-79"/>
             </a:endParaRPr>
           </a:p>
         </p:txBody>
@@ -24200,9 +24979,9 @@
                 <a:solidFill>
                   <a:schemeClr val="bg1"/>
                 </a:solidFill>
-                <a:latin typeface="Futura Medium" panose="020B0602020204020303" pitchFamily="34" charset="-79"/>
+                <a:latin typeface="Futura-Medium" panose="020B0602020204020303" pitchFamily="34" charset="-79"/>
                 <a:ea typeface="微软雅黑" panose="020B0503020204020204" pitchFamily="34" charset="-122"/>
-                <a:cs typeface="Futura Medium" panose="020B0602020204020303" pitchFamily="34" charset="-79"/>
+                <a:cs typeface="Futura-Medium" panose="020B0602020204020303" pitchFamily="34" charset="-79"/>
               </a:rPr>
               <a:t>ZOMI</a:t>
             </a:r>
@@ -24210,9 +24989,9 @@
               <a:solidFill>
                 <a:schemeClr val="bg1"/>
               </a:solidFill>
-              <a:latin typeface="Futura Medium" panose="020B0602020204020303" pitchFamily="34" charset="-79"/>
+              <a:latin typeface="Futura-Medium" panose="020B0602020204020303" pitchFamily="34" charset="-79"/>
               <a:ea typeface="微软雅黑" panose="020B0503020204020204" pitchFamily="34" charset="-122"/>
-              <a:cs typeface="Futura Medium" panose="020B0602020204020303" pitchFamily="34" charset="-79"/>
+              <a:cs typeface="Futura-Medium" panose="020B0602020204020303" pitchFamily="34" charset="-79"/>
             </a:endParaRPr>
           </a:p>
         </p:txBody>
@@ -24378,7 +25157,7 @@
                 </a:solidFill>
                 <a:latin typeface="Gill Sans MT" panose="020B0502020104020203" pitchFamily="34" charset="0"/>
                 <a:ea typeface="+mj-ea"/>
-                <a:cs typeface="Futura Medium" panose="020B0602020204020303" pitchFamily="34" charset="-79"/>
+                <a:cs typeface="Futura-Medium" panose="020B0602020204020303" pitchFamily="34" charset="-79"/>
               </a:rPr>
               <a:t>GitHub</a:t>
             </a:r>
@@ -24389,7 +25168,7 @@
                 </a:solidFill>
                 <a:latin typeface="Gill Sans MT" panose="020B0502020104020203" pitchFamily="34" charset="0"/>
                 <a:ea typeface="+mj-ea"/>
-                <a:cs typeface="Futura Medium" panose="020B0602020204020303" pitchFamily="34" charset="-79"/>
+                <a:cs typeface="Futura-Medium" panose="020B0602020204020303" pitchFamily="34" charset="-79"/>
               </a:rPr>
               <a:t> </a:t>
             </a:r>
@@ -24400,7 +25179,7 @@
                 </a:solidFill>
                 <a:latin typeface="Gill Sans MT" panose="020B0502020104020203" pitchFamily="34" charset="0"/>
                 <a:ea typeface="+mj-ea"/>
-                <a:cs typeface="Futura Medium" panose="020B0602020204020303" pitchFamily="34" charset="-79"/>
+                <a:cs typeface="Futura-Medium" panose="020B0602020204020303" pitchFamily="34" charset="-79"/>
               </a:rPr>
               <a:t>https://</a:t>
             </a:r>
@@ -24411,7 +25190,7 @@
                 </a:solidFill>
                 <a:latin typeface="Gill Sans MT" panose="020B0502020104020203" pitchFamily="34" charset="0"/>
                 <a:ea typeface="+mj-ea"/>
-                <a:cs typeface="Futura Medium" panose="020B0602020204020303" pitchFamily="34" charset="-79"/>
+                <a:cs typeface="Futura-Medium" panose="020B0602020204020303" pitchFamily="34" charset="-79"/>
               </a:rPr>
               <a:t>github.com</a:t>
             </a:r>
@@ -24422,7 +25201,7 @@
                 </a:solidFill>
                 <a:latin typeface="Gill Sans MT" panose="020B0502020104020203" pitchFamily="34" charset="0"/>
                 <a:ea typeface="+mj-ea"/>
-                <a:cs typeface="Futura Medium" panose="020B0602020204020303" pitchFamily="34" charset="-79"/>
+                <a:cs typeface="Futura-Medium" panose="020B0602020204020303" pitchFamily="34" charset="-79"/>
               </a:rPr>
               <a:t>/chenzomi12/</a:t>
             </a:r>
@@ -24433,7 +25212,7 @@
                 </a:solidFill>
                 <a:latin typeface="Gill Sans MT" panose="020B0502020104020203" pitchFamily="34" charset="0"/>
                 <a:ea typeface="+mj-ea"/>
-                <a:cs typeface="Futura Medium" panose="020B0602020204020303" pitchFamily="34" charset="-79"/>
+                <a:cs typeface="Futura-Medium" panose="020B0602020204020303" pitchFamily="34" charset="-79"/>
               </a:rPr>
               <a:t>AIFoundation</a:t>
             </a:r>
@@ -24443,7 +25222,7 @@
               </a:solidFill>
               <a:latin typeface="Gill Sans MT" panose="020B0502020104020203" pitchFamily="34" charset="0"/>
               <a:ea typeface="+mj-ea"/>
-              <a:cs typeface="Futura Medium" panose="020B0602020204020303" pitchFamily="34" charset="-79"/>
+              <a:cs typeface="Futura-Medium" panose="020B0602020204020303" pitchFamily="34" charset="-79"/>
             </a:endParaRPr>
           </a:p>
         </p:txBody>
@@ -25934,9 +26713,9 @@
                 <a:solidFill>
                   <a:srgbClr val="C00000"/>
                 </a:solidFill>
-                <a:latin typeface="Futura Medium" panose="020B0602020204020303" pitchFamily="34" charset="-79"/>
+                <a:latin typeface="Futura-Medium" panose="020B0602020204020303" pitchFamily="34" charset="-79"/>
                 <a:ea typeface="微软雅黑" panose="020B0503020204020204" pitchFamily="34" charset="-122"/>
-                <a:cs typeface="Futura Medium" panose="020B0602020204020303" pitchFamily="34" charset="-79"/>
+                <a:cs typeface="Futura-Medium" panose="020B0602020204020303" pitchFamily="34" charset="-79"/>
               </a:rPr>
               <a:t>ZOMI</a:t>
             </a:r>
@@ -25944,9 +26723,9 @@
               <a:solidFill>
                 <a:srgbClr val="C00000"/>
               </a:solidFill>
-              <a:latin typeface="Futura Medium" panose="020B0602020204020303" pitchFamily="34" charset="-79"/>
+              <a:latin typeface="Futura-Medium" panose="020B0602020204020303" pitchFamily="34" charset="-79"/>
               <a:ea typeface="微软雅黑" panose="020B0503020204020204" pitchFamily="34" charset="-122"/>
-              <a:cs typeface="Futura Medium" panose="020B0602020204020303" pitchFamily="34" charset="-79"/>
+              <a:cs typeface="Futura-Medium" panose="020B0602020204020303" pitchFamily="34" charset="-79"/>
             </a:endParaRPr>
           </a:p>
         </p:txBody>
@@ -26044,7 +26823,7 @@
                 </a:solidFill>
                 <a:latin typeface="Gill Sans MT" panose="020B0502020104020203" pitchFamily="34" charset="0"/>
                 <a:ea typeface="+mj-ea"/>
-                <a:cs typeface="Futura Medium" panose="020B0602020204020303" pitchFamily="34" charset="-79"/>
+                <a:cs typeface="Futura-Medium" panose="020B0602020204020303" pitchFamily="34" charset="-79"/>
               </a:rPr>
               <a:t>GitHub</a:t>
             </a:r>
@@ -26055,7 +26834,7 @@
                 </a:solidFill>
                 <a:latin typeface="Gill Sans MT" panose="020B0502020104020203" pitchFamily="34" charset="0"/>
                 <a:ea typeface="+mj-ea"/>
-                <a:cs typeface="Futura Medium" panose="020B0602020204020303" pitchFamily="34" charset="-79"/>
+                <a:cs typeface="Futura-Medium" panose="020B0602020204020303" pitchFamily="34" charset="-79"/>
               </a:rPr>
               <a:t> </a:t>
             </a:r>
@@ -26066,7 +26845,7 @@
                 </a:solidFill>
                 <a:latin typeface="Gill Sans MT" panose="020B0502020104020203" pitchFamily="34" charset="0"/>
                 <a:ea typeface="+mj-ea"/>
-                <a:cs typeface="Futura Medium" panose="020B0602020204020303" pitchFamily="34" charset="-79"/>
+                <a:cs typeface="Futura-Medium" panose="020B0602020204020303" pitchFamily="34" charset="-79"/>
               </a:rPr>
               <a:t>https://</a:t>
             </a:r>
@@ -26077,7 +26856,7 @@
                 </a:solidFill>
                 <a:latin typeface="Gill Sans MT" panose="020B0502020104020203" pitchFamily="34" charset="0"/>
                 <a:ea typeface="+mj-ea"/>
-                <a:cs typeface="Futura Medium" panose="020B0602020204020303" pitchFamily="34" charset="-79"/>
+                <a:cs typeface="Futura-Medium" panose="020B0602020204020303" pitchFamily="34" charset="-79"/>
               </a:rPr>
               <a:t>github.com</a:t>
             </a:r>
@@ -26088,7 +26867,7 @@
                 </a:solidFill>
                 <a:latin typeface="Gill Sans MT" panose="020B0502020104020203" pitchFamily="34" charset="0"/>
                 <a:ea typeface="+mj-ea"/>
-                <a:cs typeface="Futura Medium" panose="020B0602020204020303" pitchFamily="34" charset="-79"/>
+                <a:cs typeface="Futura-Medium" panose="020B0602020204020303" pitchFamily="34" charset="-79"/>
               </a:rPr>
               <a:t>/chenzomi12/</a:t>
             </a:r>
@@ -26099,7 +26878,7 @@
                 </a:solidFill>
                 <a:latin typeface="Gill Sans MT" panose="020B0502020104020203" pitchFamily="34" charset="0"/>
                 <a:ea typeface="+mj-ea"/>
-                <a:cs typeface="Futura Medium" panose="020B0602020204020303" pitchFamily="34" charset="-79"/>
+                <a:cs typeface="Futura-Medium" panose="020B0602020204020303" pitchFamily="34" charset="-79"/>
               </a:rPr>
               <a:t>AIFoundation</a:t>
             </a:r>
@@ -26109,7 +26888,7 @@
               </a:solidFill>
               <a:latin typeface="Gill Sans MT" panose="020B0502020104020203" pitchFamily="34" charset="0"/>
               <a:ea typeface="+mj-ea"/>
-              <a:cs typeface="Futura Medium" panose="020B0602020204020303" pitchFamily="34" charset="-79"/>
+              <a:cs typeface="Futura-Medium" panose="020B0602020204020303" pitchFamily="34" charset="-79"/>
             </a:endParaRPr>
           </a:p>
         </p:txBody>
@@ -30985,9 +31764,9 @@
                 <a:solidFill>
                   <a:schemeClr val="bg1"/>
                 </a:solidFill>
-                <a:latin typeface="Futura Medium" panose="020B0602020204020303" pitchFamily="34" charset="-79"/>
+                <a:latin typeface="Futura-Medium" panose="020B0602020204020303" pitchFamily="34" charset="-79"/>
                 <a:ea typeface="微软雅黑" panose="020B0503020204020204" pitchFamily="34" charset="-122"/>
-                <a:cs typeface="Futura Medium" panose="020B0602020204020303" pitchFamily="34" charset="-79"/>
+                <a:cs typeface="Futura-Medium" panose="020B0602020204020303" pitchFamily="34" charset="-79"/>
               </a:rPr>
               <a:t>ZOMI</a:t>
             </a:r>
@@ -30995,9 +31774,9 @@
               <a:solidFill>
                 <a:schemeClr val="bg1"/>
               </a:solidFill>
-              <a:latin typeface="Futura Medium" panose="020B0602020204020303" pitchFamily="34" charset="-79"/>
+              <a:latin typeface="Futura-Medium" panose="020B0602020204020303" pitchFamily="34" charset="-79"/>
               <a:ea typeface="微软雅黑" panose="020B0503020204020204" pitchFamily="34" charset="-122"/>
-              <a:cs typeface="Futura Medium" panose="020B0602020204020303" pitchFamily="34" charset="-79"/>
+              <a:cs typeface="Futura-Medium" panose="020B0602020204020303" pitchFamily="34" charset="-79"/>
             </a:endParaRPr>
           </a:p>
         </p:txBody>
@@ -31084,9 +31863,9 @@
           <a:solidFill>
             <a:srgbClr val="1D1D1A"/>
           </a:solidFill>
-          <a:latin typeface="Futura Medium" panose="020B0602020204020303" pitchFamily="34" charset="-79"/>
+          <a:latin typeface="Futura-Medium" panose="020B0602020204020303" pitchFamily="34" charset="-79"/>
           <a:ea typeface="Microsoft YaHei" panose="020B0503020204020204" pitchFamily="34" charset="-122"/>
-          <a:cs typeface="Futura Medium" panose="020B0602020204020303" pitchFamily="34" charset="-79"/>
+          <a:cs typeface="Futura-Medium" panose="020B0602020204020303" pitchFamily="34" charset="-79"/>
         </a:defRPr>
       </a:lvl1pPr>
     </p:titleStyle>
@@ -31377,49 +32156,32 @@
       </p:grpSpPr>
       <p:pic>
         <p:nvPicPr>
-          <p:cNvPr id="2" name="Picture 2" descr="NVIDIA Launches Cosmos, A Family of Open-Source Video Generation Models  Trained on 20 Million Hours Video Data - DigiAlps LTD">
+          <p:cNvPr id="3" name="图片 2">
             <a:extLst>
               <a:ext uri="{FF2B5EF4-FFF2-40B4-BE49-F238E27FC236}">
-                <a16:creationId xmlns:a16="http://schemas.microsoft.com/office/drawing/2014/main" id="{7F2883EB-0CE1-BF88-E0AD-8118B99A98DB}"/>
+                <a16:creationId xmlns:a16="http://schemas.microsoft.com/office/drawing/2014/main" id="{B5E93E28-0E4E-C1D6-0B6E-5A6B0A90DA07}"/>
               </a:ext>
             </a:extLst>
           </p:cNvPr>
           <p:cNvPicPr>
-            <a:picLocks noChangeAspect="1" noChangeArrowheads="1"/>
+            <a:picLocks noChangeAspect="1"/>
           </p:cNvPicPr>
           <p:nvPr/>
         </p:nvPicPr>
         <p:blipFill>
-          <a:blip r:embed="rId3">
-            <a:extLst>
-              <a:ext uri="{28A0092B-C50C-407E-A947-70E740481C1C}">
-                <a14:useLocalDpi xmlns:a14="http://schemas.microsoft.com/office/drawing/2010/main" val="0"/>
-              </a:ext>
-            </a:extLst>
-          </a:blip>
-          <a:srcRect/>
+          <a:blip r:embed="rId3"/>
           <a:stretch>
             <a:fillRect/>
           </a:stretch>
         </p:blipFill>
-        <p:spPr bwMode="auto">
+        <p:spPr>
           <a:xfrm>
-            <a:off x="3175" y="0"/>
-            <a:ext cx="12192000" cy="6858000"/>
+            <a:off x="-25824" y="0"/>
+            <a:ext cx="12248410" cy="6858000"/>
           </a:xfrm>
           <a:prstGeom prst="rect">
             <a:avLst/>
           </a:prstGeom>
-          <a:noFill/>
-          <a:extLst>
-            <a:ext uri="{909E8E84-426E-40DD-AFC4-6F175D3DCCD1}">
-              <a14:hiddenFill xmlns:a14="http://schemas.microsoft.com/office/drawing/2010/main">
-                <a:solidFill>
-                  <a:srgbClr val="FFFFFF"/>
-                </a:solidFill>
-              </a14:hiddenFill>
-            </a:ext>
-          </a:extLst>
         </p:spPr>
       </p:pic>
       <p:sp>
@@ -31436,7 +32198,7 @@
         </p:nvSpPr>
         <p:spPr>
           <a:xfrm>
-            <a:off x="0" y="2003461"/>
+            <a:off x="0" y="2644589"/>
             <a:ext cx="12196763" cy="3061699"/>
           </a:xfrm>
           <a:prstGeom prst="rect">
@@ -31497,7 +32259,7 @@
         </p:nvSpPr>
         <p:spPr>
           <a:xfrm>
-            <a:off x="5369910" y="5171769"/>
+            <a:off x="5002048" y="5792400"/>
             <a:ext cx="2624138" cy="979488"/>
           </a:xfrm>
           <a:prstGeom prst="rect">
@@ -31674,18 +32436,18 @@
           <a:p>
             <a:pPr algn="ctr"/>
             <a:r>
-              <a:rPr lang="en-US" altLang="zh-CN" sz="6600" dirty="0">
-                <a:solidFill>
-                  <a:schemeClr val="tx2"/>
+              <a:rPr lang="en-US" altLang="zh-CN" sz="4000" dirty="0">
+                <a:solidFill>
+                  <a:srgbClr val="1D1D1A"/>
                 </a:solidFill>
                 <a:latin typeface="ACGN-MiaoGB-Flash" panose="02020300000000000000" pitchFamily="18" charset="-122"/>
                 <a:ea typeface="ACGN-MiaoGB-Flash" panose="02020300000000000000" pitchFamily="18" charset="-122"/>
               </a:rPr>
               <a:t>ZOMI</a:t>
             </a:r>
-            <a:endParaRPr lang="zh-CN" altLang="en-US" sz="6600" dirty="0">
+            <a:endParaRPr lang="zh-CN" altLang="en-US" sz="4000" dirty="0">
               <a:solidFill>
-                <a:schemeClr val="tx2"/>
+                <a:srgbClr val="1D1D1A"/>
               </a:solidFill>
               <a:latin typeface="ACGN-MiaoGB-Flash" panose="02020300000000000000" pitchFamily="18" charset="-122"/>
               <a:ea typeface="ACGN-MiaoGB-Flash" panose="02020300000000000000" pitchFamily="18" charset="-122"/>
@@ -31721,8 +32483,8 @@
         </p:blipFill>
         <p:spPr>
           <a:xfrm>
-            <a:off x="4308280" y="5268519"/>
-            <a:ext cx="895099" cy="895099"/>
+            <a:off x="4667133" y="6024778"/>
+            <a:ext cx="669829" cy="669829"/>
           </a:xfrm>
           <a:prstGeom prst="ellipse">
             <a:avLst/>
@@ -31769,7 +32531,7 @@
         </p:nvSpPr>
         <p:spPr>
           <a:xfrm>
-            <a:off x="794489" y="2271858"/>
+            <a:off x="794489" y="2912986"/>
             <a:ext cx="10607784" cy="2526175"/>
           </a:xfrm>
           <a:prstGeom prst="rect">
@@ -31939,7 +32701,7 @@
                   <a:schemeClr val="tx2"/>
                 </a:solidFill>
               </a:rPr>
-              <a:t>NVIDIA</a:t>
+              <a:t>KIMI</a:t>
             </a:r>
             <a:r>
               <a:rPr lang="zh-CN" altLang="en-US" sz="8800" dirty="0">
@@ -31955,7 +32717,7 @@
                   <a:schemeClr val="tx2"/>
                 </a:solidFill>
               </a:rPr>
-              <a:t>COSMOS</a:t>
+              <a:t>K1.5</a:t>
             </a:r>
           </a:p>
           <a:p>
@@ -31965,20 +32727,12 @@
               </a:buClr>
             </a:pPr>
             <a:r>
-              <a:rPr lang="en-US" altLang="zh-CN" sz="8800" dirty="0">
+              <a:rPr lang="zh-CN" altLang="en-US" sz="8800" dirty="0">
                 <a:solidFill>
                   <a:schemeClr val="tx2"/>
                 </a:solidFill>
               </a:rPr>
-              <a:t> </a:t>
-            </a:r>
-            <a:r>
-              <a:rPr lang="zh-CN" altLang="en-US" sz="8800" dirty="0">
-                <a:solidFill>
-                  <a:schemeClr val="tx2"/>
-                </a:solidFill>
-              </a:rPr>
-              <a:t>世界模型深度解读</a:t>
+              <a:t>深度解读</a:t>
             </a:r>
           </a:p>
         </p:txBody>
@@ -32008,7 +32762,7 @@
 </p:sld>
 </file>
 
-<file path=ppt/slides/slide2.xml><?xml version="1.0" encoding="utf-8"?>
+<file path=ppt/slides/slide10.xml><?xml version="1.0" encoding="utf-8"?>
 <p:sld xmlns:a="http://schemas.openxmlformats.org/drawingml/2006/main" xmlns:r="http://schemas.openxmlformats.org/officeDocument/2006/relationships" xmlns:p="http://schemas.openxmlformats.org/presentationml/2006/main">
   <p:cSld>
     <p:spTree>
@@ -32027,10 +32781,10 @@
       </p:grpSpPr>
       <p:sp>
         <p:nvSpPr>
-          <p:cNvPr id="2" name="标题 1">
+          <p:cNvPr id="4" name="标题 3">
             <a:extLst>
               <a:ext uri="{FF2B5EF4-FFF2-40B4-BE49-F238E27FC236}">
-                <a16:creationId xmlns:a16="http://schemas.microsoft.com/office/drawing/2014/main" id="{02120AD9-B3CB-4B7F-429A-D4C9E3E9BE66}"/>
+                <a16:creationId xmlns:a16="http://schemas.microsoft.com/office/drawing/2014/main" id="{51A7A9CB-5F97-2F13-ABE2-D8FCCC758F62}"/>
               </a:ext>
             </a:extLst>
           </p:cNvPr>
@@ -32041,24 +32795,33 @@
             <p:ph type="title"/>
           </p:nvPr>
         </p:nvSpPr>
-        <p:spPr/>
+        <p:spPr>
+          <a:xfrm>
+            <a:off x="623635" y="522789"/>
+            <a:ext cx="10963473" cy="589190"/>
+          </a:xfrm>
+        </p:spPr>
         <p:txBody>
           <a:bodyPr/>
           <a:lstStyle/>
           <a:p>
             <a:r>
-              <a:rPr lang="zh-CN" altLang="en-US" sz="3200" dirty="0"/>
-              <a:t>视频目录大纲</a:t>
+              <a:rPr lang="en" altLang="zh-CN" dirty="0"/>
+              <a:t>RL</a:t>
+            </a:r>
+            <a:r>
+              <a:rPr lang="zh-CN" altLang="en-US" dirty="0"/>
+              <a:t>阶段</a:t>
             </a:r>
           </a:p>
         </p:txBody>
       </p:sp>
       <p:sp>
         <p:nvSpPr>
-          <p:cNvPr id="3" name="内容占位符 2">
+          <p:cNvPr id="5" name="内容占位符 4">
             <a:extLst>
               <a:ext uri="{FF2B5EF4-FFF2-40B4-BE49-F238E27FC236}">
-                <a16:creationId xmlns:a16="http://schemas.microsoft.com/office/drawing/2014/main" id="{B244A42C-4EA1-0BA9-68DC-09FE68154A55}"/>
+                <a16:creationId xmlns:a16="http://schemas.microsoft.com/office/drawing/2014/main" id="{54EDCBC7-9791-6061-2D77-8469E73C520F}"/>
               </a:ext>
             </a:extLst>
           </p:cNvPr>
@@ -32069,182 +32832,193 @@
             <p:ph sz="half" idx="1"/>
           </p:nvPr>
         </p:nvSpPr>
-        <p:spPr/>
+        <p:spPr>
+          <a:xfrm>
+            <a:off x="623635" y="1246909"/>
+            <a:ext cx="10963473" cy="5108171"/>
+          </a:xfrm>
+        </p:spPr>
         <p:txBody>
-          <a:bodyPr anchor="t"/>
+          <a:bodyPr/>
           <a:lstStyle/>
           <a:p>
-            <a:pPr marL="457200" indent="-457200" algn="l">
-              <a:buFont typeface="+mj-lt"/>
-              <a:buAutoNum type="arabicPeriod"/>
-            </a:pPr>
-            <a:endParaRPr lang="en-US" altLang="zh-CN" sz="2400" dirty="0"/>
+            <a:r>
+              <a:rPr lang="zh-CN" altLang="en-US" b="1" dirty="0"/>
+              <a:t>训练阶段：</a:t>
+            </a:r>
+            <a:endParaRPr lang="en-US" altLang="zh-CN" b="1" dirty="0"/>
           </a:p>
           <a:p>
-            <a:pPr marL="457200" indent="-457200" algn="l">
-              <a:buFont typeface="+mj-lt"/>
-              <a:buAutoNum type="arabicPeriod"/>
-            </a:pPr>
-            <a:r>
-              <a:rPr lang="zh-CN" altLang="en-US" sz="2400" dirty="0"/>
-              <a:t>什么是世界模型 </a:t>
-            </a:r>
-            <a:r>
-              <a:rPr lang="en-US" altLang="zh-CN" sz="2400" dirty="0"/>
-              <a:t>What</a:t>
-            </a:r>
-            <a:r>
-              <a:rPr lang="zh-CN" altLang="en-US" sz="2400" dirty="0"/>
-              <a:t> </a:t>
-            </a:r>
-            <a:r>
-              <a:rPr lang="en-US" altLang="zh-CN" sz="2400" dirty="0"/>
-              <a:t>is</a:t>
-            </a:r>
-            <a:r>
-              <a:rPr lang="zh-CN" altLang="en-US" sz="2400" dirty="0"/>
-              <a:t> </a:t>
-            </a:r>
-            <a:r>
-              <a:rPr lang="en-US" altLang="zh-CN" sz="2400" dirty="0"/>
-              <a:t>WFM</a:t>
-            </a:r>
-            <a:r>
-              <a:rPr lang="zh-CN" altLang="en-US" sz="2400" dirty="0"/>
-              <a:t>（</a:t>
-            </a:r>
-            <a:r>
-              <a:rPr lang="en-US" altLang="zh-CN" sz="2400" dirty="0"/>
-              <a:t>World</a:t>
-            </a:r>
-            <a:r>
-              <a:rPr lang="zh-CN" altLang="en-US" sz="2400" dirty="0"/>
-              <a:t> </a:t>
-            </a:r>
-            <a:r>
-              <a:rPr lang="en-US" altLang="zh-CN" sz="2400" dirty="0"/>
-              <a:t>Foundation</a:t>
-            </a:r>
-            <a:r>
-              <a:rPr lang="zh-CN" altLang="en-US" sz="2400" dirty="0"/>
-              <a:t> </a:t>
-            </a:r>
-            <a:r>
-              <a:rPr lang="en-US" altLang="zh-CN" sz="2400" dirty="0"/>
-              <a:t>Model</a:t>
-            </a:r>
-            <a:r>
-              <a:rPr lang="zh-CN" altLang="en-US" sz="2400" dirty="0"/>
-              <a:t> ）</a:t>
-            </a:r>
-            <a:endParaRPr lang="en-US" altLang="zh-CN" sz="2400" dirty="0"/>
+            <a:pPr lvl="1"/>
+            <a:r>
+              <a:rPr lang="en" altLang="zh-CN" dirty="0"/>
+              <a:t>Megatron</a:t>
+            </a:r>
+            <a:r>
+              <a:rPr lang="zh-CN" altLang="en-US" dirty="0"/>
+              <a:t> 和 </a:t>
+            </a:r>
+            <a:r>
+              <a:rPr lang="en" altLang="zh-CN" dirty="0" err="1"/>
+              <a:t>vLLM</a:t>
+            </a:r>
+            <a:r>
+              <a:rPr lang="zh-CN" altLang="en-US" dirty="0"/>
+              <a:t> 分别在独立的容器中运行，容器称为 </a:t>
+            </a:r>
+            <a:r>
+              <a:rPr lang="en" altLang="zh-CN" dirty="0"/>
+              <a:t>checkpoint-engine</a:t>
+            </a:r>
+            <a:r>
+              <a:rPr lang="zh-CN" altLang="en-US" dirty="0"/>
+              <a:t> 的外壳进程封装。</a:t>
+            </a:r>
+            <a:r>
+              <a:rPr lang="en" altLang="zh-CN" dirty="0"/>
+              <a:t>Megatron </a:t>
+            </a:r>
+            <a:r>
+              <a:rPr lang="zh-CN" altLang="en-US" dirty="0"/>
+              <a:t>首先启动训练过程，训练完成后，</a:t>
+            </a:r>
+            <a:r>
+              <a:rPr lang="en" altLang="zh-CN" dirty="0"/>
+              <a:t>Megatron </a:t>
+            </a:r>
+            <a:r>
+              <a:rPr lang="zh-CN" altLang="en-US" dirty="0"/>
+              <a:t>会释放 </a:t>
+            </a:r>
+            <a:r>
+              <a:rPr lang="en" altLang="zh-CN" dirty="0"/>
+              <a:t>GPU </a:t>
+            </a:r>
+            <a:r>
+              <a:rPr lang="zh-CN" altLang="en-US" dirty="0"/>
+              <a:t>内存，并准备将当前权重传递给 </a:t>
+            </a:r>
+            <a:r>
+              <a:rPr lang="en" altLang="zh-CN" dirty="0" err="1"/>
+              <a:t>vLLM</a:t>
+            </a:r>
+            <a:r>
+              <a:rPr lang="zh-CN" altLang="en" dirty="0"/>
+              <a:t>。</a:t>
+            </a:r>
+            <a:endParaRPr lang="en-US" altLang="zh-CN" dirty="0"/>
           </a:p>
           <a:p>
-            <a:pPr marL="457200" indent="-457200" algn="l">
-              <a:buFont typeface="+mj-lt"/>
-              <a:buAutoNum type="arabicPeriod"/>
-            </a:pPr>
-            <a:r>
-              <a:rPr lang="en-US" altLang="zh-CN" sz="2400" dirty="0"/>
-              <a:t> COSMOS</a:t>
-            </a:r>
-            <a:r>
-              <a:rPr lang="zh-CN" altLang="en-US" sz="2400" dirty="0"/>
-              <a:t> </a:t>
-            </a:r>
-            <a:r>
-              <a:rPr lang="en-US" altLang="zh-CN" sz="2400" dirty="0"/>
-              <a:t>NV</a:t>
-            </a:r>
-            <a:r>
-              <a:rPr lang="zh-CN" altLang="en-US" sz="2400" dirty="0"/>
-              <a:t>官网解读</a:t>
-            </a:r>
-            <a:endParaRPr lang="en-US" altLang="zh-CN" sz="2400" dirty="0"/>
+            <a:r>
+              <a:rPr lang="zh-CN" altLang="en-US" b="1" dirty="0"/>
+              <a:t>推理阶段：</a:t>
+            </a:r>
+            <a:endParaRPr lang="en-US" altLang="zh-CN" b="1" dirty="0"/>
           </a:p>
           <a:p>
-            <a:pPr marL="457200" indent="-457200" algn="l">
-              <a:buFont typeface="+mj-lt"/>
-              <a:buAutoNum type="arabicPeriod"/>
-            </a:pPr>
-            <a:r>
-              <a:rPr lang="en-US" altLang="zh-CN" sz="2400" dirty="0"/>
-              <a:t> COSMOS</a:t>
-            </a:r>
-            <a:r>
-              <a:rPr lang="zh-CN" altLang="en-US" sz="2400" dirty="0"/>
-              <a:t> 技术论文分析</a:t>
-            </a:r>
-            <a:endParaRPr lang="en-US" altLang="zh-CN" sz="2400" dirty="0"/>
+            <a:pPr lvl="1"/>
+            <a:r>
+              <a:rPr lang="zh-CN" altLang="en-US" dirty="0"/>
+              <a:t>在 </a:t>
+            </a:r>
+            <a:r>
+              <a:rPr lang="en" altLang="zh-CN" dirty="0"/>
+              <a:t>Megatron </a:t>
+            </a:r>
+            <a:r>
+              <a:rPr lang="zh-CN" altLang="en-US" dirty="0"/>
+              <a:t>释放内存后，</a:t>
+            </a:r>
+            <a:r>
+              <a:rPr lang="en" altLang="zh-CN" dirty="0" err="1"/>
+              <a:t>vLLM</a:t>
+            </a:r>
+            <a:r>
+              <a:rPr lang="en" altLang="zh-CN" dirty="0"/>
+              <a:t> </a:t>
+            </a:r>
+            <a:r>
+              <a:rPr lang="zh-CN" altLang="en-US" dirty="0"/>
+              <a:t>以虚拟模型权重启动，并通过 </a:t>
+            </a:r>
+            <a:r>
+              <a:rPr lang="en" altLang="zh-CN" dirty="0"/>
+              <a:t>Mooncake </a:t>
+            </a:r>
+            <a:r>
+              <a:rPr lang="zh-CN" altLang="en-US" dirty="0"/>
+              <a:t>从 </a:t>
+            </a:r>
+            <a:r>
+              <a:rPr lang="en" altLang="zh-CN" dirty="0"/>
+              <a:t>Megatron </a:t>
+            </a:r>
+            <a:r>
+              <a:rPr lang="zh-CN" altLang="en-US" dirty="0"/>
+              <a:t>接收最新的权重更新。完成回放后，</a:t>
+            </a:r>
+            <a:r>
+              <a:rPr lang="en" altLang="zh-CN" dirty="0"/>
+              <a:t>checkpoint-engine</a:t>
+            </a:r>
+            <a:r>
+              <a:rPr lang="zh-CN" altLang="en-US" dirty="0"/>
+              <a:t> 会停止所有 </a:t>
+            </a:r>
+            <a:r>
+              <a:rPr lang="en" altLang="zh-CN" dirty="0" err="1"/>
+              <a:t>vLLM</a:t>
+            </a:r>
+            <a:r>
+              <a:rPr lang="en" altLang="zh-CN" dirty="0"/>
+              <a:t> </a:t>
+            </a:r>
+            <a:r>
+              <a:rPr lang="zh-CN" altLang="en-US" dirty="0"/>
+              <a:t>进程。</a:t>
+            </a:r>
+            <a:endParaRPr lang="en-US" altLang="zh-CN" dirty="0"/>
           </a:p>
           <a:p>
-            <a:pPr marL="457200" indent="-457200" algn="l">
-              <a:buFont typeface="+mj-lt"/>
-              <a:buAutoNum type="arabicPeriod"/>
-            </a:pPr>
-            <a:r>
-              <a:rPr lang="en-US" altLang="zh-CN" sz="2400" dirty="0"/>
-              <a:t> COSMOS</a:t>
-            </a:r>
-            <a:r>
-              <a:rPr lang="zh-CN" altLang="en-US" sz="2400" dirty="0"/>
-              <a:t> 对产业影响与思考</a:t>
-            </a:r>
-            <a:endParaRPr lang="en-US" altLang="zh-CN" sz="2400" dirty="0"/>
+            <a:r>
+              <a:rPr lang="zh-CN" altLang="en-US" b="1" dirty="0"/>
+              <a:t>后续训练阶段：</a:t>
+            </a:r>
+            <a:endParaRPr lang="en-US" altLang="zh-CN" b="1" dirty="0"/>
+          </a:p>
+          <a:p>
+            <a:pPr lvl="1"/>
+            <a:r>
+              <a:rPr lang="zh-CN" altLang="en-US" dirty="0"/>
+              <a:t>释放 </a:t>
+            </a:r>
+            <a:r>
+              <a:rPr lang="en" altLang="zh-CN" dirty="0" err="1"/>
+              <a:t>vLLM</a:t>
+            </a:r>
+            <a:r>
+              <a:rPr lang="en" altLang="zh-CN" dirty="0"/>
+              <a:t> </a:t>
+            </a:r>
+            <a:r>
+              <a:rPr lang="zh-CN" altLang="en-US" dirty="0"/>
+              <a:t>所占用的内存后，</a:t>
+            </a:r>
+            <a:r>
+              <a:rPr lang="en" altLang="zh-CN" dirty="0"/>
+              <a:t>Megatron </a:t>
+            </a:r>
+            <a:r>
+              <a:rPr lang="zh-CN" altLang="en-US" dirty="0"/>
+              <a:t>重新加载内存并开始下一轮训练。</a:t>
+            </a:r>
           </a:p>
         </p:txBody>
       </p:sp>
-      <p:pic>
-        <p:nvPicPr>
-          <p:cNvPr id="1026" name="Picture 2" descr="思考表情包图片-思考表情包模板下载-包图网">
-            <a:extLst>
-              <a:ext uri="{FF2B5EF4-FFF2-40B4-BE49-F238E27FC236}">
-                <a16:creationId xmlns:a16="http://schemas.microsoft.com/office/drawing/2014/main" id="{C693DF82-9961-8E7D-D034-A7343FF6DFD3}"/>
-              </a:ext>
-            </a:extLst>
-          </p:cNvPr>
-          <p:cNvPicPr>
-            <a:picLocks noChangeAspect="1" noChangeArrowheads="1"/>
-          </p:cNvPicPr>
-          <p:nvPr/>
-        </p:nvPicPr>
-        <p:blipFill>
-          <a:blip r:embed="rId2">
-            <a:extLst>
-              <a:ext uri="{28A0092B-C50C-407E-A947-70E740481C1C}">
-                <a14:useLocalDpi xmlns:a14="http://schemas.microsoft.com/office/drawing/2010/main"/>
-              </a:ext>
-            </a:extLst>
-          </a:blip>
-          <a:srcRect/>
-          <a:stretch>
-            <a:fillRect/>
-          </a:stretch>
-        </p:blipFill>
-        <p:spPr bwMode="auto">
-          <a:xfrm>
-            <a:off x="9287838" y="3963343"/>
-            <a:ext cx="2299270" cy="2299270"/>
-          </a:xfrm>
-          <a:prstGeom prst="rect">
-            <a:avLst/>
-          </a:prstGeom>
-          <a:noFill/>
-          <a:extLst>
-            <a:ext uri="{909E8E84-426E-40DD-AFC4-6F175D3DCCD1}">
-              <a14:hiddenFill xmlns:a14="http://schemas.microsoft.com/office/drawing/2010/main">
-                <a:solidFill>
-                  <a:srgbClr val="FFFFFF"/>
-                </a:solidFill>
-              </a14:hiddenFill>
-            </a:ext>
-          </a:extLst>
-        </p:spPr>
-      </p:pic>
     </p:spTree>
     <p:extLst>
       <p:ext uri="{BB962C8B-B14F-4D97-AF65-F5344CB8AC3E}">
-        <p14:creationId xmlns:p14="http://schemas.microsoft.com/office/powerpoint/2010/main" val="1062773065"/>
+        <p14:creationId xmlns:p14="http://schemas.microsoft.com/office/powerpoint/2010/main" val="3668846199"/>
       </p:ext>
     </p:extLst>
   </p:cSld>
@@ -32266,7 +33040,7 @@
 </p:sld>
 </file>
 
-<file path=ppt/slides/slide3.xml><?xml version="1.0" encoding="utf-8"?>
+<file path=ppt/slides/slide11.xml><?xml version="1.0" encoding="utf-8"?>
 <p:sld xmlns:a="http://schemas.openxmlformats.org/drawingml/2006/main" xmlns:r="http://schemas.openxmlformats.org/officeDocument/2006/relationships" xmlns:p="http://schemas.openxmlformats.org/presentationml/2006/main">
   <p:cSld>
     <p:spTree>
@@ -32297,8 +33071,8 @@
         </p:nvSpPr>
         <p:spPr>
           <a:xfrm>
-            <a:off x="4931236" y="1046095"/>
-            <a:ext cx="2334293" cy="2646878"/>
+            <a:off x="4728456" y="1046095"/>
+            <a:ext cx="2739853" cy="2646878"/>
           </a:xfrm>
           <a:prstGeom prst="rect">
             <a:avLst/>
@@ -32330,7 +33104,7 @@
                 <a:latin typeface="PingFang SC Semibold" panose="020B0400000000000000" pitchFamily="34" charset="-122"/>
                 <a:ea typeface="PingFang SC Semibold" panose="020B0400000000000000" pitchFamily="34" charset="-122"/>
               </a:rPr>
-              <a:t>01</a:t>
+              <a:t>02</a:t>
             </a:r>
             <a:endParaRPr kumimoji="1" lang="zh-CN" altLang="en-US" sz="16600" b="1" dirty="0">
               <a:gradFill>
@@ -32367,7 +33141,7 @@
         <p:spPr>
           <a:xfrm>
             <a:off x="1241074" y="2990247"/>
-            <a:ext cx="10132418" cy="3354765"/>
+            <a:ext cx="10132418" cy="3046988"/>
           </a:xfrm>
           <a:prstGeom prst="rect">
             <a:avLst/>
@@ -32380,50 +33154,72 @@
           </a:bodyPr>
           <a:lstStyle/>
           <a:p>
-            <a:pPr algn="ctr" rtl="0">
+            <a:pPr algn="ctr" defTabSz="1218804" eaLnBrk="0" fontAlgn="base" hangingPunct="0">
               <a:spcBef>
                 <a:spcPts val="1800"/>
               </a:spcBef>
               <a:spcAft>
                 <a:spcPts val="600"/>
               </a:spcAft>
+              <a:buClr>
+                <a:srgbClr val="71B2FF"/>
+              </a:buClr>
+              <a:buSzPct val="110000"/>
             </a:pPr>
             <a:r>
-              <a:rPr lang="zh-CN" altLang="en-US" sz="9600" b="1" dirty="0">
+              <a:rPr lang="en-US" altLang="zh-CN" sz="9600" b="1" kern="0" dirty="0">
                 <a:solidFill>
                   <a:schemeClr val="bg1"/>
                 </a:solidFill>
                 <a:latin typeface="Lexend" pitchFamily="2" charset="0"/>
                 <a:ea typeface="+mj-ea"/>
-              </a:rPr>
-              <a:t>什么是世界模型？</a:t>
-            </a:r>
-            <a:endParaRPr lang="en-US" altLang="zh-CN" sz="9600" b="1" dirty="0">
-              <a:solidFill>
-                <a:schemeClr val="bg1"/>
-              </a:solidFill>
-              <a:latin typeface="Lexend" pitchFamily="2" charset="0"/>
-              <a:ea typeface="+mj-ea"/>
-            </a:endParaRPr>
-          </a:p>
-          <a:p>
-            <a:pPr algn="ctr">
-              <a:spcBef>
-                <a:spcPts val="1800"/>
-              </a:spcBef>
-              <a:spcAft>
-                <a:spcPts val="600"/>
-              </a:spcAft>
-            </a:pPr>
-            <a:r>
-              <a:rPr lang="en-US" altLang="zh-CN" sz="9600" b="1" dirty="0">
+                <a:cs typeface="Futura-Medium" panose="020B0602020204020303" pitchFamily="34" charset="-79"/>
+              </a:rPr>
+              <a:t>KIMI1.5</a:t>
+            </a:r>
+            <a:r>
+              <a:rPr lang="zh-CN" altLang="en-US" sz="9600" b="1" kern="0" dirty="0">
                 <a:solidFill>
                   <a:schemeClr val="bg1"/>
                 </a:solidFill>
                 <a:latin typeface="Lexend" pitchFamily="2" charset="0"/>
                 <a:ea typeface="+mj-ea"/>
-              </a:rPr>
-              <a:t>WFM</a:t>
+                <a:cs typeface="Futura-Medium" panose="020B0602020204020303" pitchFamily="34" charset="-79"/>
+              </a:rPr>
+              <a:t> </a:t>
+            </a:r>
+            <a:r>
+              <a:rPr lang="en-US" altLang="zh-CN" sz="9600" b="1" kern="0" dirty="0">
+                <a:solidFill>
+                  <a:schemeClr val="bg1"/>
+                </a:solidFill>
+                <a:latin typeface="Lexend" pitchFamily="2" charset="0"/>
+                <a:ea typeface="+mj-ea"/>
+                <a:cs typeface="Futura-Medium" panose="020B0602020204020303" pitchFamily="34" charset="-79"/>
+              </a:rPr>
+              <a:t>vs</a:t>
+            </a:r>
+            <a:r>
+              <a:rPr lang="zh-CN" altLang="en-US" sz="9600" b="1" kern="0" dirty="0">
+                <a:solidFill>
+                  <a:schemeClr val="bg1"/>
+                </a:solidFill>
+                <a:latin typeface="Lexend" pitchFamily="2" charset="0"/>
+                <a:ea typeface="+mj-ea"/>
+                <a:cs typeface="Futura-Medium" panose="020B0602020204020303" pitchFamily="34" charset="-79"/>
+              </a:rPr>
+              <a:t> </a:t>
+            </a:r>
+            <a:r>
+              <a:rPr lang="en-US" altLang="zh-CN" sz="9600" b="1" kern="0" dirty="0">
+                <a:solidFill>
+                  <a:schemeClr val="bg1"/>
+                </a:solidFill>
+                <a:latin typeface="Lexend" pitchFamily="2" charset="0"/>
+                <a:ea typeface="+mj-ea"/>
+                <a:cs typeface="Futura-Medium" panose="020B0602020204020303" pitchFamily="34" charset="-79"/>
+              </a:rPr>
+              <a:t>DeepSeek-R1</a:t>
             </a:r>
           </a:p>
         </p:txBody>
@@ -32441,7 +33237,1197 @@
 </p:sld>
 </file>
 
-<file path=ppt/slides/slide4.xml><?xml version="1.0" encoding="utf-8"?>
+<file path=ppt/slides/slide12.xml><?xml version="1.0" encoding="utf-8"?>
+<p:sld xmlns:a="http://schemas.openxmlformats.org/drawingml/2006/main" xmlns:r="http://schemas.openxmlformats.org/officeDocument/2006/relationships" xmlns:p="http://schemas.openxmlformats.org/presentationml/2006/main">
+  <p:cSld>
+    <p:spTree>
+      <p:nvGrpSpPr>
+        <p:cNvPr id="1" name=""/>
+        <p:cNvGrpSpPr/>
+        <p:nvPr/>
+      </p:nvGrpSpPr>
+      <p:grpSpPr>
+        <a:xfrm>
+          <a:off x="0" y="0"/>
+          <a:ext cx="0" cy="0"/>
+          <a:chOff x="0" y="0"/>
+          <a:chExt cx="0" cy="0"/>
+        </a:xfrm>
+      </p:grpSpPr>
+      <p:sp>
+        <p:nvSpPr>
+          <p:cNvPr id="2" name="标题 1">
+            <a:extLst>
+              <a:ext uri="{FF2B5EF4-FFF2-40B4-BE49-F238E27FC236}">
+                <a16:creationId xmlns:a16="http://schemas.microsoft.com/office/drawing/2014/main" id="{374A2F5D-E229-952F-F0D6-6E275F249E39}"/>
+              </a:ext>
+            </a:extLst>
+          </p:cNvPr>
+          <p:cNvSpPr>
+            <a:spLocks noGrp="1"/>
+          </p:cNvSpPr>
+          <p:nvPr>
+            <p:ph type="title"/>
+          </p:nvPr>
+        </p:nvSpPr>
+        <p:spPr/>
+        <p:txBody>
+          <a:bodyPr/>
+          <a:lstStyle/>
+          <a:p>
+            <a:endParaRPr lang="zh-CN" altLang="en-US"/>
+          </a:p>
+        </p:txBody>
+      </p:sp>
+      <p:graphicFrame>
+        <p:nvGraphicFramePr>
+          <p:cNvPr id="4" name="内容占位符 3">
+            <a:extLst>
+              <a:ext uri="{FF2B5EF4-FFF2-40B4-BE49-F238E27FC236}">
+                <a16:creationId xmlns:a16="http://schemas.microsoft.com/office/drawing/2014/main" id="{3B5664AF-C7C1-0426-9D52-F93A80B36CC1}"/>
+              </a:ext>
+            </a:extLst>
+          </p:cNvPr>
+          <p:cNvGraphicFramePr>
+            <a:graphicFrameLocks noGrp="1"/>
+          </p:cNvGraphicFramePr>
+          <p:nvPr>
+            <p:ph sz="half" idx="1"/>
+            <p:extLst>
+              <p:ext uri="{D42A27DB-BD31-4B8C-83A1-F6EECF244321}">
+                <p14:modId xmlns:p14="http://schemas.microsoft.com/office/powerpoint/2010/main" val="3301941167"/>
+              </p:ext>
+            </p:extLst>
+          </p:nvPr>
+        </p:nvGraphicFramePr>
+        <p:xfrm>
+          <a:off x="623888" y="1246188"/>
+          <a:ext cx="10963274" cy="2926080"/>
+        </p:xfrm>
+        <a:graphic>
+          <a:graphicData uri="http://schemas.openxmlformats.org/drawingml/2006/table">
+            <a:tbl>
+              <a:tblPr firstRow="1" bandRow="1">
+                <a:tableStyleId>{5940675A-B579-460E-94D1-54222C63F5DA}</a:tableStyleId>
+              </a:tblPr>
+              <a:tblGrid>
+                <a:gridCol w="5481637">
+                  <a:extLst>
+                    <a:ext uri="{9D8B030D-6E8A-4147-A177-3AD203B41FA5}">
+                      <a16:colId xmlns:a16="http://schemas.microsoft.com/office/drawing/2014/main" val="877698794"/>
+                    </a:ext>
+                  </a:extLst>
+                </a:gridCol>
+                <a:gridCol w="5481637">
+                  <a:extLst>
+                    <a:ext uri="{9D8B030D-6E8A-4147-A177-3AD203B41FA5}">
+                      <a16:colId xmlns:a16="http://schemas.microsoft.com/office/drawing/2014/main" val="818880690"/>
+                    </a:ext>
+                  </a:extLst>
+                </a:gridCol>
+              </a:tblGrid>
+              <a:tr h="370840">
+                <a:tc>
+                  <a:txBody>
+                    <a:bodyPr/>
+                    <a:lstStyle/>
+                    <a:p>
+                      <a:r>
+                        <a:rPr lang="zh-CN" altLang="en-US" dirty="0"/>
+                        <a:t>相似</a:t>
+                      </a:r>
+                    </a:p>
+                  </a:txBody>
+                  <a:tcPr/>
+                </a:tc>
+                <a:tc>
+                  <a:txBody>
+                    <a:bodyPr/>
+                    <a:lstStyle/>
+                    <a:p>
+                      <a:r>
+                        <a:rPr lang="zh-CN" altLang="en-US" dirty="0"/>
+                        <a:t>区别</a:t>
+                      </a:r>
+                    </a:p>
+                  </a:txBody>
+                  <a:tcPr/>
+                </a:tc>
+                <a:extLst>
+                  <a:ext uri="{0D108BD9-81ED-4DB2-BD59-A6C34878D82A}">
+                    <a16:rowId xmlns:a16="http://schemas.microsoft.com/office/drawing/2014/main" val="1395592784"/>
+                  </a:ext>
+                </a:extLst>
+              </a:tr>
+              <a:tr h="370840">
+                <a:tc>
+                  <a:txBody>
+                    <a:bodyPr/>
+                    <a:lstStyle/>
+                    <a:p>
+                      <a:r>
+                        <a:rPr lang="zh-CN" altLang="en-US" dirty="0"/>
+                        <a:t>抛弃</a:t>
+                      </a:r>
+                      <a:r>
+                        <a:rPr lang="en-US" altLang="zh-CN" dirty="0"/>
+                        <a:t> MCTS</a:t>
+                      </a:r>
+                      <a:r>
+                        <a:rPr lang="zh-CN" altLang="en-US" dirty="0"/>
+                        <a:t> 复杂树搜索，用 </a:t>
+                      </a:r>
+                      <a:r>
+                        <a:rPr lang="en-US" altLang="zh-CN" dirty="0"/>
+                        <a:t>CoT</a:t>
+                      </a:r>
+                      <a:r>
+                        <a:rPr lang="zh-CN" altLang="en-US" dirty="0"/>
+                        <a:t> </a:t>
+                      </a:r>
+                      <a:r>
+                        <a:rPr lang="en-US" altLang="zh-CN" dirty="0"/>
+                        <a:t>data</a:t>
+                      </a:r>
+                      <a:r>
+                        <a:rPr lang="zh-CN" altLang="en-US" dirty="0"/>
+                        <a:t> 作为 </a:t>
+                      </a:r>
+                      <a:r>
+                        <a:rPr lang="en-US" altLang="zh-CN" dirty="0"/>
+                        <a:t>SFT</a:t>
+                      </a:r>
+                      <a:r>
+                        <a:rPr lang="zh-CN" altLang="en-US" dirty="0"/>
+                        <a:t> 或者 </a:t>
+                      </a:r>
+                      <a:r>
+                        <a:rPr lang="en-US" altLang="zh-CN" dirty="0"/>
+                        <a:t>Post-Training</a:t>
+                      </a:r>
+                      <a:r>
+                        <a:rPr lang="zh-CN" altLang="en-US" dirty="0"/>
+                        <a:t> 阶段</a:t>
+                      </a:r>
+                    </a:p>
+                  </a:txBody>
+                  <a:tcPr/>
+                </a:tc>
+                <a:tc>
+                  <a:txBody>
+                    <a:bodyPr/>
+                    <a:lstStyle/>
+                    <a:p>
+                      <a:endParaRPr lang="en-US" altLang="zh-CN" dirty="0"/>
+                    </a:p>
+                  </a:txBody>
+                  <a:tcPr/>
+                </a:tc>
+                <a:extLst>
+                  <a:ext uri="{0D108BD9-81ED-4DB2-BD59-A6C34878D82A}">
+                    <a16:rowId xmlns:a16="http://schemas.microsoft.com/office/drawing/2014/main" val="914738939"/>
+                  </a:ext>
+                </a:extLst>
+              </a:tr>
+              <a:tr h="370840">
+                <a:tc>
+                  <a:txBody>
+                    <a:bodyPr/>
+                    <a:lstStyle/>
+                    <a:p>
+                      <a:r>
+                        <a:rPr lang="zh-CN" altLang="en-US" dirty="0"/>
+                        <a:t>减少 </a:t>
+                      </a:r>
+                      <a:r>
+                        <a:rPr lang="en-US" altLang="zh-CN" dirty="0"/>
+                        <a:t>RL</a:t>
+                      </a:r>
+                      <a:r>
+                        <a:rPr lang="zh-CN" altLang="en-US" dirty="0"/>
+                        <a:t> 额外部署一个 </a:t>
+                      </a:r>
+                      <a:r>
+                        <a:rPr lang="en-US" altLang="zh-CN" dirty="0"/>
+                        <a:t>Value</a:t>
+                      </a:r>
+                      <a:r>
+                        <a:rPr lang="zh-CN" altLang="en-US" dirty="0"/>
+                        <a:t> </a:t>
+                      </a:r>
+                      <a:r>
+                        <a:rPr lang="en-US" altLang="zh-CN" dirty="0"/>
+                        <a:t>Model</a:t>
+                      </a:r>
+                      <a:r>
+                        <a:rPr lang="zh-CN" altLang="en-US" dirty="0"/>
+                        <a:t> 来提供 </a:t>
+                      </a:r>
+                      <a:r>
+                        <a:rPr lang="en-US" altLang="zh-CN" dirty="0"/>
+                        <a:t>Value</a:t>
+                      </a:r>
+                      <a:r>
+                        <a:rPr lang="zh-CN" altLang="en-US" dirty="0"/>
+                        <a:t> </a:t>
+                      </a:r>
+                      <a:r>
+                        <a:rPr lang="en-US" altLang="zh-CN" dirty="0" err="1"/>
+                        <a:t>Funcion</a:t>
+                      </a:r>
+                      <a:endParaRPr lang="zh-CN" altLang="en-US" dirty="0"/>
+                    </a:p>
+                  </a:txBody>
+                  <a:tcPr/>
+                </a:tc>
+                <a:tc>
+                  <a:txBody>
+                    <a:bodyPr/>
+                    <a:lstStyle/>
+                    <a:p>
+                      <a:endParaRPr lang="zh-CN" altLang="en-US"/>
+                    </a:p>
+                  </a:txBody>
+                  <a:tcPr/>
+                </a:tc>
+                <a:extLst>
+                  <a:ext uri="{0D108BD9-81ED-4DB2-BD59-A6C34878D82A}">
+                    <a16:rowId xmlns:a16="http://schemas.microsoft.com/office/drawing/2014/main" val="14175348"/>
+                  </a:ext>
+                </a:extLst>
+              </a:tr>
+              <a:tr h="370840">
+                <a:tc>
+                  <a:txBody>
+                    <a:bodyPr/>
+                    <a:lstStyle/>
+                    <a:p>
+                      <a:r>
+                        <a:rPr lang="zh-CN" altLang="en-US" dirty="0"/>
+                        <a:t>减少 </a:t>
+                      </a:r>
+                      <a:r>
+                        <a:rPr lang="en-US" altLang="zh-CN" dirty="0"/>
+                        <a:t>RL</a:t>
+                      </a:r>
+                      <a:r>
+                        <a:rPr lang="zh-CN" altLang="en-US" dirty="0"/>
+                        <a:t> 过程对 </a:t>
+                      </a:r>
+                      <a:r>
+                        <a:rPr lang="en-US" altLang="zh-CN" dirty="0"/>
+                        <a:t>Reward</a:t>
+                      </a:r>
+                      <a:r>
+                        <a:rPr lang="zh-CN" altLang="en-US" dirty="0"/>
+                        <a:t> 的复杂奖励，通过最终结果引导模型学习</a:t>
+                      </a:r>
+                    </a:p>
+                  </a:txBody>
+                  <a:tcPr/>
+                </a:tc>
+                <a:tc>
+                  <a:txBody>
+                    <a:bodyPr/>
+                    <a:lstStyle/>
+                    <a:p>
+                      <a:endParaRPr lang="zh-CN" altLang="en-US" dirty="0"/>
+                    </a:p>
+                  </a:txBody>
+                  <a:tcPr/>
+                </a:tc>
+                <a:extLst>
+                  <a:ext uri="{0D108BD9-81ED-4DB2-BD59-A6C34878D82A}">
+                    <a16:rowId xmlns:a16="http://schemas.microsoft.com/office/drawing/2014/main" val="2870429927"/>
+                  </a:ext>
+                </a:extLst>
+              </a:tr>
+            </a:tbl>
+          </a:graphicData>
+        </a:graphic>
+      </p:graphicFrame>
+    </p:spTree>
+    <p:extLst>
+      <p:ext uri="{BB962C8B-B14F-4D97-AF65-F5344CB8AC3E}">
+        <p14:creationId xmlns:p14="http://schemas.microsoft.com/office/powerpoint/2010/main" val="369962183"/>
+      </p:ext>
+    </p:extLst>
+  </p:cSld>
+  <p:clrMapOvr>
+    <a:masterClrMapping/>
+  </p:clrMapOvr>
+  <mc:AlternateContent xmlns:mc="http://schemas.openxmlformats.org/markup-compatibility/2006" xmlns:p159="http://schemas.microsoft.com/office/powerpoint/2015/09/main">
+    <mc:Choice Requires="p159">
+      <p:transition xmlns:p14="http://schemas.microsoft.com/office/powerpoint/2010/main" spd="slow" p14:dur="2000">
+        <p159:morph option="byObject"/>
+      </p:transition>
+    </mc:Choice>
+    <mc:Fallback xmlns="">
+      <p:transition spd="slow">
+        <p:fade/>
+      </p:transition>
+    </mc:Fallback>
+  </mc:AlternateContent>
+</p:sld>
+</file>
+
+<file path=ppt/slides/slide13.xml><?xml version="1.0" encoding="utf-8"?>
+<p:sld xmlns:a="http://schemas.openxmlformats.org/drawingml/2006/main" xmlns:r="http://schemas.openxmlformats.org/officeDocument/2006/relationships" xmlns:p="http://schemas.openxmlformats.org/presentationml/2006/main">
+  <p:cSld>
+    <p:spTree>
+      <p:nvGrpSpPr>
+        <p:cNvPr id="1" name=""/>
+        <p:cNvGrpSpPr/>
+        <p:nvPr/>
+      </p:nvGrpSpPr>
+      <p:grpSpPr>
+        <a:xfrm>
+          <a:off x="0" y="0"/>
+          <a:ext cx="0" cy="0"/>
+          <a:chOff x="0" y="0"/>
+          <a:chExt cx="0" cy="0"/>
+        </a:xfrm>
+      </p:grpSpPr>
+      <p:sp>
+        <p:nvSpPr>
+          <p:cNvPr id="2" name="标题 1">
+            <a:extLst>
+              <a:ext uri="{FF2B5EF4-FFF2-40B4-BE49-F238E27FC236}">
+                <a16:creationId xmlns:a16="http://schemas.microsoft.com/office/drawing/2014/main" id="{374A2F5D-E229-952F-F0D6-6E275F249E39}"/>
+              </a:ext>
+            </a:extLst>
+          </p:cNvPr>
+          <p:cNvSpPr>
+            <a:spLocks noGrp="1"/>
+          </p:cNvSpPr>
+          <p:nvPr>
+            <p:ph type="title"/>
+          </p:nvPr>
+        </p:nvSpPr>
+        <p:spPr/>
+        <p:txBody>
+          <a:bodyPr/>
+          <a:lstStyle/>
+          <a:p>
+            <a:r>
+              <a:rPr lang="zh-CN" altLang="en-US" dirty="0"/>
+              <a:t>区别</a:t>
+            </a:r>
+          </a:p>
+        </p:txBody>
+      </p:sp>
+      <p:graphicFrame>
+        <p:nvGraphicFramePr>
+          <p:cNvPr id="4" name="内容占位符 3">
+            <a:extLst>
+              <a:ext uri="{FF2B5EF4-FFF2-40B4-BE49-F238E27FC236}">
+                <a16:creationId xmlns:a16="http://schemas.microsoft.com/office/drawing/2014/main" id="{3B5664AF-C7C1-0426-9D52-F93A80B36CC1}"/>
+              </a:ext>
+            </a:extLst>
+          </p:cNvPr>
+          <p:cNvGraphicFramePr>
+            <a:graphicFrameLocks noGrp="1"/>
+          </p:cNvGraphicFramePr>
+          <p:nvPr>
+            <p:ph sz="half" idx="1"/>
+            <p:extLst>
+              <p:ext uri="{D42A27DB-BD31-4B8C-83A1-F6EECF244321}">
+                <p14:modId xmlns:p14="http://schemas.microsoft.com/office/powerpoint/2010/main" val="552456870"/>
+              </p:ext>
+            </p:extLst>
+          </p:nvPr>
+        </p:nvGraphicFramePr>
+        <p:xfrm>
+          <a:off x="623888" y="1246188"/>
+          <a:ext cx="10963274" cy="4937760"/>
+        </p:xfrm>
+        <a:graphic>
+          <a:graphicData uri="http://schemas.openxmlformats.org/drawingml/2006/table">
+            <a:tbl>
+              <a:tblPr firstRow="1" bandRow="1">
+                <a:tableStyleId>{5940675A-B579-460E-94D1-54222C63F5DA}</a:tableStyleId>
+              </a:tblPr>
+              <a:tblGrid>
+                <a:gridCol w="5481637">
+                  <a:extLst>
+                    <a:ext uri="{9D8B030D-6E8A-4147-A177-3AD203B41FA5}">
+                      <a16:colId xmlns:a16="http://schemas.microsoft.com/office/drawing/2014/main" val="877698794"/>
+                    </a:ext>
+                  </a:extLst>
+                </a:gridCol>
+                <a:gridCol w="5481637">
+                  <a:extLst>
+                    <a:ext uri="{9D8B030D-6E8A-4147-A177-3AD203B41FA5}">
+                      <a16:colId xmlns:a16="http://schemas.microsoft.com/office/drawing/2014/main" val="818880690"/>
+                    </a:ext>
+                  </a:extLst>
+                </a:gridCol>
+              </a:tblGrid>
+              <a:tr h="370840">
+                <a:tc>
+                  <a:txBody>
+                    <a:bodyPr/>
+                    <a:lstStyle/>
+                    <a:p>
+                      <a:r>
+                        <a:rPr lang="en-US" altLang="zh-CN" dirty="0"/>
+                        <a:t>DeepSeek-R1</a:t>
+                      </a:r>
+                      <a:endParaRPr lang="zh-CN" altLang="en-US" dirty="0"/>
+                    </a:p>
+                  </a:txBody>
+                  <a:tcPr/>
+                </a:tc>
+                <a:tc>
+                  <a:txBody>
+                    <a:bodyPr/>
+                    <a:lstStyle/>
+                    <a:p>
+                      <a:r>
+                        <a:rPr lang="en-US" altLang="zh-CN" dirty="0"/>
+                        <a:t>KIMI</a:t>
+                      </a:r>
+                      <a:r>
+                        <a:rPr lang="zh-CN" altLang="en-US" dirty="0"/>
+                        <a:t> </a:t>
+                      </a:r>
+                      <a:r>
+                        <a:rPr lang="en-US" altLang="zh-CN" dirty="0"/>
+                        <a:t>K1.5</a:t>
+                      </a:r>
+                      <a:endParaRPr lang="zh-CN" altLang="en-US" dirty="0"/>
+                    </a:p>
+                  </a:txBody>
+                  <a:tcPr/>
+                </a:tc>
+                <a:extLst>
+                  <a:ext uri="{0D108BD9-81ED-4DB2-BD59-A6C34878D82A}">
+                    <a16:rowId xmlns:a16="http://schemas.microsoft.com/office/drawing/2014/main" val="1395592784"/>
+                  </a:ext>
+                </a:extLst>
+              </a:tr>
+              <a:tr h="370840">
+                <a:tc>
+                  <a:txBody>
+                    <a:bodyPr/>
+                    <a:lstStyle/>
+                    <a:p>
+                      <a:r>
+                        <a:rPr lang="en-US" altLang="zh-CN" dirty="0"/>
+                        <a:t>DeepSeek-R1</a:t>
+                      </a:r>
+                      <a:r>
+                        <a:rPr lang="zh-CN" altLang="en-US" dirty="0"/>
+                        <a:t> 通过 </a:t>
+                      </a:r>
+                      <a:r>
+                        <a:rPr lang="en-US" altLang="zh-CN" dirty="0"/>
+                        <a:t>RL </a:t>
+                      </a:r>
+                      <a:r>
+                        <a:rPr lang="zh-CN" altLang="en-US" dirty="0"/>
+                        <a:t>自学习，直接冷启动，然后 </a:t>
+                      </a:r>
+                      <a:r>
+                        <a:rPr lang="en-US" altLang="zh-CN" dirty="0"/>
+                        <a:t>CoT</a:t>
+                      </a:r>
+                      <a:r>
+                        <a:rPr lang="zh-CN" altLang="en-US" dirty="0"/>
+                        <a:t> 微调迭代</a:t>
+                      </a:r>
+                    </a:p>
+                  </a:txBody>
+                  <a:tcPr/>
+                </a:tc>
+                <a:tc>
+                  <a:txBody>
+                    <a:bodyPr/>
+                    <a:lstStyle/>
+                    <a:p>
+                      <a:r>
+                        <a:rPr lang="en-US" altLang="zh-CN" dirty="0"/>
+                        <a:t>KIMI</a:t>
+                      </a:r>
+                      <a:r>
+                        <a:rPr lang="zh-CN" altLang="en-US" dirty="0"/>
+                        <a:t> </a:t>
+                      </a:r>
+                      <a:r>
+                        <a:rPr lang="en-US" altLang="zh-CN" dirty="0"/>
+                        <a:t>K1.5</a:t>
+                      </a:r>
+                      <a:r>
+                        <a:rPr lang="zh-CN" altLang="en-US" dirty="0"/>
+                        <a:t> 通过</a:t>
+                      </a:r>
+                      <a:r>
+                        <a:rPr lang="en-US" altLang="zh-CN" dirty="0"/>
+                        <a:t> </a:t>
+                      </a:r>
+                      <a:r>
+                        <a:rPr lang="zh-CN" altLang="en-US" dirty="0"/>
+                        <a:t>复杂提示工程 </a:t>
+                      </a:r>
+                      <a:r>
+                        <a:rPr lang="en-US" altLang="zh-CN" dirty="0"/>
+                        <a:t>Prompt</a:t>
+                      </a:r>
+                      <a:r>
+                        <a:rPr lang="zh-CN" altLang="en-US" dirty="0"/>
+                        <a:t> </a:t>
+                      </a:r>
+                      <a:r>
+                        <a:rPr lang="en-US" altLang="zh-CN" dirty="0"/>
+                        <a:t>Engine</a:t>
+                      </a:r>
+                      <a:r>
+                        <a:rPr lang="zh-CN" altLang="en-US" dirty="0"/>
+                        <a:t> 来构建 </a:t>
+                      </a:r>
+                      <a:r>
+                        <a:rPr lang="en-US" altLang="zh-CN" dirty="0"/>
+                        <a:t>CoT</a:t>
+                      </a:r>
+                      <a:r>
+                        <a:rPr lang="zh-CN" altLang="en-US" dirty="0"/>
+                        <a:t> 然后使用 </a:t>
+                      </a:r>
+                      <a:r>
+                        <a:rPr lang="en-US" altLang="zh-CN" dirty="0"/>
+                        <a:t>SFT</a:t>
+                      </a:r>
+                      <a:r>
+                        <a:rPr lang="zh-CN" altLang="en-US" dirty="0"/>
+                        <a:t> 预热</a:t>
+                      </a:r>
+                      <a:endParaRPr lang="en-US" altLang="zh-CN" dirty="0"/>
+                    </a:p>
+                  </a:txBody>
+                  <a:tcPr/>
+                </a:tc>
+                <a:extLst>
+                  <a:ext uri="{0D108BD9-81ED-4DB2-BD59-A6C34878D82A}">
+                    <a16:rowId xmlns:a16="http://schemas.microsoft.com/office/drawing/2014/main" val="914738939"/>
+                  </a:ext>
+                </a:extLst>
+              </a:tr>
+              <a:tr h="370840">
+                <a:tc>
+                  <a:txBody>
+                    <a:bodyPr/>
+                    <a:lstStyle/>
+                    <a:p>
+                      <a:r>
+                        <a:rPr lang="en-US" altLang="zh-CN" dirty="0"/>
+                        <a:t>DeepSeek-R1</a:t>
+                      </a:r>
+                      <a:r>
+                        <a:rPr lang="zh-CN" altLang="en-US" dirty="0"/>
+                        <a:t> 已经权重开源，并且可在</a:t>
+                      </a:r>
+                      <a:r>
+                        <a:rPr lang="en-US" altLang="zh-CN" dirty="0"/>
+                        <a:t> chat</a:t>
+                      </a:r>
+                      <a:r>
+                        <a:rPr lang="zh-CN" altLang="en-US" dirty="0"/>
+                        <a:t> </a:t>
+                      </a:r>
+                      <a:r>
+                        <a:rPr lang="en-US" altLang="zh-CN" dirty="0"/>
+                        <a:t>DeepSeek</a:t>
+                      </a:r>
+                      <a:r>
+                        <a:rPr lang="zh-CN" altLang="en-US" dirty="0"/>
+                        <a:t> 中使用，遵循 </a:t>
+                      </a:r>
+                      <a:r>
+                        <a:rPr lang="en-US" altLang="zh-CN" dirty="0"/>
+                        <a:t>MIT</a:t>
+                      </a:r>
+                      <a:r>
+                        <a:rPr lang="zh-CN" altLang="en-US" dirty="0"/>
+                        <a:t> 许可协议；</a:t>
+                      </a:r>
+                    </a:p>
+                  </a:txBody>
+                  <a:tcPr/>
+                </a:tc>
+                <a:tc>
+                  <a:txBody>
+                    <a:bodyPr/>
+                    <a:lstStyle/>
+                    <a:p>
+                      <a:r>
+                        <a:rPr lang="en-US" altLang="zh-CN" dirty="0"/>
+                        <a:t>KIMI</a:t>
+                      </a:r>
+                      <a:r>
+                        <a:rPr lang="zh-CN" altLang="en-US" dirty="0"/>
+                        <a:t> 目前还在灰度上线，短期内不会开源，走闭源的路线，提供线上服务；</a:t>
+                      </a:r>
+                    </a:p>
+                  </a:txBody>
+                  <a:tcPr/>
+                </a:tc>
+                <a:extLst>
+                  <a:ext uri="{0D108BD9-81ED-4DB2-BD59-A6C34878D82A}">
+                    <a16:rowId xmlns:a16="http://schemas.microsoft.com/office/drawing/2014/main" val="14175348"/>
+                  </a:ext>
+                </a:extLst>
+              </a:tr>
+              <a:tr h="370840">
+                <a:tc>
+                  <a:txBody>
+                    <a:bodyPr/>
+                    <a:lstStyle/>
+                    <a:p>
+                      <a:r>
+                        <a:rPr lang="en-US" altLang="zh-CN" dirty="0"/>
+                        <a:t>RL</a:t>
+                      </a:r>
+                      <a:r>
+                        <a:rPr lang="zh-CN" altLang="en-US" dirty="0"/>
+                        <a:t> 过程通过惩罚函数实现 </a:t>
+                      </a:r>
+                      <a:r>
+                        <a:rPr lang="en-US" altLang="zh-CN" dirty="0"/>
+                        <a:t>Long-CoT</a:t>
+                      </a:r>
+                      <a:r>
+                        <a:rPr lang="zh-CN" altLang="en-US" dirty="0"/>
+                        <a:t> 的</a:t>
+                      </a:r>
+                      <a:r>
+                        <a:rPr lang="en-US" altLang="zh-CN" dirty="0"/>
+                        <a:t> hark</a:t>
+                      </a:r>
+                      <a:r>
+                        <a:rPr lang="zh-CN" altLang="en-US" dirty="0"/>
+                        <a:t> </a:t>
+                      </a:r>
+                      <a:r>
+                        <a:rPr lang="en-US" altLang="zh-CN" dirty="0"/>
+                        <a:t>reward</a:t>
+                      </a:r>
+                    </a:p>
+                  </a:txBody>
+                  <a:tcPr/>
+                </a:tc>
+                <a:tc>
+                  <a:txBody>
+                    <a:bodyPr/>
+                    <a:lstStyle/>
+                    <a:p>
+                      <a:r>
+                        <a:rPr lang="zh-CN" altLang="en" sz="2400" b="1" i="0" kern="1200" dirty="0">
+                          <a:solidFill>
+                            <a:schemeClr val="tx1"/>
+                          </a:solidFill>
+                          <a:effectLst/>
+                          <a:latin typeface="+mn-lt"/>
+                          <a:ea typeface="+mn-ea"/>
+                          <a:cs typeface="+mn-cs"/>
+                        </a:rPr>
+                        <a:t>使用</a:t>
+                      </a:r>
+                      <a:r>
+                        <a:rPr lang="en" altLang="zh-CN" sz="2400" b="1" i="0" kern="1200" dirty="0">
+                          <a:solidFill>
+                            <a:schemeClr val="tx1"/>
+                          </a:solidFill>
+                          <a:effectLst/>
+                          <a:latin typeface="+mn-lt"/>
+                          <a:ea typeface="+mn-ea"/>
+                          <a:cs typeface="+mn-cs"/>
+                        </a:rPr>
+                        <a:t>Long-COT</a:t>
+                      </a:r>
+                      <a:r>
+                        <a:rPr lang="zh-CN" altLang="en-US" sz="2400" b="1" i="0" kern="1200" dirty="0">
+                          <a:solidFill>
+                            <a:schemeClr val="tx1"/>
+                          </a:solidFill>
+                          <a:effectLst/>
+                          <a:latin typeface="+mn-lt"/>
+                          <a:ea typeface="+mn-ea"/>
+                          <a:cs typeface="+mn-cs"/>
+                        </a:rPr>
+                        <a:t>向</a:t>
+                      </a:r>
+                      <a:r>
+                        <a:rPr lang="en" altLang="zh-CN" sz="2400" b="1" i="0" kern="1200" dirty="0">
+                          <a:solidFill>
+                            <a:schemeClr val="tx1"/>
+                          </a:solidFill>
+                          <a:effectLst/>
+                          <a:latin typeface="+mn-lt"/>
+                          <a:ea typeface="+mn-ea"/>
+                          <a:cs typeface="+mn-cs"/>
+                        </a:rPr>
+                        <a:t>Short-CoT</a:t>
+                      </a:r>
+                      <a:r>
+                        <a:rPr lang="zh-CN" altLang="en-US" sz="2400" b="1" i="0" kern="1200" dirty="0">
+                          <a:solidFill>
+                            <a:schemeClr val="tx1"/>
+                          </a:solidFill>
+                          <a:effectLst/>
+                          <a:latin typeface="+mn-lt"/>
+                          <a:ea typeface="+mn-ea"/>
+                          <a:cs typeface="+mn-cs"/>
+                        </a:rPr>
+                        <a:t>的知识迁移</a:t>
+                      </a:r>
+                      <a:endParaRPr lang="zh-CN" altLang="en-US" dirty="0"/>
+                    </a:p>
+                  </a:txBody>
+                  <a:tcPr/>
+                </a:tc>
+                <a:extLst>
+                  <a:ext uri="{0D108BD9-81ED-4DB2-BD59-A6C34878D82A}">
+                    <a16:rowId xmlns:a16="http://schemas.microsoft.com/office/drawing/2014/main" val="3297366817"/>
+                  </a:ext>
+                </a:extLst>
+              </a:tr>
+              <a:tr h="370840">
+                <a:tc>
+                  <a:txBody>
+                    <a:bodyPr/>
+                    <a:lstStyle/>
+                    <a:p>
+                      <a:r>
+                        <a:rPr lang="zh-CN" altLang="en-US" dirty="0"/>
+                        <a:t>聚焦 </a:t>
+                      </a:r>
+                      <a:r>
+                        <a:rPr lang="en-US" altLang="zh-CN" dirty="0"/>
+                        <a:t>NLP</a:t>
+                      </a:r>
+                      <a:r>
+                        <a:rPr lang="zh-CN" altLang="en-US" dirty="0"/>
+                        <a:t> 领域，通过蒸馏成小模型，提升小模型效果</a:t>
+                      </a:r>
+                    </a:p>
+                  </a:txBody>
+                  <a:tcPr/>
+                </a:tc>
+                <a:tc>
+                  <a:txBody>
+                    <a:bodyPr/>
+                    <a:lstStyle/>
+                    <a:p>
+                      <a:r>
+                        <a:rPr lang="zh-CN" altLang="en-US" dirty="0"/>
+                        <a:t>具备多模态能力，在</a:t>
+                      </a:r>
+                      <a:r>
+                        <a:rPr lang="en-US" altLang="zh-CN" dirty="0"/>
+                        <a:t> </a:t>
+                      </a:r>
+                      <a:r>
+                        <a:rPr lang="en-US" altLang="zh-CN" dirty="0" err="1"/>
+                        <a:t>MathVista</a:t>
+                      </a:r>
+                      <a:r>
+                        <a:rPr lang="zh-CN" altLang="en-US" dirty="0"/>
+                        <a:t> 基准可测评</a:t>
+                      </a:r>
+                    </a:p>
+                  </a:txBody>
+                  <a:tcPr/>
+                </a:tc>
+                <a:extLst>
+                  <a:ext uri="{0D108BD9-81ED-4DB2-BD59-A6C34878D82A}">
+                    <a16:rowId xmlns:a16="http://schemas.microsoft.com/office/drawing/2014/main" val="2870429927"/>
+                  </a:ext>
+                </a:extLst>
+              </a:tr>
+              <a:tr h="370840">
+                <a:tc>
+                  <a:txBody>
+                    <a:bodyPr/>
+                    <a:lstStyle/>
+                    <a:p>
+                      <a:r>
+                        <a:rPr lang="zh-CN" altLang="en-US" dirty="0"/>
+                        <a:t>技术文章内容纯粹，但是隐藏了细节</a:t>
+                      </a:r>
+                    </a:p>
+                  </a:txBody>
+                  <a:tcPr/>
+                </a:tc>
+                <a:tc>
+                  <a:txBody>
+                    <a:bodyPr/>
+                    <a:lstStyle/>
+                    <a:p>
+                      <a:r>
+                        <a:rPr lang="zh-CN" altLang="en-US" dirty="0"/>
+                        <a:t>在数据准备和宏观概念上技术细节充分，但是缺乏实操性</a:t>
+                      </a:r>
+                    </a:p>
+                  </a:txBody>
+                  <a:tcPr/>
+                </a:tc>
+                <a:extLst>
+                  <a:ext uri="{0D108BD9-81ED-4DB2-BD59-A6C34878D82A}">
+                    <a16:rowId xmlns:a16="http://schemas.microsoft.com/office/drawing/2014/main" val="1319694012"/>
+                  </a:ext>
+                </a:extLst>
+              </a:tr>
+            </a:tbl>
+          </a:graphicData>
+        </a:graphic>
+      </p:graphicFrame>
+    </p:spTree>
+    <p:extLst>
+      <p:ext uri="{BB962C8B-B14F-4D97-AF65-F5344CB8AC3E}">
+        <p14:creationId xmlns:p14="http://schemas.microsoft.com/office/powerpoint/2010/main" val="2547632809"/>
+      </p:ext>
+    </p:extLst>
+  </p:cSld>
+  <p:clrMapOvr>
+    <a:masterClrMapping/>
+  </p:clrMapOvr>
+  <mc:AlternateContent xmlns:mc="http://schemas.openxmlformats.org/markup-compatibility/2006" xmlns:p159="http://schemas.microsoft.com/office/powerpoint/2015/09/main">
+    <mc:Choice Requires="p159">
+      <p:transition xmlns:p14="http://schemas.microsoft.com/office/powerpoint/2010/main" spd="slow" p14:dur="2000">
+        <p159:morph option="byObject"/>
+      </p:transition>
+    </mc:Choice>
+    <mc:Fallback xmlns="">
+      <p:transition spd="slow">
+        <p:fade/>
+      </p:transition>
+    </mc:Fallback>
+  </mc:AlternateContent>
+</p:sld>
+</file>
+
+<file path=ppt/slides/slide14.xml><?xml version="1.0" encoding="utf-8"?>
+<p:sld xmlns:a="http://schemas.openxmlformats.org/drawingml/2006/main" xmlns:r="http://schemas.openxmlformats.org/officeDocument/2006/relationships" xmlns:p="http://schemas.openxmlformats.org/presentationml/2006/main">
+  <p:cSld>
+    <p:spTree>
+      <p:nvGrpSpPr>
+        <p:cNvPr id="1" name=""/>
+        <p:cNvGrpSpPr/>
+        <p:nvPr/>
+      </p:nvGrpSpPr>
+      <p:grpSpPr>
+        <a:xfrm>
+          <a:off x="0" y="0"/>
+          <a:ext cx="0" cy="0"/>
+          <a:chOff x="0" y="0"/>
+          <a:chExt cx="0" cy="0"/>
+        </a:xfrm>
+      </p:grpSpPr>
+      <p:sp>
+        <p:nvSpPr>
+          <p:cNvPr id="4" name="文本框 3">
+            <a:extLst>
+              <a:ext uri="{FF2B5EF4-FFF2-40B4-BE49-F238E27FC236}">
+                <a16:creationId xmlns:a16="http://schemas.microsoft.com/office/drawing/2014/main" id="{11B95A44-CCF2-9448-AD90-014C7B1CC7EC}"/>
+              </a:ext>
+            </a:extLst>
+          </p:cNvPr>
+          <p:cNvSpPr txBox="1"/>
+          <p:nvPr/>
+        </p:nvSpPr>
+        <p:spPr>
+          <a:xfrm>
+            <a:off x="4728456" y="1046095"/>
+            <a:ext cx="2739853" cy="2646878"/>
+          </a:xfrm>
+          <a:prstGeom prst="rect">
+            <a:avLst/>
+          </a:prstGeom>
+          <a:noFill/>
+        </p:spPr>
+        <p:txBody>
+          <a:bodyPr wrap="none" rtlCol="0">
+            <a:spAutoFit/>
+          </a:bodyPr>
+          <a:lstStyle/>
+          <a:p>
+            <a:pPr algn="ctr"/>
+            <a:r>
+              <a:rPr kumimoji="1" lang="en-US" altLang="zh-CN" sz="16600" b="1" dirty="0">
+                <a:gradFill>
+                  <a:gsLst>
+                    <a:gs pos="4000">
+                      <a:srgbClr val="126FFC"/>
+                    </a:gs>
+                    <a:gs pos="73000">
+                      <a:srgbClr val="126FFC">
+                        <a:alpha val="0"/>
+                      </a:srgbClr>
+                    </a:gs>
+                  </a:gsLst>
+                  <a:lin ang="5400000" scaled="1"/>
+                </a:gradFill>
+                <a:latin typeface="PingFang SC Semibold" panose="020B0400000000000000" pitchFamily="34" charset="-122"/>
+                <a:ea typeface="PingFang SC Semibold" panose="020B0400000000000000" pitchFamily="34" charset="-122"/>
+              </a:rPr>
+              <a:t>03</a:t>
+            </a:r>
+            <a:endParaRPr kumimoji="1" lang="zh-CN" altLang="en-US" sz="16600" b="1" dirty="0">
+              <a:gradFill>
+                <a:gsLst>
+                  <a:gs pos="4000">
+                    <a:srgbClr val="126FFC"/>
+                  </a:gs>
+                  <a:gs pos="73000">
+                    <a:srgbClr val="126FFC">
+                      <a:alpha val="0"/>
+                    </a:srgbClr>
+                  </a:gs>
+                </a:gsLst>
+                <a:lin ang="5400000" scaled="1"/>
+              </a:gradFill>
+              <a:latin typeface="PingFang SC Semibold" panose="020B0400000000000000" pitchFamily="34" charset="-122"/>
+              <a:ea typeface="PingFang SC Semibold" panose="020B0400000000000000" pitchFamily="34" charset="-122"/>
+            </a:endParaRPr>
+          </a:p>
+        </p:txBody>
+      </p:sp>
+      <p:sp>
+        <p:nvSpPr>
+          <p:cNvPr id="2" name="文本框 1">
+            <a:extLst>
+              <a:ext uri="{FF2B5EF4-FFF2-40B4-BE49-F238E27FC236}">
+                <a16:creationId xmlns:a16="http://schemas.microsoft.com/office/drawing/2014/main" id="{23318274-4988-A24C-A300-D395CB35B714}"/>
+              </a:ext>
+            </a:extLst>
+          </p:cNvPr>
+          <p:cNvSpPr txBox="1"/>
+          <p:nvPr/>
+        </p:nvSpPr>
+        <p:spPr>
+          <a:xfrm>
+            <a:off x="1241074" y="2990247"/>
+            <a:ext cx="10132418" cy="1569660"/>
+          </a:xfrm>
+          <a:prstGeom prst="rect">
+            <a:avLst/>
+          </a:prstGeom>
+          <a:noFill/>
+        </p:spPr>
+        <p:txBody>
+          <a:bodyPr wrap="square" rtlCol="0">
+            <a:spAutoFit/>
+          </a:bodyPr>
+          <a:lstStyle/>
+          <a:p>
+            <a:pPr algn="ctr" defTabSz="1218804" eaLnBrk="0" fontAlgn="base" hangingPunct="0">
+              <a:spcBef>
+                <a:spcPts val="1800"/>
+              </a:spcBef>
+              <a:spcAft>
+                <a:spcPts val="600"/>
+              </a:spcAft>
+              <a:buClr>
+                <a:srgbClr val="71B2FF"/>
+              </a:buClr>
+              <a:buSzPct val="110000"/>
+            </a:pPr>
+            <a:r>
+              <a:rPr lang="zh-CN" altLang="en-US" sz="9600" b="1" kern="0" dirty="0">
+                <a:solidFill>
+                  <a:schemeClr val="bg1"/>
+                </a:solidFill>
+                <a:latin typeface="Lexend" pitchFamily="2" charset="0"/>
+                <a:ea typeface="+mj-ea"/>
+                <a:cs typeface="Futura-Medium" panose="020B0602020204020303" pitchFamily="34" charset="-79"/>
+              </a:rPr>
+              <a:t>实验小案例</a:t>
+            </a:r>
+            <a:endParaRPr lang="en-US" altLang="zh-CN" sz="9600" b="1" kern="0" dirty="0">
+              <a:solidFill>
+                <a:schemeClr val="bg1"/>
+              </a:solidFill>
+              <a:latin typeface="Lexend" pitchFamily="2" charset="0"/>
+              <a:ea typeface="+mj-ea"/>
+              <a:cs typeface="Futura-Medium" panose="020B0602020204020303" pitchFamily="34" charset="-79"/>
+            </a:endParaRPr>
+          </a:p>
+        </p:txBody>
+      </p:sp>
+    </p:spTree>
+    <p:extLst>
+      <p:ext uri="{BB962C8B-B14F-4D97-AF65-F5344CB8AC3E}">
+        <p14:creationId xmlns:p14="http://schemas.microsoft.com/office/powerpoint/2010/main" val="1578255284"/>
+      </p:ext>
+    </p:extLst>
+  </p:cSld>
+  <p:clrMapOvr>
+    <a:masterClrMapping/>
+  </p:clrMapOvr>
+</p:sld>
+</file>
+
+<file path=ppt/slides/slide15.xml><?xml version="1.0" encoding="utf-8"?>
+<p:sld xmlns:a="http://schemas.openxmlformats.org/drawingml/2006/main" xmlns:r="http://schemas.openxmlformats.org/officeDocument/2006/relationships" xmlns:p="http://schemas.openxmlformats.org/presentationml/2006/main">
+  <p:cSld>
+    <p:spTree>
+      <p:nvGrpSpPr>
+        <p:cNvPr id="1" name=""/>
+        <p:cNvGrpSpPr/>
+        <p:nvPr/>
+      </p:nvGrpSpPr>
+      <p:grpSpPr>
+        <a:xfrm>
+          <a:off x="0" y="0"/>
+          <a:ext cx="0" cy="0"/>
+          <a:chOff x="0" y="0"/>
+          <a:chExt cx="0" cy="0"/>
+        </a:xfrm>
+      </p:grpSpPr>
+      <p:sp>
+        <p:nvSpPr>
+          <p:cNvPr id="4" name="文本框 3">
+            <a:extLst>
+              <a:ext uri="{FF2B5EF4-FFF2-40B4-BE49-F238E27FC236}">
+                <a16:creationId xmlns:a16="http://schemas.microsoft.com/office/drawing/2014/main" id="{11B95A44-CCF2-9448-AD90-014C7B1CC7EC}"/>
+              </a:ext>
+            </a:extLst>
+          </p:cNvPr>
+          <p:cNvSpPr txBox="1"/>
+          <p:nvPr/>
+        </p:nvSpPr>
+        <p:spPr>
+          <a:xfrm>
+            <a:off x="4728456" y="1046095"/>
+            <a:ext cx="2739853" cy="2646878"/>
+          </a:xfrm>
+          <a:prstGeom prst="rect">
+            <a:avLst/>
+          </a:prstGeom>
+          <a:noFill/>
+        </p:spPr>
+        <p:txBody>
+          <a:bodyPr wrap="none" rtlCol="0">
+            <a:spAutoFit/>
+          </a:bodyPr>
+          <a:lstStyle/>
+          <a:p>
+            <a:pPr algn="ctr"/>
+            <a:r>
+              <a:rPr kumimoji="1" lang="en-US" altLang="zh-CN" sz="16600" b="1" dirty="0">
+                <a:gradFill>
+                  <a:gsLst>
+                    <a:gs pos="4000">
+                      <a:srgbClr val="126FFC"/>
+                    </a:gs>
+                    <a:gs pos="73000">
+                      <a:srgbClr val="126FFC">
+                        <a:alpha val="0"/>
+                      </a:srgbClr>
+                    </a:gs>
+                  </a:gsLst>
+                  <a:lin ang="5400000" scaled="1"/>
+                </a:gradFill>
+                <a:latin typeface="PingFang SC Semibold" panose="020B0400000000000000" pitchFamily="34" charset="-122"/>
+                <a:ea typeface="PingFang SC Semibold" panose="020B0400000000000000" pitchFamily="34" charset="-122"/>
+              </a:rPr>
+              <a:t>04</a:t>
+            </a:r>
+            <a:endParaRPr kumimoji="1" lang="zh-CN" altLang="en-US" sz="16600" b="1" dirty="0">
+              <a:gradFill>
+                <a:gsLst>
+                  <a:gs pos="4000">
+                    <a:srgbClr val="126FFC"/>
+                  </a:gs>
+                  <a:gs pos="73000">
+                    <a:srgbClr val="126FFC">
+                      <a:alpha val="0"/>
+                    </a:srgbClr>
+                  </a:gs>
+                </a:gsLst>
+                <a:lin ang="5400000" scaled="1"/>
+              </a:gradFill>
+              <a:latin typeface="PingFang SC Semibold" panose="020B0400000000000000" pitchFamily="34" charset="-122"/>
+              <a:ea typeface="PingFang SC Semibold" panose="020B0400000000000000" pitchFamily="34" charset="-122"/>
+            </a:endParaRPr>
+          </a:p>
+        </p:txBody>
+      </p:sp>
+      <p:sp>
+        <p:nvSpPr>
+          <p:cNvPr id="2" name="文本框 1">
+            <a:extLst>
+              <a:ext uri="{FF2B5EF4-FFF2-40B4-BE49-F238E27FC236}">
+                <a16:creationId xmlns:a16="http://schemas.microsoft.com/office/drawing/2014/main" id="{23318274-4988-A24C-A300-D395CB35B714}"/>
+              </a:ext>
+            </a:extLst>
+          </p:cNvPr>
+          <p:cNvSpPr txBox="1"/>
+          <p:nvPr/>
+        </p:nvSpPr>
+        <p:spPr>
+          <a:xfrm>
+            <a:off x="1241074" y="2990247"/>
+            <a:ext cx="10132418" cy="3046988"/>
+          </a:xfrm>
+          <a:prstGeom prst="rect">
+            <a:avLst/>
+          </a:prstGeom>
+          <a:noFill/>
+        </p:spPr>
+        <p:txBody>
+          <a:bodyPr wrap="square" rtlCol="0">
+            <a:spAutoFit/>
+          </a:bodyPr>
+          <a:lstStyle/>
+          <a:p>
+            <a:pPr algn="ctr"/>
+            <a:r>
+              <a:rPr lang="zh-CN" altLang="en-US" sz="9600" b="1" dirty="0">
+                <a:solidFill>
+                  <a:schemeClr val="bg1"/>
+                </a:solidFill>
+              </a:rPr>
+              <a:t>对产业</a:t>
+            </a:r>
+            <a:endParaRPr lang="en-US" altLang="zh-CN" sz="9600" b="1" dirty="0">
+              <a:solidFill>
+                <a:schemeClr val="bg1"/>
+              </a:solidFill>
+            </a:endParaRPr>
+          </a:p>
+          <a:p>
+            <a:pPr algn="ctr"/>
+            <a:r>
+              <a:rPr lang="zh-CN" altLang="en-US" sz="9600" b="1" dirty="0">
+                <a:solidFill>
+                  <a:schemeClr val="bg1"/>
+                </a:solidFill>
+              </a:rPr>
+              <a:t>思考与小结</a:t>
+            </a:r>
+            <a:endParaRPr lang="en-US" altLang="zh-CN" sz="9600" b="1" dirty="0">
+              <a:solidFill>
+                <a:schemeClr val="bg1"/>
+              </a:solidFill>
+            </a:endParaRPr>
+          </a:p>
+        </p:txBody>
+      </p:sp>
+    </p:spTree>
+    <p:extLst>
+      <p:ext uri="{BB962C8B-B14F-4D97-AF65-F5344CB8AC3E}">
+        <p14:creationId xmlns:p14="http://schemas.microsoft.com/office/powerpoint/2010/main" val="1935062556"/>
+      </p:ext>
+    </p:extLst>
+  </p:cSld>
+  <p:clrMapOvr>
+    <a:masterClrMapping/>
+  </p:clrMapOvr>
+</p:sld>
+</file>
+
+<file path=ppt/slides/slide16.xml><?xml version="1.0" encoding="utf-8"?>
 <p:sld xmlns:a="http://schemas.openxmlformats.org/drawingml/2006/main" xmlns:r="http://schemas.openxmlformats.org/officeDocument/2006/relationships" xmlns:p="http://schemas.openxmlformats.org/presentationml/2006/main">
   <p:cSld>
     <p:spTree>
@@ -33059,7 +35045,49 @@
 </p:sld>
 </file>
 
-<file path=ppt/slides/slide5.xml><?xml version="1.0" encoding="utf-8"?>
+<file path=ppt/slides/slide17.xml><?xml version="1.0" encoding="utf-8"?>
+<p:sld xmlns:a="http://schemas.openxmlformats.org/drawingml/2006/main" xmlns:r="http://schemas.openxmlformats.org/officeDocument/2006/relationships" xmlns:p="http://schemas.openxmlformats.org/presentationml/2006/main">
+  <p:cSld>
+    <p:spTree>
+      <p:nvGrpSpPr>
+        <p:cNvPr id="1" name=""/>
+        <p:cNvGrpSpPr/>
+        <p:nvPr/>
+      </p:nvGrpSpPr>
+      <p:grpSpPr>
+        <a:xfrm>
+          <a:off x="0" y="0"/>
+          <a:ext cx="0" cy="0"/>
+          <a:chOff x="0" y="0"/>
+          <a:chExt cx="0" cy="0"/>
+        </a:xfrm>
+      </p:grpSpPr>
+    </p:spTree>
+    <p:extLst>
+      <p:ext uri="{BB962C8B-B14F-4D97-AF65-F5344CB8AC3E}">
+        <p14:creationId xmlns:p14="http://schemas.microsoft.com/office/powerpoint/2010/main" val="996880118"/>
+      </p:ext>
+    </p:extLst>
+  </p:cSld>
+  <p:clrMapOvr>
+    <a:masterClrMapping/>
+  </p:clrMapOvr>
+  <mc:AlternateContent xmlns:mc="http://schemas.openxmlformats.org/markup-compatibility/2006" xmlns:p159="http://schemas.microsoft.com/office/powerpoint/2015/09/main">
+    <mc:Choice Requires="p159">
+      <p:transition xmlns:p14="http://schemas.microsoft.com/office/powerpoint/2010/main" spd="slow" p14:dur="2000">
+        <p159:morph option="byObject"/>
+      </p:transition>
+    </mc:Choice>
+    <mc:Fallback xmlns="">
+      <p:transition spd="slow">
+        <p:fade/>
+      </p:transition>
+    </mc:Fallback>
+  </mc:AlternateContent>
+</p:sld>
+</file>
+
+<file path=ppt/slides/slide18.xml><?xml version="1.0" encoding="utf-8"?>
 <p:sld xmlns:a="http://schemas.openxmlformats.org/drawingml/2006/main" xmlns:r="http://schemas.openxmlformats.org/officeDocument/2006/relationships" xmlns:p="http://schemas.openxmlformats.org/presentationml/2006/main">
   <p:cSld>
     <p:spTree>
@@ -33138,11 +35166,11 @@
             </a:pPr>
             <a:r>
               <a:rPr lang="en-US" altLang="zh-CN" dirty="0"/>
-              <a:t>DeepSeek-R1</a:t>
+              <a:t>KIMI K1.5</a:t>
             </a:r>
             <a:r>
               <a:rPr lang="zh-CN" altLang="en-US" dirty="0"/>
-              <a:t> 如何通过引入冷启动数据来提高推理性能？这个方法是否适用于多模态大模型？</a:t>
+              <a:t> 模型相比之前的模型有哪些创新点和改进之处？</a:t>
             </a:r>
           </a:p>
           <a:p>
@@ -33151,20 +35179,16 @@
               <a:buAutoNum type="arabicPeriod"/>
             </a:pPr>
             <a:r>
+              <a:rPr lang="zh-CN" altLang="en-US" dirty="0"/>
+              <a:t>文中提到的链式思维（</a:t>
+            </a:r>
+            <a:r>
               <a:rPr lang="en-US" altLang="zh-CN" dirty="0"/>
-              <a:t>DeepSeek-R1</a:t>
+              <a:t>CoT</a:t>
             </a:r>
             <a:r>
               <a:rPr lang="zh-CN" altLang="en-US" dirty="0"/>
-              <a:t> 相比之前的版本在哪些方面有所改进？它在</a:t>
-            </a:r>
-            <a:r>
-              <a:rPr lang="en-US" altLang="zh-CN" dirty="0"/>
-              <a:t>STEM</a:t>
-            </a:r>
-            <a:r>
-              <a:rPr lang="zh-CN" altLang="en-US" dirty="0"/>
-              <a:t>相关问题上的表现为什么更好？</a:t>
+              <a:t>）是如何应用在模型训练中的？它如何提高模型的推理能力？</a:t>
             </a:r>
           </a:p>
           <a:p>
@@ -33173,26 +35197,33 @@
               <a:buAutoNum type="arabicPeriod"/>
             </a:pPr>
             <a:r>
+              <a:rPr lang="en-US" altLang="zh-CN" dirty="0"/>
+              <a:t>KIMI K1.5</a:t>
+            </a:r>
+            <a:r>
               <a:rPr lang="zh-CN" altLang="en-US" dirty="0"/>
-              <a:t>文章提到 </a:t>
-            </a:r>
-            <a:r>
-              <a:rPr lang="en-US" altLang="zh-CN" dirty="0"/>
-              <a:t>DeepSeek-R1</a:t>
-            </a:r>
+              <a:t> 模型的训练和推理部署策略是如何设计的？有哪些优势和特点？</a:t>
+            </a:r>
+          </a:p>
+          <a:p>
+            <a:pPr marL="457200" indent="-457200" algn="just">
+              <a:buFont typeface="+mj-lt"/>
+              <a:buAutoNum type="arabicPeriod"/>
+            </a:pPr>
             <a:r>
               <a:rPr lang="zh-CN" altLang="en-US" dirty="0"/>
-              <a:t> 在某些任务上表现不如 </a:t>
-            </a:r>
-            <a:r>
-              <a:rPr lang="en-US" altLang="zh-CN" dirty="0"/>
-              <a:t>DeepSeek-V3</a:t>
-            </a:r>
+              <a:t>链式思维和长度奖励对模型的性能有什么影响？它们在不同领域和任务中是否都适用？</a:t>
+            </a:r>
+          </a:p>
+          <a:p>
+            <a:pPr marL="457200" indent="-457200" algn="just">
+              <a:buFont typeface="+mj-lt"/>
+              <a:buAutoNum type="arabicPeriod"/>
+            </a:pPr>
             <a:r>
               <a:rPr lang="zh-CN" altLang="en-US" dirty="0"/>
-              <a:t>，这是为什么？有没有改进的方案？</a:t>
-            </a:r>
-            <a:endParaRPr lang="en-US" altLang="zh-CN" dirty="0"/>
+              <a:t>文章中提到了模型大小和上下文长度扩展问题，如何选择合适模型大小和上下文长度，来平衡性能和计算资源的利用？</a:t>
+            </a:r>
           </a:p>
         </p:txBody>
       </p:sp>
@@ -33268,6 +35299,930 @@
 </p:sld>
 </file>
 
+<file path=ppt/slides/slide19.xml><?xml version="1.0" encoding="utf-8"?>
+<p:sld xmlns:a="http://schemas.openxmlformats.org/drawingml/2006/main" xmlns:r="http://schemas.openxmlformats.org/officeDocument/2006/relationships" xmlns:p="http://schemas.openxmlformats.org/presentationml/2006/main">
+  <p:cSld>
+    <p:spTree>
+      <p:nvGrpSpPr>
+        <p:cNvPr id="1" name=""/>
+        <p:cNvGrpSpPr/>
+        <p:nvPr/>
+      </p:nvGrpSpPr>
+      <p:grpSpPr>
+        <a:xfrm>
+          <a:off x="0" y="0"/>
+          <a:ext cx="0" cy="0"/>
+          <a:chOff x="0" y="0"/>
+          <a:chExt cx="0" cy="0"/>
+        </a:xfrm>
+      </p:grpSpPr>
+      <p:sp>
+        <p:nvSpPr>
+          <p:cNvPr id="4" name="标题 3">
+            <a:extLst>
+              <a:ext uri="{FF2B5EF4-FFF2-40B4-BE49-F238E27FC236}">
+                <a16:creationId xmlns:a16="http://schemas.microsoft.com/office/drawing/2014/main" id="{B4F05058-0821-AFAF-0EBB-2167E84F81DA}"/>
+              </a:ext>
+            </a:extLst>
+          </p:cNvPr>
+          <p:cNvSpPr>
+            <a:spLocks noGrp="1"/>
+          </p:cNvSpPr>
+          <p:nvPr>
+            <p:ph type="title"/>
+          </p:nvPr>
+        </p:nvSpPr>
+        <p:spPr/>
+        <p:txBody>
+          <a:bodyPr/>
+          <a:lstStyle/>
+          <a:p>
+            <a:r>
+              <a:rPr lang="zh-CN" altLang="en-US" dirty="0"/>
+              <a:t>参考与引用</a:t>
+            </a:r>
+          </a:p>
+        </p:txBody>
+      </p:sp>
+      <p:sp>
+        <p:nvSpPr>
+          <p:cNvPr id="5" name="内容占位符 4">
+            <a:extLst>
+              <a:ext uri="{FF2B5EF4-FFF2-40B4-BE49-F238E27FC236}">
+                <a16:creationId xmlns:a16="http://schemas.microsoft.com/office/drawing/2014/main" id="{4A85FFCC-0519-35D4-40F4-46CFF289709F}"/>
+              </a:ext>
+            </a:extLst>
+          </p:cNvPr>
+          <p:cNvSpPr>
+            <a:spLocks noGrp="1"/>
+          </p:cNvSpPr>
+          <p:nvPr>
+            <p:ph sz="half" idx="1"/>
+          </p:nvPr>
+        </p:nvSpPr>
+        <p:spPr/>
+        <p:txBody>
+          <a:bodyPr/>
+          <a:lstStyle/>
+          <a:p>
+            <a:pPr algn="l"/>
+            <a:r>
+              <a:rPr lang="en" altLang="zh-CN" dirty="0">
+                <a:hlinkClick r:id="rId2"/>
+              </a:rPr>
+              <a:t>https://www.zhihu.com/question/10114790245</a:t>
+            </a:r>
+            <a:endParaRPr lang="en" altLang="zh-CN" dirty="0"/>
+          </a:p>
+          <a:p>
+            <a:pPr algn="l"/>
+            <a:r>
+              <a:rPr lang="en" altLang="zh-CN" dirty="0">
+                <a:hlinkClick r:id="rId3"/>
+              </a:rPr>
+              <a:t>https://github.com/MoonshotAI/Kimi-k1.5</a:t>
+            </a:r>
+            <a:endParaRPr lang="en" altLang="zh-CN" dirty="0"/>
+          </a:p>
+          <a:p>
+            <a:pPr algn="l"/>
+            <a:endParaRPr lang="en" altLang="zh-CN" dirty="0"/>
+          </a:p>
+          <a:p>
+            <a:pPr algn="l"/>
+            <a:r>
+              <a:rPr lang="en" altLang="zh-CN" dirty="0"/>
+              <a:t>PPT </a:t>
+            </a:r>
+            <a:r>
+              <a:rPr lang="zh-CN" altLang="en" dirty="0"/>
+              <a:t>开源</a:t>
+            </a:r>
+            <a:r>
+              <a:rPr lang="zh-CN" altLang="en-US" dirty="0"/>
+              <a:t>在：</a:t>
+            </a:r>
+            <a:endParaRPr lang="en-US" altLang="zh-CN" dirty="0"/>
+          </a:p>
+          <a:p>
+            <a:pPr algn="l"/>
+            <a:r>
+              <a:rPr lang="en" altLang="zh-CN" dirty="0">
+                <a:hlinkClick r:id="rId4"/>
+              </a:rPr>
+              <a:t>https://github.com/chenzomi12/AIFoundation/tree/main/09News/00Others</a:t>
+            </a:r>
+            <a:endParaRPr lang="en-US" altLang="zh-CN" dirty="0"/>
+          </a:p>
+        </p:txBody>
+      </p:sp>
+    </p:spTree>
+    <p:extLst>
+      <p:ext uri="{BB962C8B-B14F-4D97-AF65-F5344CB8AC3E}">
+        <p14:creationId xmlns:p14="http://schemas.microsoft.com/office/powerpoint/2010/main" val="4140837558"/>
+      </p:ext>
+    </p:extLst>
+  </p:cSld>
+  <p:clrMapOvr>
+    <a:masterClrMapping/>
+  </p:clrMapOvr>
+  <mc:AlternateContent xmlns:mc="http://schemas.openxmlformats.org/markup-compatibility/2006" xmlns:p159="http://schemas.microsoft.com/office/powerpoint/2015/09/main">
+    <mc:Choice Requires="p159">
+      <p:transition xmlns:p14="http://schemas.microsoft.com/office/powerpoint/2010/main" spd="slow" p14:dur="2000">
+        <p159:morph option="byObject"/>
+      </p:transition>
+    </mc:Choice>
+    <mc:Fallback xmlns="">
+      <p:transition spd="slow">
+        <p:fade/>
+      </p:transition>
+    </mc:Fallback>
+  </mc:AlternateContent>
+</p:sld>
+</file>
+
+<file path=ppt/slides/slide2.xml><?xml version="1.0" encoding="utf-8"?>
+<p:sld xmlns:a="http://schemas.openxmlformats.org/drawingml/2006/main" xmlns:r="http://schemas.openxmlformats.org/officeDocument/2006/relationships" xmlns:p="http://schemas.openxmlformats.org/presentationml/2006/main">
+  <p:cSld>
+    <p:spTree>
+      <p:nvGrpSpPr>
+        <p:cNvPr id="1" name=""/>
+        <p:cNvGrpSpPr/>
+        <p:nvPr/>
+      </p:nvGrpSpPr>
+      <p:grpSpPr>
+        <a:xfrm>
+          <a:off x="0" y="0"/>
+          <a:ext cx="0" cy="0"/>
+          <a:chOff x="0" y="0"/>
+          <a:chExt cx="0" cy="0"/>
+        </a:xfrm>
+      </p:grpSpPr>
+      <p:sp>
+        <p:nvSpPr>
+          <p:cNvPr id="2" name="标题 1">
+            <a:extLst>
+              <a:ext uri="{FF2B5EF4-FFF2-40B4-BE49-F238E27FC236}">
+                <a16:creationId xmlns:a16="http://schemas.microsoft.com/office/drawing/2014/main" id="{02120AD9-B3CB-4B7F-429A-D4C9E3E9BE66}"/>
+              </a:ext>
+            </a:extLst>
+          </p:cNvPr>
+          <p:cNvSpPr>
+            <a:spLocks noGrp="1"/>
+          </p:cNvSpPr>
+          <p:nvPr>
+            <p:ph type="title"/>
+          </p:nvPr>
+        </p:nvSpPr>
+        <p:spPr/>
+        <p:txBody>
+          <a:bodyPr/>
+          <a:lstStyle/>
+          <a:p>
+            <a:r>
+              <a:rPr lang="zh-CN" altLang="en-US" sz="3200" dirty="0"/>
+              <a:t>视频目录大纲</a:t>
+            </a:r>
+          </a:p>
+        </p:txBody>
+      </p:sp>
+      <p:sp>
+        <p:nvSpPr>
+          <p:cNvPr id="3" name="内容占位符 2">
+            <a:extLst>
+              <a:ext uri="{FF2B5EF4-FFF2-40B4-BE49-F238E27FC236}">
+                <a16:creationId xmlns:a16="http://schemas.microsoft.com/office/drawing/2014/main" id="{B244A42C-4EA1-0BA9-68DC-09FE68154A55}"/>
+              </a:ext>
+            </a:extLst>
+          </p:cNvPr>
+          <p:cNvSpPr>
+            <a:spLocks noGrp="1"/>
+          </p:cNvSpPr>
+          <p:nvPr>
+            <p:ph sz="half" idx="1"/>
+          </p:nvPr>
+        </p:nvSpPr>
+        <p:spPr/>
+        <p:txBody>
+          <a:bodyPr anchor="t"/>
+          <a:lstStyle/>
+          <a:p>
+            <a:pPr marL="457200" indent="-457200" algn="l">
+              <a:buFont typeface="+mj-lt"/>
+              <a:buAutoNum type="arabicPeriod"/>
+            </a:pPr>
+            <a:endParaRPr lang="en-US" altLang="zh-CN" sz="2800" dirty="0"/>
+          </a:p>
+          <a:p>
+            <a:pPr marL="457200" indent="-457200">
+              <a:buFont typeface="+mj-lt"/>
+              <a:buAutoNum type="arabicPeriod"/>
+            </a:pPr>
+            <a:r>
+              <a:rPr lang="en-US" altLang="zh-CN" sz="2800" dirty="0"/>
+              <a:t>KIMI</a:t>
+            </a:r>
+            <a:r>
+              <a:rPr lang="zh-CN" altLang="en-US" sz="2800" dirty="0"/>
+              <a:t> </a:t>
+            </a:r>
+            <a:r>
+              <a:rPr lang="en-US" altLang="zh-CN" sz="2800" dirty="0"/>
+              <a:t>K1.5</a:t>
+            </a:r>
+            <a:r>
+              <a:rPr lang="zh-CN" altLang="en-US" sz="2800" dirty="0"/>
+              <a:t> 技术文章解读</a:t>
+            </a:r>
+            <a:endParaRPr lang="en-US" altLang="zh-CN" sz="2800" dirty="0"/>
+          </a:p>
+          <a:p>
+            <a:pPr marL="457200" indent="-457200" algn="l">
+              <a:buFont typeface="+mj-lt"/>
+              <a:buAutoNum type="arabicPeriod"/>
+            </a:pPr>
+            <a:r>
+              <a:rPr lang="en-US" altLang="zh-CN" sz="2800" dirty="0"/>
+              <a:t>KIMI1.5</a:t>
+            </a:r>
+            <a:r>
+              <a:rPr lang="zh-CN" altLang="en-US" sz="2800" dirty="0"/>
+              <a:t> 和 </a:t>
+            </a:r>
+            <a:r>
+              <a:rPr lang="en-US" altLang="zh-CN" sz="2800" dirty="0"/>
+              <a:t>DeepSeek-R1</a:t>
+            </a:r>
+            <a:r>
+              <a:rPr lang="zh-CN" altLang="en-US" sz="2800" dirty="0"/>
+              <a:t> 比较</a:t>
+            </a:r>
+            <a:endParaRPr lang="en-US" altLang="zh-CN" sz="2800" dirty="0"/>
+          </a:p>
+          <a:p>
+            <a:pPr marL="457200" indent="-457200" algn="l">
+              <a:buFont typeface="+mj-lt"/>
+              <a:buAutoNum type="arabicPeriod"/>
+            </a:pPr>
+            <a:r>
+              <a:rPr lang="en-US" altLang="zh-CN" sz="2800" dirty="0"/>
+              <a:t>KIMI1.5</a:t>
+            </a:r>
+            <a:r>
+              <a:rPr lang="zh-CN" altLang="en-US" sz="2800" dirty="0"/>
+              <a:t> </a:t>
+            </a:r>
+            <a:r>
+              <a:rPr lang="en-US" altLang="zh-CN" sz="2800" dirty="0"/>
+              <a:t>&amp;</a:t>
+            </a:r>
+            <a:r>
+              <a:rPr lang="zh-CN" altLang="en-US" sz="2800" dirty="0"/>
+              <a:t> </a:t>
+            </a:r>
+            <a:r>
+              <a:rPr lang="en-US" altLang="zh-CN" sz="2800" dirty="0"/>
+              <a:t>DeepSeek-R1</a:t>
+            </a:r>
+            <a:r>
+              <a:rPr lang="zh-CN" altLang="en-US" sz="2800" dirty="0"/>
+              <a:t> 在线测试</a:t>
+            </a:r>
+            <a:endParaRPr lang="en-US" altLang="zh-CN" sz="2800" dirty="0"/>
+          </a:p>
+          <a:p>
+            <a:pPr marL="457200" indent="-457200" algn="l">
+              <a:buFont typeface="+mj-lt"/>
+              <a:buAutoNum type="arabicPeriod"/>
+            </a:pPr>
+            <a:r>
+              <a:rPr lang="zh-CN" altLang="en-US" sz="2800" dirty="0"/>
+              <a:t>对产业的思考与小结</a:t>
+            </a:r>
+            <a:endParaRPr lang="en-US" altLang="zh-CN" sz="2800" dirty="0"/>
+          </a:p>
+        </p:txBody>
+      </p:sp>
+      <p:pic>
+        <p:nvPicPr>
+          <p:cNvPr id="1026" name="Picture 2" descr="思考表情包图片-思考表情包模板下载-包图网">
+            <a:extLst>
+              <a:ext uri="{FF2B5EF4-FFF2-40B4-BE49-F238E27FC236}">
+                <a16:creationId xmlns:a16="http://schemas.microsoft.com/office/drawing/2014/main" id="{C693DF82-9961-8E7D-D034-A7343FF6DFD3}"/>
+              </a:ext>
+            </a:extLst>
+          </p:cNvPr>
+          <p:cNvPicPr>
+            <a:picLocks noChangeAspect="1" noChangeArrowheads="1"/>
+          </p:cNvPicPr>
+          <p:nvPr/>
+        </p:nvPicPr>
+        <p:blipFill>
+          <a:blip r:embed="rId2">
+            <a:extLst>
+              <a:ext uri="{28A0092B-C50C-407E-A947-70E740481C1C}">
+                <a14:useLocalDpi xmlns:a14="http://schemas.microsoft.com/office/drawing/2010/main"/>
+              </a:ext>
+            </a:extLst>
+          </a:blip>
+          <a:srcRect/>
+          <a:stretch>
+            <a:fillRect/>
+          </a:stretch>
+        </p:blipFill>
+        <p:spPr bwMode="auto">
+          <a:xfrm>
+            <a:off x="9287838" y="3963343"/>
+            <a:ext cx="2299270" cy="2299270"/>
+          </a:xfrm>
+          <a:prstGeom prst="rect">
+            <a:avLst/>
+          </a:prstGeom>
+          <a:noFill/>
+          <a:extLst>
+            <a:ext uri="{909E8E84-426E-40DD-AFC4-6F175D3DCCD1}">
+              <a14:hiddenFill xmlns:a14="http://schemas.microsoft.com/office/drawing/2010/main">
+                <a:solidFill>
+                  <a:srgbClr val="FFFFFF"/>
+                </a:solidFill>
+              </a14:hiddenFill>
+            </a:ext>
+          </a:extLst>
+        </p:spPr>
+      </p:pic>
+    </p:spTree>
+    <p:extLst>
+      <p:ext uri="{BB962C8B-B14F-4D97-AF65-F5344CB8AC3E}">
+        <p14:creationId xmlns:p14="http://schemas.microsoft.com/office/powerpoint/2010/main" val="1062773065"/>
+      </p:ext>
+    </p:extLst>
+  </p:cSld>
+  <p:clrMapOvr>
+    <a:masterClrMapping/>
+  </p:clrMapOvr>
+  <mc:AlternateContent xmlns:mc="http://schemas.openxmlformats.org/markup-compatibility/2006" xmlns:p159="http://schemas.microsoft.com/office/powerpoint/2015/09/main">
+    <mc:Choice Requires="p159">
+      <p:transition xmlns:p14="http://schemas.microsoft.com/office/powerpoint/2010/main" spd="slow" p14:dur="2000">
+        <p159:morph option="byObject"/>
+      </p:transition>
+    </mc:Choice>
+    <mc:Fallback xmlns="">
+      <p:transition spd="slow">
+        <p:fade/>
+      </p:transition>
+    </mc:Fallback>
+  </mc:AlternateContent>
+</p:sld>
+</file>
+
+<file path=ppt/slides/slide3.xml><?xml version="1.0" encoding="utf-8"?>
+<p:sld xmlns:a="http://schemas.openxmlformats.org/drawingml/2006/main" xmlns:r="http://schemas.openxmlformats.org/officeDocument/2006/relationships" xmlns:p="http://schemas.openxmlformats.org/presentationml/2006/main">
+  <p:cSld>
+    <p:spTree>
+      <p:nvGrpSpPr>
+        <p:cNvPr id="1" name=""/>
+        <p:cNvGrpSpPr/>
+        <p:nvPr/>
+      </p:nvGrpSpPr>
+      <p:grpSpPr>
+        <a:xfrm>
+          <a:off x="0" y="0"/>
+          <a:ext cx="0" cy="0"/>
+          <a:chOff x="0" y="0"/>
+          <a:chExt cx="0" cy="0"/>
+        </a:xfrm>
+      </p:grpSpPr>
+      <p:sp>
+        <p:nvSpPr>
+          <p:cNvPr id="4" name="文本框 3">
+            <a:extLst>
+              <a:ext uri="{FF2B5EF4-FFF2-40B4-BE49-F238E27FC236}">
+                <a16:creationId xmlns:a16="http://schemas.microsoft.com/office/drawing/2014/main" id="{11B95A44-CCF2-9448-AD90-014C7B1CC7EC}"/>
+              </a:ext>
+            </a:extLst>
+          </p:cNvPr>
+          <p:cNvSpPr txBox="1"/>
+          <p:nvPr/>
+        </p:nvSpPr>
+        <p:spPr>
+          <a:xfrm>
+            <a:off x="4931236" y="1046095"/>
+            <a:ext cx="2334293" cy="2646878"/>
+          </a:xfrm>
+          <a:prstGeom prst="rect">
+            <a:avLst/>
+          </a:prstGeom>
+          <a:noFill/>
+        </p:spPr>
+        <p:txBody>
+          <a:bodyPr wrap="none" rtlCol="0">
+            <a:spAutoFit/>
+          </a:bodyPr>
+          <a:lstStyle/>
+          <a:p>
+            <a:pPr algn="ctr"/>
+            <a:r>
+              <a:rPr kumimoji="1" lang="en-US" altLang="zh-CN" sz="16600" b="1" dirty="0">
+                <a:gradFill>
+                  <a:gsLst>
+                    <a:gs pos="4000">
+                      <a:srgbClr val="126FFC"/>
+                    </a:gs>
+                    <a:gs pos="73000">
+                      <a:srgbClr val="126FFC">
+                        <a:alpha val="0"/>
+                      </a:srgbClr>
+                    </a:gs>
+                  </a:gsLst>
+                  <a:lin ang="5400000" scaled="1"/>
+                </a:gradFill>
+                <a:latin typeface="PingFang SC Semibold" panose="020B0400000000000000" pitchFamily="34" charset="-122"/>
+                <a:ea typeface="PingFang SC Semibold" panose="020B0400000000000000" pitchFamily="34" charset="-122"/>
+              </a:rPr>
+              <a:t>01</a:t>
+            </a:r>
+            <a:endParaRPr kumimoji="1" lang="zh-CN" altLang="en-US" sz="16600" b="1" dirty="0">
+              <a:gradFill>
+                <a:gsLst>
+                  <a:gs pos="4000">
+                    <a:srgbClr val="126FFC"/>
+                  </a:gs>
+                  <a:gs pos="73000">
+                    <a:srgbClr val="126FFC">
+                      <a:alpha val="0"/>
+                    </a:srgbClr>
+                  </a:gs>
+                </a:gsLst>
+                <a:lin ang="5400000" scaled="1"/>
+              </a:gradFill>
+              <a:latin typeface="PingFang SC Semibold" panose="020B0400000000000000" pitchFamily="34" charset="-122"/>
+              <a:ea typeface="PingFang SC Semibold" panose="020B0400000000000000" pitchFamily="34" charset="-122"/>
+            </a:endParaRPr>
+          </a:p>
+        </p:txBody>
+      </p:sp>
+      <p:sp>
+        <p:nvSpPr>
+          <p:cNvPr id="5" name="内容占位符 4">
+            <a:extLst>
+              <a:ext uri="{FF2B5EF4-FFF2-40B4-BE49-F238E27FC236}">
+                <a16:creationId xmlns:a16="http://schemas.microsoft.com/office/drawing/2014/main" id="{D04938AF-B47A-1764-AB7F-5185CDB78730}"/>
+              </a:ext>
+            </a:extLst>
+          </p:cNvPr>
+          <p:cNvSpPr>
+            <a:spLocks noGrp="1"/>
+          </p:cNvSpPr>
+          <p:nvPr>
+            <p:ph sz="half" idx="1"/>
+          </p:nvPr>
+        </p:nvSpPr>
+        <p:spPr>
+          <a:xfrm>
+            <a:off x="481757" y="2406869"/>
+            <a:ext cx="11161240" cy="3603651"/>
+          </a:xfrm>
+        </p:spPr>
+        <p:txBody>
+          <a:bodyPr>
+            <a:normAutofit/>
+          </a:bodyPr>
+          <a:lstStyle/>
+          <a:p>
+            <a:pPr algn="ctr" rtl="0">
+              <a:spcBef>
+                <a:spcPts val="1800"/>
+              </a:spcBef>
+              <a:spcAft>
+                <a:spcPts val="600"/>
+              </a:spcAft>
+            </a:pPr>
+            <a:r>
+              <a:rPr lang="en-US" altLang="zh-CN" dirty="0">
+                <a:latin typeface="Lexend" pitchFamily="2" charset="0"/>
+                <a:ea typeface="+mj-ea"/>
+              </a:rPr>
+              <a:t>KIMI</a:t>
+            </a:r>
+            <a:r>
+              <a:rPr lang="zh-CN" altLang="en-US" dirty="0">
+                <a:latin typeface="Lexend" pitchFamily="2" charset="0"/>
+                <a:ea typeface="+mj-ea"/>
+              </a:rPr>
+              <a:t> </a:t>
+            </a:r>
+            <a:r>
+              <a:rPr lang="en-US" altLang="zh-CN" dirty="0">
+                <a:latin typeface="Lexend" pitchFamily="2" charset="0"/>
+                <a:ea typeface="+mj-ea"/>
+              </a:rPr>
+              <a:t>K1.5</a:t>
+            </a:r>
+          </a:p>
+          <a:p>
+            <a:pPr algn="ctr" rtl="0">
+              <a:spcBef>
+                <a:spcPts val="1800"/>
+              </a:spcBef>
+              <a:spcAft>
+                <a:spcPts val="600"/>
+              </a:spcAft>
+            </a:pPr>
+            <a:r>
+              <a:rPr lang="zh-CN" altLang="en-US" dirty="0">
+                <a:latin typeface="Lexend" pitchFamily="2" charset="0"/>
+                <a:ea typeface="+mj-ea"/>
+              </a:rPr>
+              <a:t>技术文章解读</a:t>
+            </a:r>
+            <a:endParaRPr lang="en-US" altLang="zh-CN" dirty="0">
+              <a:latin typeface="Lexend" pitchFamily="2" charset="0"/>
+              <a:ea typeface="+mj-ea"/>
+            </a:endParaRPr>
+          </a:p>
+        </p:txBody>
+      </p:sp>
+    </p:spTree>
+    <p:extLst>
+      <p:ext uri="{BB962C8B-B14F-4D97-AF65-F5344CB8AC3E}">
+        <p14:creationId xmlns:p14="http://schemas.microsoft.com/office/powerpoint/2010/main" val="797963781"/>
+      </p:ext>
+    </p:extLst>
+  </p:cSld>
+  <p:clrMapOvr>
+    <a:masterClrMapping/>
+  </p:clrMapOvr>
+</p:sld>
+</file>
+
+<file path=ppt/slides/slide4.xml><?xml version="1.0" encoding="utf-8"?>
+<p:sld xmlns:a="http://schemas.openxmlformats.org/drawingml/2006/main" xmlns:r="http://schemas.openxmlformats.org/officeDocument/2006/relationships" xmlns:p="http://schemas.openxmlformats.org/presentationml/2006/main">
+  <p:cSld>
+    <p:spTree>
+      <p:nvGrpSpPr>
+        <p:cNvPr id="1" name=""/>
+        <p:cNvGrpSpPr/>
+        <p:nvPr/>
+      </p:nvGrpSpPr>
+      <p:grpSpPr>
+        <a:xfrm>
+          <a:off x="0" y="0"/>
+          <a:ext cx="0" cy="0"/>
+          <a:chOff x="0" y="0"/>
+          <a:chExt cx="0" cy="0"/>
+        </a:xfrm>
+      </p:grpSpPr>
+      <p:sp>
+        <p:nvSpPr>
+          <p:cNvPr id="3" name="标题 2">
+            <a:extLst>
+              <a:ext uri="{FF2B5EF4-FFF2-40B4-BE49-F238E27FC236}">
+                <a16:creationId xmlns:a16="http://schemas.microsoft.com/office/drawing/2014/main" id="{69AEA055-67C8-0AFC-274E-C1C28266C7FF}"/>
+              </a:ext>
+            </a:extLst>
+          </p:cNvPr>
+          <p:cNvSpPr>
+            <a:spLocks noGrp="1"/>
+          </p:cNvSpPr>
+          <p:nvPr>
+            <p:ph type="title"/>
+          </p:nvPr>
+        </p:nvSpPr>
+        <p:spPr/>
+        <p:txBody>
+          <a:bodyPr/>
+          <a:lstStyle/>
+          <a:p>
+            <a:r>
+              <a:rPr lang="zh-CN" altLang="en-US" dirty="0"/>
+              <a:t>数据准备</a:t>
+            </a:r>
+          </a:p>
+        </p:txBody>
+      </p:sp>
+      <p:sp>
+        <p:nvSpPr>
+          <p:cNvPr id="4" name="内容占位符 3">
+            <a:extLst>
+              <a:ext uri="{FF2B5EF4-FFF2-40B4-BE49-F238E27FC236}">
+                <a16:creationId xmlns:a16="http://schemas.microsoft.com/office/drawing/2014/main" id="{7A72B731-5E75-DC61-AAB4-49D785AA4103}"/>
+              </a:ext>
+            </a:extLst>
+          </p:cNvPr>
+          <p:cNvSpPr>
+            <a:spLocks noGrp="1"/>
+          </p:cNvSpPr>
+          <p:nvPr>
+            <p:ph sz="half" idx="1"/>
+          </p:nvPr>
+        </p:nvSpPr>
+        <p:spPr/>
+        <p:txBody>
+          <a:bodyPr/>
+          <a:lstStyle/>
+          <a:p>
+            <a:r>
+              <a:rPr lang="zh-CN" altLang="en-US" dirty="0"/>
+              <a:t>在强化学习阶段，</a:t>
+            </a:r>
+            <a:r>
+              <a:rPr lang="en" altLang="zh-CN" dirty="0"/>
+              <a:t>Kimi k1.5</a:t>
+            </a:r>
+            <a:r>
+              <a:rPr lang="zh-CN" altLang="en-US" dirty="0"/>
+              <a:t>的数据准备主要包括编写代码测试用例、数学问题奖励建模和处理多模态视觉数据。</a:t>
+            </a:r>
+          </a:p>
+          <a:p>
+            <a:pPr>
+              <a:buFont typeface="Arial" panose="020B0604020202020204" pitchFamily="34" charset="0"/>
+              <a:buChar char="•"/>
+            </a:pPr>
+            <a:r>
+              <a:rPr lang="zh-CN" altLang="en-US" dirty="0"/>
+              <a:t>编程问题：使用</a:t>
+            </a:r>
+            <a:r>
+              <a:rPr lang="en" altLang="zh-CN" dirty="0" err="1"/>
+              <a:t>CYaRon</a:t>
+            </a:r>
+            <a:r>
+              <a:rPr lang="zh-CN" altLang="en-US" dirty="0"/>
+              <a:t>库自动生成测试用例，并通过运行这些测试用例来验证模型生成的代码。</a:t>
+            </a:r>
+          </a:p>
+          <a:p>
+            <a:pPr>
+              <a:buFont typeface="Arial" panose="020B0604020202020204" pitchFamily="34" charset="0"/>
+              <a:buChar char="•"/>
+            </a:pPr>
+            <a:r>
+              <a:rPr lang="zh-CN" altLang="en-US" dirty="0"/>
+              <a:t>数学问题：采用基于链式推理的奖励模型，生成逐步的推理过程，并以</a:t>
+            </a:r>
+            <a:r>
+              <a:rPr lang="en" altLang="zh-CN" dirty="0"/>
+              <a:t>JSON</a:t>
+            </a:r>
+            <a:r>
+              <a:rPr lang="zh-CN" altLang="en-US" dirty="0"/>
+              <a:t>格式提供最终的正确性判断，提供更强大和可解释的奖励信号，以更准确地评估答案的正确性。</a:t>
+            </a:r>
+          </a:p>
+          <a:p>
+            <a:pPr>
+              <a:buFont typeface="Arial" panose="020B0604020202020204" pitchFamily="34" charset="0"/>
+              <a:buChar char="•"/>
+            </a:pPr>
+            <a:r>
+              <a:rPr lang="zh-CN" altLang="en-US" dirty="0"/>
+              <a:t>视觉数据：包括真实世界数据、</a:t>
+            </a:r>
+            <a:r>
+              <a:rPr lang="zh-CN" altLang="en-US" b="1" dirty="0"/>
+              <a:t>合成视觉推理数据</a:t>
+            </a:r>
+            <a:r>
+              <a:rPr lang="zh-CN" altLang="en-US" dirty="0"/>
+              <a:t>和文本渲染数据，以增强模型的视觉推理能力。</a:t>
+            </a:r>
+          </a:p>
+          <a:p>
+            <a:endParaRPr lang="zh-CN" altLang="en-US" dirty="0"/>
+          </a:p>
+        </p:txBody>
+      </p:sp>
+    </p:spTree>
+    <p:extLst>
+      <p:ext uri="{BB962C8B-B14F-4D97-AF65-F5344CB8AC3E}">
+        <p14:creationId xmlns:p14="http://schemas.microsoft.com/office/powerpoint/2010/main" val="358487902"/>
+      </p:ext>
+    </p:extLst>
+  </p:cSld>
+  <p:clrMapOvr>
+    <a:masterClrMapping/>
+  </p:clrMapOvr>
+  <mc:AlternateContent xmlns:mc="http://schemas.openxmlformats.org/markup-compatibility/2006" xmlns:p159="http://schemas.microsoft.com/office/powerpoint/2015/09/main">
+    <mc:Choice Requires="p159">
+      <p:transition xmlns:p14="http://schemas.microsoft.com/office/powerpoint/2010/main" spd="slow" p14:dur="2000">
+        <p159:morph option="byObject"/>
+      </p:transition>
+    </mc:Choice>
+    <mc:Fallback xmlns="">
+      <p:transition spd="slow">
+        <p:fade/>
+      </p:transition>
+    </mc:Fallback>
+  </mc:AlternateContent>
+</p:sld>
+</file>
+
+<file path=ppt/slides/slide5.xml><?xml version="1.0" encoding="utf-8"?>
+<p:sld xmlns:a="http://schemas.openxmlformats.org/drawingml/2006/main" xmlns:r="http://schemas.openxmlformats.org/officeDocument/2006/relationships" xmlns:p="http://schemas.openxmlformats.org/presentationml/2006/main">
+  <p:cSld>
+    <p:spTree>
+      <p:nvGrpSpPr>
+        <p:cNvPr id="1" name=""/>
+        <p:cNvGrpSpPr/>
+        <p:nvPr/>
+      </p:nvGrpSpPr>
+      <p:grpSpPr>
+        <a:xfrm>
+          <a:off x="0" y="0"/>
+          <a:ext cx="0" cy="0"/>
+          <a:chOff x="0" y="0"/>
+          <a:chExt cx="0" cy="0"/>
+        </a:xfrm>
+      </p:grpSpPr>
+      <p:sp>
+        <p:nvSpPr>
+          <p:cNvPr id="3" name="标题 2">
+            <a:extLst>
+              <a:ext uri="{FF2B5EF4-FFF2-40B4-BE49-F238E27FC236}">
+                <a16:creationId xmlns:a16="http://schemas.microsoft.com/office/drawing/2014/main" id="{55CDD80E-1FC2-A476-E1EA-0FE439A5DE78}"/>
+              </a:ext>
+            </a:extLst>
+          </p:cNvPr>
+          <p:cNvSpPr>
+            <a:spLocks noGrp="1"/>
+          </p:cNvSpPr>
+          <p:nvPr>
+            <p:ph type="title"/>
+          </p:nvPr>
+        </p:nvSpPr>
+        <p:spPr>
+          <a:xfrm>
+            <a:off x="623635" y="522789"/>
+            <a:ext cx="10963473" cy="589190"/>
+          </a:xfrm>
+        </p:spPr>
+        <p:txBody>
+          <a:bodyPr/>
+          <a:lstStyle/>
+          <a:p>
+            <a:r>
+              <a:rPr lang="en-US" altLang="zh-CN" dirty="0">
+                <a:latin typeface="Lexend" pitchFamily="2" charset="0"/>
+              </a:rPr>
+              <a:t>Long-CoT</a:t>
+            </a:r>
+            <a:r>
+              <a:rPr lang="zh-CN" altLang="en-US" dirty="0">
+                <a:latin typeface="Lexend" pitchFamily="2" charset="0"/>
+              </a:rPr>
+              <a:t> </a:t>
+            </a:r>
+            <a:r>
+              <a:rPr lang="en-US" altLang="zh-CN" dirty="0">
+                <a:latin typeface="Lexend" pitchFamily="2" charset="0"/>
+              </a:rPr>
+              <a:t>to</a:t>
+            </a:r>
+            <a:r>
+              <a:rPr lang="zh-CN" altLang="en-US" dirty="0">
+                <a:latin typeface="Lexend" pitchFamily="2" charset="0"/>
+              </a:rPr>
+              <a:t> </a:t>
+            </a:r>
+            <a:r>
+              <a:rPr lang="en-US" altLang="zh-CN" dirty="0">
+                <a:latin typeface="Lexend" pitchFamily="2" charset="0"/>
+              </a:rPr>
+              <a:t>Shot-COT</a:t>
+            </a:r>
+            <a:endParaRPr lang="zh-CN" altLang="en-US" dirty="0">
+              <a:latin typeface="Lexend" pitchFamily="2" charset="0"/>
+            </a:endParaRPr>
+          </a:p>
+        </p:txBody>
+      </p:sp>
+      <p:sp>
+        <p:nvSpPr>
+          <p:cNvPr id="4" name="内容占位符 3">
+            <a:extLst>
+              <a:ext uri="{FF2B5EF4-FFF2-40B4-BE49-F238E27FC236}">
+                <a16:creationId xmlns:a16="http://schemas.microsoft.com/office/drawing/2014/main" id="{4C512CCA-7F02-4621-A5E7-1BCF6E0C4355}"/>
+              </a:ext>
+            </a:extLst>
+          </p:cNvPr>
+          <p:cNvSpPr>
+            <a:spLocks noGrp="1"/>
+          </p:cNvSpPr>
+          <p:nvPr>
+            <p:ph sz="half" idx="1"/>
+          </p:nvPr>
+        </p:nvSpPr>
+        <p:spPr>
+          <a:xfrm>
+            <a:off x="623635" y="1246909"/>
+            <a:ext cx="10963473" cy="5108171"/>
+          </a:xfrm>
+        </p:spPr>
+        <p:txBody>
+          <a:bodyPr/>
+          <a:lstStyle/>
+          <a:p>
+            <a:r>
+              <a:rPr lang="zh-CN" altLang="en-US" b="1" dirty="0"/>
+              <a:t>模型合并：</a:t>
+            </a:r>
+            <a:endParaRPr lang="en-US" altLang="zh-CN" b="1" dirty="0"/>
+          </a:p>
+          <a:p>
+            <a:pPr lvl="1"/>
+            <a:r>
+              <a:rPr lang="zh-CN" altLang="en-US" dirty="0"/>
+              <a:t>之前都是通过模型合并来提高模型的泛化性，</a:t>
+            </a:r>
+            <a:r>
+              <a:rPr lang="en" altLang="zh-CN" dirty="0"/>
+              <a:t>k1.5</a:t>
+            </a:r>
+            <a:r>
+              <a:rPr lang="zh-CN" altLang="en-US" dirty="0"/>
+              <a:t>发现</a:t>
+            </a:r>
+            <a:r>
+              <a:rPr lang="en" altLang="zh-CN" dirty="0"/>
+              <a:t>long-cot</a:t>
+            </a:r>
+            <a:r>
+              <a:rPr lang="zh-CN" altLang="en-US" dirty="0"/>
+              <a:t>模型和</a:t>
+            </a:r>
+            <a:r>
+              <a:rPr lang="en" altLang="zh-CN" dirty="0"/>
+              <a:t>short-cot</a:t>
+            </a:r>
+            <a:r>
+              <a:rPr lang="zh-CN" altLang="en-US" dirty="0"/>
+              <a:t>模型也可以合并，从而提高输出效率，中和输出内容，并且无需训练。</a:t>
+            </a:r>
+            <a:endParaRPr lang="en-US" altLang="zh-CN" dirty="0"/>
+          </a:p>
+          <a:p>
+            <a:r>
+              <a:rPr lang="zh-CN" altLang="en-US" b="1" dirty="0"/>
+              <a:t>最短拒绝采样：</a:t>
+            </a:r>
+            <a:endParaRPr lang="en-US" altLang="zh-CN" b="1" dirty="0"/>
+          </a:p>
+          <a:p>
+            <a:pPr lvl="1"/>
+            <a:r>
+              <a:rPr lang="zh-CN" altLang="en-US" dirty="0"/>
+              <a:t>对于模型输出结果进行</a:t>
+            </a:r>
+            <a:r>
+              <a:rPr lang="en" altLang="zh-CN" dirty="0"/>
+              <a:t>n</a:t>
+            </a:r>
+            <a:r>
+              <a:rPr lang="zh-CN" altLang="en-US" dirty="0"/>
+              <a:t>次采样（实验中</a:t>
+            </a:r>
+            <a:r>
+              <a:rPr lang="en" altLang="zh-CN" dirty="0"/>
+              <a:t>n=8</a:t>
+            </a:r>
+            <a:r>
+              <a:rPr lang="zh-CN" altLang="en" dirty="0"/>
+              <a:t>），</a:t>
+            </a:r>
+            <a:r>
+              <a:rPr lang="zh-CN" altLang="en-US" dirty="0"/>
+              <a:t>选择最短的正确结果进行模型微调。</a:t>
+            </a:r>
+            <a:endParaRPr lang="en-US" altLang="zh-CN" dirty="0"/>
+          </a:p>
+        </p:txBody>
+      </p:sp>
+    </p:spTree>
+    <p:extLst>
+      <p:ext uri="{BB962C8B-B14F-4D97-AF65-F5344CB8AC3E}">
+        <p14:creationId xmlns:p14="http://schemas.microsoft.com/office/powerpoint/2010/main" val="4080350519"/>
+      </p:ext>
+    </p:extLst>
+  </p:cSld>
+  <p:clrMapOvr>
+    <a:masterClrMapping/>
+  </p:clrMapOvr>
+  <mc:AlternateContent xmlns:mc="http://schemas.openxmlformats.org/markup-compatibility/2006" xmlns:p159="http://schemas.microsoft.com/office/powerpoint/2015/09/main">
+    <mc:Choice Requires="p159">
+      <p:transition xmlns:p14="http://schemas.microsoft.com/office/powerpoint/2010/main" spd="slow" p14:dur="2000">
+        <p159:morph option="byObject"/>
+      </p:transition>
+    </mc:Choice>
+    <mc:Fallback xmlns="">
+      <p:transition spd="slow">
+        <p:fade/>
+      </p:transition>
+    </mc:Fallback>
+  </mc:AlternateContent>
+</p:sld>
+</file>
+
 <file path=ppt/slides/slide6.xml><?xml version="1.0" encoding="utf-8"?>
 <p:sld xmlns:a="http://schemas.openxmlformats.org/drawingml/2006/main" xmlns:r="http://schemas.openxmlformats.org/officeDocument/2006/relationships" xmlns:p="http://schemas.openxmlformats.org/presentationml/2006/main">
   <p:cSld>
@@ -33285,10 +36240,168 @@
           <a:chExt cx="0" cy="0"/>
         </a:xfrm>
       </p:grpSpPr>
+      <p:sp>
+        <p:nvSpPr>
+          <p:cNvPr id="3" name="标题 2">
+            <a:extLst>
+              <a:ext uri="{FF2B5EF4-FFF2-40B4-BE49-F238E27FC236}">
+                <a16:creationId xmlns:a16="http://schemas.microsoft.com/office/drawing/2014/main" id="{55CDD80E-1FC2-A476-E1EA-0FE439A5DE78}"/>
+              </a:ext>
+            </a:extLst>
+          </p:cNvPr>
+          <p:cNvSpPr>
+            <a:spLocks noGrp="1"/>
+          </p:cNvSpPr>
+          <p:nvPr>
+            <p:ph type="title"/>
+          </p:nvPr>
+        </p:nvSpPr>
+        <p:spPr>
+          <a:xfrm>
+            <a:off x="623635" y="522789"/>
+            <a:ext cx="10963473" cy="589190"/>
+          </a:xfrm>
+        </p:spPr>
+        <p:txBody>
+          <a:bodyPr/>
+          <a:lstStyle/>
+          <a:p>
+            <a:r>
+              <a:rPr lang="en-US" altLang="zh-CN" dirty="0">
+                <a:latin typeface="Lexend" pitchFamily="2" charset="0"/>
+              </a:rPr>
+              <a:t>Long-CoT</a:t>
+            </a:r>
+            <a:r>
+              <a:rPr lang="zh-CN" altLang="en-US" dirty="0">
+                <a:latin typeface="Lexend" pitchFamily="2" charset="0"/>
+              </a:rPr>
+              <a:t> </a:t>
+            </a:r>
+            <a:r>
+              <a:rPr lang="en-US" altLang="zh-CN" dirty="0">
+                <a:latin typeface="Lexend" pitchFamily="2" charset="0"/>
+              </a:rPr>
+              <a:t>to</a:t>
+            </a:r>
+            <a:r>
+              <a:rPr lang="zh-CN" altLang="en-US" dirty="0">
+                <a:latin typeface="Lexend" pitchFamily="2" charset="0"/>
+              </a:rPr>
+              <a:t> </a:t>
+            </a:r>
+            <a:r>
+              <a:rPr lang="en-US" altLang="zh-CN" dirty="0">
+                <a:latin typeface="Lexend" pitchFamily="2" charset="0"/>
+              </a:rPr>
+              <a:t>Shot-COT</a:t>
+            </a:r>
+            <a:endParaRPr lang="zh-CN" altLang="en-US" dirty="0">
+              <a:latin typeface="Lexend" pitchFamily="2" charset="0"/>
+            </a:endParaRPr>
+          </a:p>
+        </p:txBody>
+      </p:sp>
+      <p:sp>
+        <p:nvSpPr>
+          <p:cNvPr id="4" name="内容占位符 3">
+            <a:extLst>
+              <a:ext uri="{FF2B5EF4-FFF2-40B4-BE49-F238E27FC236}">
+                <a16:creationId xmlns:a16="http://schemas.microsoft.com/office/drawing/2014/main" id="{4C512CCA-7F02-4621-A5E7-1BCF6E0C4355}"/>
+              </a:ext>
+            </a:extLst>
+          </p:cNvPr>
+          <p:cNvSpPr>
+            <a:spLocks noGrp="1"/>
+          </p:cNvSpPr>
+          <p:nvPr>
+            <p:ph sz="half" idx="1"/>
+          </p:nvPr>
+        </p:nvSpPr>
+        <p:spPr>
+          <a:xfrm>
+            <a:off x="623635" y="1246909"/>
+            <a:ext cx="10963473" cy="5108171"/>
+          </a:xfrm>
+        </p:spPr>
+        <p:txBody>
+          <a:bodyPr/>
+          <a:lstStyle/>
+          <a:p>
+            <a:r>
+              <a:rPr lang="en" altLang="zh-CN" b="1" dirty="0"/>
+              <a:t>DPO</a:t>
+            </a:r>
+            <a:r>
+              <a:rPr lang="zh-CN" altLang="en" b="1" dirty="0"/>
+              <a:t>：</a:t>
+            </a:r>
+            <a:endParaRPr lang="en-US" altLang="zh-CN" b="1" dirty="0"/>
+          </a:p>
+          <a:p>
+            <a:pPr lvl="1"/>
+            <a:r>
+              <a:rPr lang="zh-CN" altLang="en-US" dirty="0"/>
+              <a:t>与最短拒绝采样类似，利用 </a:t>
+            </a:r>
+            <a:r>
+              <a:rPr lang="en" altLang="zh-CN" dirty="0"/>
+              <a:t>long-cot</a:t>
+            </a:r>
+            <a:r>
+              <a:rPr lang="zh-CN" altLang="en-US" dirty="0"/>
+              <a:t> 模型生成多个输出结果，将最短的正确输出作为正样本，而较长的响应作为负样本，通过构造的正负样本进行</a:t>
+            </a:r>
+            <a:r>
+              <a:rPr lang="en" altLang="zh-CN" dirty="0"/>
+              <a:t>DPO</a:t>
+            </a:r>
+            <a:r>
+              <a:rPr lang="zh-CN" altLang="en-US" dirty="0"/>
+              <a:t>偏好学习。</a:t>
+            </a:r>
+            <a:endParaRPr lang="en-US" altLang="zh-CN" dirty="0"/>
+          </a:p>
+          <a:p>
+            <a:r>
+              <a:rPr lang="en" altLang="zh-CN" b="1" dirty="0"/>
+              <a:t>Long2Short</a:t>
+            </a:r>
+            <a:r>
+              <a:rPr lang="zh-CN" altLang="en-US" b="1" dirty="0"/>
+              <a:t> 强化：</a:t>
+            </a:r>
+            <a:endParaRPr lang="en-US" altLang="zh-CN" b="1" dirty="0"/>
+          </a:p>
+          <a:p>
+            <a:pPr lvl="1"/>
+            <a:r>
+              <a:rPr lang="zh-CN" altLang="en-US" dirty="0"/>
+              <a:t>在标准的强化学习训练阶段之后，选择一个在性能和输出效率之间达到最佳平衡的模型作为基础模型，并进行单独的</a:t>
+            </a:r>
+            <a:r>
+              <a:rPr lang="en" altLang="zh-CN" dirty="0"/>
+              <a:t>long-cot</a:t>
+            </a:r>
+            <a:r>
+              <a:rPr lang="zh-CN" altLang="en-US" dirty="0"/>
+              <a:t>到</a:t>
+            </a:r>
+            <a:r>
+              <a:rPr lang="en" altLang="zh-CN" dirty="0"/>
+              <a:t>short-cot</a:t>
+            </a:r>
+            <a:r>
+              <a:rPr lang="zh-CN" altLang="en-US" dirty="0"/>
+              <a:t>的强化学习训练阶段。在这一阶段，采用长度惩罚，进一步惩罚超出期望长度，但保证模型仍然可能正确的输出答案。</a:t>
+            </a:r>
+          </a:p>
+        </p:txBody>
+      </p:sp>
     </p:spTree>
     <p:extLst>
       <p:ext uri="{BB962C8B-B14F-4D97-AF65-F5344CB8AC3E}">
-        <p14:creationId xmlns:p14="http://schemas.microsoft.com/office/powerpoint/2010/main" val="996880118"/>
+        <p14:creationId xmlns:p14="http://schemas.microsoft.com/office/powerpoint/2010/main" val="3632059403"/>
       </p:ext>
     </p:extLst>
   </p:cSld>
@@ -33332,7 +36445,265 @@
           <p:cNvPr id="4" name="标题 3">
             <a:extLst>
               <a:ext uri="{FF2B5EF4-FFF2-40B4-BE49-F238E27FC236}">
-                <a16:creationId xmlns:a16="http://schemas.microsoft.com/office/drawing/2014/main" id="{B4F05058-0821-AFAF-0EBB-2167E84F81DA}"/>
+                <a16:creationId xmlns:a16="http://schemas.microsoft.com/office/drawing/2014/main" id="{F80B4E4D-CB68-4394-1D86-6C4BA9A18E3A}"/>
+              </a:ext>
+            </a:extLst>
+          </p:cNvPr>
+          <p:cNvSpPr>
+            <a:spLocks noGrp="1"/>
+          </p:cNvSpPr>
+          <p:nvPr>
+            <p:ph type="title"/>
+          </p:nvPr>
+        </p:nvSpPr>
+        <p:spPr>
+          <a:xfrm>
+            <a:off x="623635" y="522789"/>
+            <a:ext cx="10963473" cy="589190"/>
+          </a:xfrm>
+        </p:spPr>
+        <p:txBody>
+          <a:bodyPr/>
+          <a:lstStyle/>
+          <a:p>
+            <a:r>
+              <a:rPr lang="zh-CN" altLang="en-US" dirty="0"/>
+              <a:t>高质量 </a:t>
+            </a:r>
+            <a:r>
+              <a:rPr lang="en" altLang="zh-CN" dirty="0"/>
+              <a:t>RL</a:t>
+            </a:r>
+            <a:r>
+              <a:rPr lang="zh-CN" altLang="en-US" dirty="0"/>
+              <a:t> 提示数据三要素</a:t>
+            </a:r>
+          </a:p>
+        </p:txBody>
+      </p:sp>
+      <p:sp>
+        <p:nvSpPr>
+          <p:cNvPr id="7" name="内容占位符 6">
+            <a:extLst>
+              <a:ext uri="{FF2B5EF4-FFF2-40B4-BE49-F238E27FC236}">
+                <a16:creationId xmlns:a16="http://schemas.microsoft.com/office/drawing/2014/main" id="{F8F3576E-D695-A16F-1AC2-1B90A4233999}"/>
+              </a:ext>
+            </a:extLst>
+          </p:cNvPr>
+          <p:cNvSpPr>
+            <a:spLocks noGrp="1"/>
+          </p:cNvSpPr>
+          <p:nvPr>
+            <p:ph sz="half" idx="1"/>
+          </p:nvPr>
+        </p:nvSpPr>
+        <p:spPr>
+          <a:xfrm>
+            <a:off x="623888" y="1111250"/>
+            <a:ext cx="10963275" cy="5243513"/>
+          </a:xfrm>
+        </p:spPr>
+        <p:txBody>
+          <a:bodyPr/>
+          <a:lstStyle/>
+          <a:p>
+            <a:r>
+              <a:rPr lang="zh-CN" altLang="en-US" b="1" dirty="0"/>
+              <a:t>覆盖范围</a:t>
+            </a:r>
+            <a:r>
+              <a:rPr lang="en-US" altLang="zh-CN" b="1" dirty="0"/>
+              <a:t>-</a:t>
+            </a:r>
+            <a:r>
+              <a:rPr lang="zh-CN" altLang="en-US" b="1" dirty="0"/>
+              <a:t>广：</a:t>
+            </a:r>
+            <a:endParaRPr lang="en-US" altLang="zh-CN" b="1" dirty="0"/>
+          </a:p>
+          <a:p>
+            <a:pPr lvl="1"/>
+            <a:r>
+              <a:rPr lang="zh-CN" altLang="en-US" dirty="0"/>
+              <a:t>提示数据应涵盖广泛的学科领域，如科学、技术、工程和数学</a:t>
+            </a:r>
+            <a:r>
+              <a:rPr lang="zh-CN" altLang="en" dirty="0"/>
+              <a:t>、</a:t>
+            </a:r>
+            <a:r>
+              <a:rPr lang="zh-CN" altLang="en-US" dirty="0"/>
+              <a:t>代码和一般推理，增强模型在不同领域的普适性。开发了一个标签系统，对提示按照领域和学科进行分类，确保不同学科领域数据平衡。</a:t>
+            </a:r>
+            <a:endParaRPr lang="en-US" altLang="zh-CN" dirty="0"/>
+          </a:p>
+          <a:p>
+            <a:r>
+              <a:rPr lang="zh-CN" altLang="en-US" b="1" dirty="0"/>
+              <a:t>难度分布</a:t>
+            </a:r>
+            <a:r>
+              <a:rPr lang="en-US" altLang="zh-CN" b="1" dirty="0"/>
+              <a:t>-</a:t>
+            </a:r>
+            <a:r>
+              <a:rPr lang="zh-CN" altLang="en-US" b="1" dirty="0"/>
+              <a:t>均：</a:t>
+            </a:r>
+            <a:endParaRPr lang="en-US" altLang="zh-CN" b="1" dirty="0"/>
+          </a:p>
+          <a:p>
+            <a:pPr lvl="1"/>
+            <a:r>
+              <a:rPr lang="zh-CN" altLang="en-US" dirty="0"/>
+              <a:t>提示数据应包含易、中、难不同难度级别的问题，让模型逐步学习，防止模型过拟合到一些特定复杂的问题上。这里</a:t>
+            </a:r>
+            <a:r>
+              <a:rPr lang="en" altLang="zh-CN" dirty="0"/>
+              <a:t>k1.5</a:t>
+            </a:r>
+            <a:r>
+              <a:rPr lang="zh-CN" altLang="en-US" dirty="0"/>
+              <a:t>通过模型自身的推理能力，来评估每个</a:t>
+            </a:r>
+            <a:r>
+              <a:rPr lang="en" altLang="zh-CN" dirty="0"/>
+              <a:t>prompt</a:t>
+            </a:r>
+            <a:r>
+              <a:rPr lang="zh-CN" altLang="en-US" dirty="0"/>
+              <a:t>的难度，就是对相同的</a:t>
+            </a:r>
+            <a:r>
+              <a:rPr lang="en" altLang="zh-CN" dirty="0"/>
+              <a:t>prompt</a:t>
+            </a:r>
+            <a:r>
+              <a:rPr lang="zh-CN" altLang="en-US" dirty="0"/>
+              <a:t>利用相对较高温度生成</a:t>
+            </a:r>
+            <a:r>
+              <a:rPr lang="en-US" altLang="zh-CN" dirty="0"/>
+              <a:t>10</a:t>
+            </a:r>
+            <a:r>
+              <a:rPr lang="zh-CN" altLang="en-US" dirty="0"/>
+              <a:t>次答案，然后计算答案的通过率，通过率越低，代表</a:t>
+            </a:r>
+            <a:r>
+              <a:rPr lang="en" altLang="zh-CN" dirty="0"/>
+              <a:t>prompt</a:t>
+            </a:r>
+            <a:r>
+              <a:rPr lang="zh-CN" altLang="en-US" dirty="0"/>
+              <a:t>难度越高。</a:t>
+            </a:r>
+            <a:endParaRPr lang="en-US" altLang="zh-CN" dirty="0"/>
+          </a:p>
+          <a:p>
+            <a:r>
+              <a:rPr lang="zh-CN" altLang="en-US" b="1" dirty="0"/>
+              <a:t>可评估性</a:t>
+            </a:r>
+            <a:r>
+              <a:rPr lang="en-US" altLang="zh-CN" b="1" dirty="0"/>
+              <a:t>-</a:t>
+            </a:r>
+            <a:r>
+              <a:rPr lang="zh-CN" altLang="en-US" b="1" dirty="0"/>
+              <a:t>准：</a:t>
+            </a:r>
+            <a:endParaRPr lang="en-US" altLang="zh-CN" b="1" dirty="0"/>
+          </a:p>
+          <a:p>
+            <a:pPr lvl="1"/>
+            <a:r>
+              <a:rPr lang="zh-CN" altLang="en-US" dirty="0"/>
+              <a:t>提示数据应允许验证器进行客观且可靠的评估，确保模型结果是基于正确的推理过程，而不是简单模式或随机猜测。这里</a:t>
+            </a:r>
+            <a:r>
+              <a:rPr lang="en" altLang="zh-CN" dirty="0"/>
+              <a:t>k1.5</a:t>
+            </a:r>
+            <a:r>
+              <a:rPr lang="zh-CN" altLang="en-US" dirty="0"/>
+              <a:t>利用没有任何链式推理步骤的情况下预测可能的答案，如果在</a:t>
+            </a:r>
+            <a:r>
+              <a:rPr lang="en" altLang="zh-CN" dirty="0"/>
+              <a:t>N</a:t>
+            </a:r>
+            <a:r>
+              <a:rPr lang="zh-CN" altLang="en-US" dirty="0"/>
+              <a:t>次尝试内，均预测正确答案，认为该</a:t>
+            </a:r>
+            <a:r>
+              <a:rPr lang="en" altLang="zh-CN" dirty="0"/>
+              <a:t>prompt</a:t>
+            </a:r>
+            <a:r>
+              <a:rPr lang="zh-CN" altLang="en-US" dirty="0"/>
+              <a:t>容易产生</a:t>
+            </a:r>
+            <a:r>
+              <a:rPr lang="en" altLang="zh-CN" dirty="0"/>
+              <a:t>reward hacking</a:t>
+            </a:r>
+            <a:r>
+              <a:rPr lang="zh-CN" altLang="en" dirty="0"/>
+              <a:t>。</a:t>
+            </a:r>
+          </a:p>
+        </p:txBody>
+      </p:sp>
+    </p:spTree>
+    <p:extLst>
+      <p:ext uri="{BB962C8B-B14F-4D97-AF65-F5344CB8AC3E}">
+        <p14:creationId xmlns:p14="http://schemas.microsoft.com/office/powerpoint/2010/main" val="2036150990"/>
+      </p:ext>
+    </p:extLst>
+  </p:cSld>
+  <p:clrMapOvr>
+    <a:masterClrMapping/>
+  </p:clrMapOvr>
+  <mc:AlternateContent xmlns:mc="http://schemas.openxmlformats.org/markup-compatibility/2006" xmlns:p159="http://schemas.microsoft.com/office/powerpoint/2015/09/main">
+    <mc:Choice Requires="p159">
+      <p:transition xmlns:p14="http://schemas.microsoft.com/office/powerpoint/2010/main" spd="slow" p14:dur="2000">
+        <p159:morph option="byObject"/>
+      </p:transition>
+    </mc:Choice>
+    <mc:Fallback xmlns="">
+      <p:transition spd="slow">
+        <p:fade/>
+      </p:transition>
+    </mc:Fallback>
+  </mc:AlternateContent>
+</p:sld>
+</file>
+
+<file path=ppt/slides/slide8.xml><?xml version="1.0" encoding="utf-8"?>
+<p:sld xmlns:a="http://schemas.openxmlformats.org/drawingml/2006/main" xmlns:r="http://schemas.openxmlformats.org/officeDocument/2006/relationships" xmlns:p="http://schemas.openxmlformats.org/presentationml/2006/main">
+  <p:cSld>
+    <p:spTree>
+      <p:nvGrpSpPr>
+        <p:cNvPr id="1" name=""/>
+        <p:cNvGrpSpPr/>
+        <p:nvPr/>
+      </p:nvGrpSpPr>
+      <p:grpSpPr>
+        <a:xfrm>
+          <a:off x="0" y="0"/>
+          <a:ext cx="0" cy="0"/>
+          <a:chOff x="0" y="0"/>
+          <a:chExt cx="0" cy="0"/>
+        </a:xfrm>
+      </p:grpSpPr>
+      <p:sp>
+        <p:nvSpPr>
+          <p:cNvPr id="4" name="标题 3">
+            <a:extLst>
+              <a:ext uri="{FF2B5EF4-FFF2-40B4-BE49-F238E27FC236}">
+                <a16:creationId xmlns:a16="http://schemas.microsoft.com/office/drawing/2014/main" id="{66EB4B1C-E32B-E9DC-3CE5-B7530DB21D97}"/>
               </a:ext>
             </a:extLst>
           </p:cNvPr>
@@ -33349,12 +36720,8 @@
           <a:lstStyle/>
           <a:p>
             <a:r>
-              <a:rPr lang="en-US" altLang="zh-CN" dirty="0" err="1"/>
-              <a:t>Github</a:t>
-            </a:r>
-            <a:r>
               <a:rPr lang="zh-CN" altLang="en-US" dirty="0"/>
-              <a:t> 链接</a:t>
+              <a:t>核心技术</a:t>
             </a:r>
           </a:p>
         </p:txBody>
@@ -33364,7 +36731,7 @@
           <p:cNvPr id="5" name="内容占位符 4">
             <a:extLst>
               <a:ext uri="{FF2B5EF4-FFF2-40B4-BE49-F238E27FC236}">
-                <a16:creationId xmlns:a16="http://schemas.microsoft.com/office/drawing/2014/main" id="{4A85FFCC-0519-35D4-40F4-46CFF289709F}"/>
+                <a16:creationId xmlns:a16="http://schemas.microsoft.com/office/drawing/2014/main" id="{04634304-81B7-2CBD-1E15-82E2DF819341}"/>
               </a:ext>
             </a:extLst>
           </p:cNvPr>
@@ -33382,24 +36749,120 @@
           <a:p>
             <a:pPr algn="l"/>
             <a:r>
-              <a:rPr lang="en" altLang="zh-CN" dirty="0">
-                <a:hlinkClick r:id="rId2"/>
-              </a:rPr>
-              <a:t>https://github.com/NVIDIA/Cosmos</a:t>
-            </a:r>
-            <a:endParaRPr lang="en" altLang="zh-CN" dirty="0"/>
+              <a:rPr lang="zh-CN" altLang="en-US" b="0" i="0" dirty="0">
+                <a:solidFill>
+                  <a:srgbClr val="191B1F"/>
+                </a:solidFill>
+                <a:effectLst/>
+                <a:latin typeface="-apple-system"/>
+              </a:rPr>
+              <a:t>传统的 </a:t>
+            </a:r>
+            <a:r>
+              <a:rPr lang="en" altLang="zh-CN" b="0" i="0" dirty="0">
+                <a:solidFill>
+                  <a:srgbClr val="191B1F"/>
+                </a:solidFill>
+                <a:effectLst/>
+                <a:latin typeface="-apple-system"/>
+              </a:rPr>
+              <a:t>RL </a:t>
+            </a:r>
+            <a:r>
+              <a:rPr lang="zh-CN" altLang="en-US" b="0" i="0" dirty="0">
+                <a:solidFill>
+                  <a:srgbClr val="191B1F"/>
+                </a:solidFill>
+                <a:effectLst/>
+                <a:latin typeface="-apple-system"/>
+              </a:rPr>
+              <a:t>训练中，对于长文本序列，模型通常需要一次性生成整个轨迹（例如，完整的 </a:t>
+            </a:r>
+            <a:r>
+              <a:rPr lang="en" altLang="zh-CN" b="0" i="0" dirty="0">
+                <a:solidFill>
+                  <a:srgbClr val="191B1F"/>
+                </a:solidFill>
+                <a:effectLst/>
+                <a:latin typeface="-apple-system"/>
+              </a:rPr>
+              <a:t>CoT </a:t>
+            </a:r>
+            <a:r>
+              <a:rPr lang="zh-CN" altLang="en-US" b="0" i="0" dirty="0">
+                <a:solidFill>
+                  <a:srgbClr val="191B1F"/>
+                </a:solidFill>
+                <a:effectLst/>
+                <a:latin typeface="-apple-system"/>
+              </a:rPr>
+              <a:t>推理过程）。这直接导致计算开销大、内存占用高、训练不稳定，以及数据效率低这些问题。</a:t>
+            </a:r>
           </a:p>
           <a:p>
-            <a:pPr algn="l"/>
-            <a:r>
-              <a:rPr lang="en" altLang="zh-CN" dirty="0">
-                <a:hlinkClick r:id="rId3"/>
-              </a:rPr>
-              <a:t>https://github.com/orgs/NVIDIA/repositories?q=cosmos</a:t>
-            </a:r>
-            <a:endParaRPr lang="en" altLang="zh-CN" dirty="0"/>
-          </a:p>
-          <a:p>
+            <a:r>
+              <a:rPr lang="en" altLang="zh-CN" b="0" i="0" dirty="0" err="1">
+                <a:solidFill>
+                  <a:srgbClr val="191B1F"/>
+                </a:solidFill>
+                <a:effectLst/>
+                <a:latin typeface="-apple-system"/>
+              </a:rPr>
+              <a:t>kimi</a:t>
+            </a:r>
+            <a:r>
+              <a:rPr lang="zh-CN" altLang="en-US" b="0" i="0" dirty="0">
+                <a:solidFill>
+                  <a:srgbClr val="191B1F"/>
+                </a:solidFill>
+                <a:effectLst/>
+                <a:latin typeface="-apple-system"/>
+              </a:rPr>
+              <a:t>团队在扩展上下文长度的情况下，采用了一个关键的提高训练效率的技术</a:t>
+            </a:r>
+            <a:r>
+              <a:rPr lang="en-US" altLang="zh-CN" b="0" i="0" dirty="0">
+                <a:solidFill>
+                  <a:srgbClr val="191B1F"/>
+                </a:solidFill>
+                <a:effectLst/>
+                <a:latin typeface="-apple-system"/>
+              </a:rPr>
+              <a:t>——</a:t>
+            </a:r>
+            <a:r>
+              <a:rPr lang="en" altLang="zh-CN" b="0" i="0" dirty="0">
+                <a:solidFill>
+                  <a:srgbClr val="191B1F"/>
+                </a:solidFill>
+                <a:effectLst/>
+                <a:latin typeface="-apple-system"/>
+              </a:rPr>
+              <a:t>partial rollouts</a:t>
+            </a:r>
+            <a:r>
+              <a:rPr lang="zh-CN" altLang="en" b="0" i="0" dirty="0">
+                <a:solidFill>
+                  <a:srgbClr val="191B1F"/>
+                </a:solidFill>
+                <a:effectLst/>
+                <a:latin typeface="-apple-system"/>
+              </a:rPr>
+              <a:t>。</a:t>
+            </a:r>
+            <a:r>
+              <a:rPr lang="zh-CN" altLang="en-US" b="0" i="0" dirty="0">
+                <a:solidFill>
+                  <a:srgbClr val="191B1F"/>
+                </a:solidFill>
+                <a:effectLst/>
+                <a:latin typeface="-apple-system"/>
+              </a:rPr>
+              <a:t>它的核心思想是将长轨迹的生成过程分割成多个迭代步骤，避免一次性生成整个轨迹，从而提高训练效率并节省计算资源</a:t>
+            </a:r>
+            <a:br>
+              <a:rPr lang="zh-CN" altLang="en-US" dirty="0"/>
+            </a:br>
             <a:endParaRPr lang="zh-CN" altLang="en-US" dirty="0"/>
           </a:p>
         </p:txBody>
@@ -33407,7 +36870,317 @@
     </p:spTree>
     <p:extLst>
       <p:ext uri="{BB962C8B-B14F-4D97-AF65-F5344CB8AC3E}">
-        <p14:creationId xmlns:p14="http://schemas.microsoft.com/office/powerpoint/2010/main" val="4140837558"/>
+        <p14:creationId xmlns:p14="http://schemas.microsoft.com/office/powerpoint/2010/main" val="2840180854"/>
+      </p:ext>
+    </p:extLst>
+  </p:cSld>
+  <p:clrMapOvr>
+    <a:masterClrMapping/>
+  </p:clrMapOvr>
+  <mc:AlternateContent xmlns:mc="http://schemas.openxmlformats.org/markup-compatibility/2006" xmlns:p159="http://schemas.microsoft.com/office/powerpoint/2015/09/main">
+    <mc:Choice Requires="p159">
+      <p:transition xmlns:p14="http://schemas.microsoft.com/office/powerpoint/2010/main" spd="slow" p14:dur="2000">
+        <p159:morph option="byObject"/>
+      </p:transition>
+    </mc:Choice>
+    <mc:Fallback xmlns="">
+      <p:transition spd="slow">
+        <p:fade/>
+      </p:transition>
+    </mc:Fallback>
+  </mc:AlternateContent>
+</p:sld>
+</file>
+
+<file path=ppt/slides/slide9.xml><?xml version="1.0" encoding="utf-8"?>
+<p:sld xmlns:a="http://schemas.openxmlformats.org/drawingml/2006/main" xmlns:r="http://schemas.openxmlformats.org/officeDocument/2006/relationships" xmlns:p="http://schemas.openxmlformats.org/presentationml/2006/main">
+  <p:cSld>
+    <p:spTree>
+      <p:nvGrpSpPr>
+        <p:cNvPr id="1" name=""/>
+        <p:cNvGrpSpPr/>
+        <p:nvPr/>
+      </p:nvGrpSpPr>
+      <p:grpSpPr>
+        <a:xfrm>
+          <a:off x="0" y="0"/>
+          <a:ext cx="0" cy="0"/>
+          <a:chOff x="0" y="0"/>
+          <a:chExt cx="0" cy="0"/>
+        </a:xfrm>
+      </p:grpSpPr>
+      <p:sp>
+        <p:nvSpPr>
+          <p:cNvPr id="4" name="标题 3">
+            <a:extLst>
+              <a:ext uri="{FF2B5EF4-FFF2-40B4-BE49-F238E27FC236}">
+                <a16:creationId xmlns:a16="http://schemas.microsoft.com/office/drawing/2014/main" id="{263C1C13-4BB6-D939-A810-C18D52DEFEC0}"/>
+              </a:ext>
+            </a:extLst>
+          </p:cNvPr>
+          <p:cNvSpPr>
+            <a:spLocks noGrp="1"/>
+          </p:cNvSpPr>
+          <p:nvPr>
+            <p:ph type="title"/>
+          </p:nvPr>
+        </p:nvSpPr>
+        <p:spPr/>
+        <p:txBody>
+          <a:bodyPr/>
+          <a:lstStyle/>
+          <a:p>
+            <a:r>
+              <a:rPr lang="en" altLang="zh-CN" dirty="0"/>
+              <a:t>Partial rollouts </a:t>
+            </a:r>
+            <a:r>
+              <a:rPr lang="zh-CN" altLang="en-US" dirty="0"/>
+              <a:t>的工作方式</a:t>
+            </a:r>
+          </a:p>
+        </p:txBody>
+      </p:sp>
+      <p:sp>
+        <p:nvSpPr>
+          <p:cNvPr id="5" name="内容占位符 4">
+            <a:extLst>
+              <a:ext uri="{FF2B5EF4-FFF2-40B4-BE49-F238E27FC236}">
+                <a16:creationId xmlns:a16="http://schemas.microsoft.com/office/drawing/2014/main" id="{0C5E1253-3E74-9E5A-8329-8F7E3ED61D02}"/>
+              </a:ext>
+            </a:extLst>
+          </p:cNvPr>
+          <p:cNvSpPr>
+            <a:spLocks noGrp="1"/>
+          </p:cNvSpPr>
+          <p:nvPr>
+            <p:ph sz="half" idx="1"/>
+          </p:nvPr>
+        </p:nvSpPr>
+        <p:spPr/>
+        <p:txBody>
+          <a:bodyPr/>
+          <a:lstStyle/>
+          <a:p>
+            <a:r>
+              <a:rPr lang="zh-CN" altLang="en-US" dirty="0"/>
+              <a:t>（</a:t>
+            </a:r>
+            <a:r>
+              <a:rPr lang="en-US" altLang="zh-CN" dirty="0"/>
+              <a:t>1</a:t>
+            </a:r>
+            <a:r>
+              <a:rPr lang="zh-CN" altLang="en-US" dirty="0"/>
+              <a:t>）</a:t>
+            </a:r>
+            <a:r>
+              <a:rPr lang="zh-CN" altLang="en-US" b="1" dirty="0"/>
+              <a:t>固定输出 </a:t>
+            </a:r>
+            <a:r>
+              <a:rPr lang="en" altLang="zh-CN" b="1" dirty="0"/>
+              <a:t>token </a:t>
+            </a:r>
+            <a:r>
+              <a:rPr lang="zh-CN" altLang="en-US" b="1" dirty="0"/>
+              <a:t>预算。</a:t>
+            </a:r>
+            <a:r>
+              <a:rPr lang="zh-CN" altLang="en-US" dirty="0"/>
+              <a:t>定义一个固定输出 </a:t>
+            </a:r>
+            <a:r>
+              <a:rPr lang="en" altLang="zh-CN" dirty="0"/>
+              <a:t>token </a:t>
+            </a:r>
+            <a:r>
+              <a:rPr lang="zh-CN" altLang="en-US" dirty="0"/>
+              <a:t>数量，作为每次 </a:t>
+            </a:r>
+            <a:r>
+              <a:rPr lang="en" altLang="zh-CN" dirty="0"/>
+              <a:t>rollouts </a:t>
+            </a:r>
+            <a:r>
+              <a:rPr lang="zh-CN" altLang="en-US" dirty="0"/>
+              <a:t>的长度上限（例如，每次生成 </a:t>
+            </a:r>
+            <a:r>
+              <a:rPr lang="en-US" altLang="zh-CN" dirty="0"/>
+              <a:t>500 </a:t>
+            </a:r>
+            <a:r>
+              <a:rPr lang="zh-CN" altLang="en-US" dirty="0"/>
+              <a:t>个 </a:t>
+            </a:r>
+            <a:r>
+              <a:rPr lang="en" altLang="zh-CN" dirty="0"/>
+              <a:t>token</a:t>
+            </a:r>
+            <a:r>
+              <a:rPr lang="zh-CN" altLang="en" dirty="0"/>
+              <a:t>）。</a:t>
+            </a:r>
+          </a:p>
+          <a:p>
+            <a:r>
+              <a:rPr lang="zh-CN" altLang="en" dirty="0"/>
+              <a:t>（</a:t>
+            </a:r>
+            <a:r>
+              <a:rPr lang="en" altLang="zh-CN" dirty="0"/>
+              <a:t>2</a:t>
+            </a:r>
+            <a:r>
+              <a:rPr lang="zh-CN" altLang="en" dirty="0"/>
+              <a:t>）</a:t>
+            </a:r>
+            <a:r>
+              <a:rPr lang="zh-CN" altLang="en-US" b="1" dirty="0"/>
+              <a:t>分段生成。</a:t>
+            </a:r>
+            <a:r>
+              <a:rPr lang="zh-CN" altLang="en-US" dirty="0"/>
+              <a:t>在每次训练迭代中，模型并不生成完整的轨迹，而是只生成部分轨迹，即在 </a:t>
+            </a:r>
+            <a:r>
+              <a:rPr lang="en" altLang="zh-CN" dirty="0"/>
+              <a:t>token </a:t>
+            </a:r>
+            <a:r>
+              <a:rPr lang="zh-CN" altLang="en-US" dirty="0"/>
+              <a:t>数量达到预算上限时停止。</a:t>
+            </a:r>
+          </a:p>
+          <a:p>
+            <a:r>
+              <a:rPr lang="zh-CN" altLang="en-US" dirty="0"/>
+              <a:t>（</a:t>
+            </a:r>
+            <a:r>
+              <a:rPr lang="en-US" altLang="zh-CN" dirty="0"/>
+              <a:t>3</a:t>
+            </a:r>
+            <a:r>
+              <a:rPr lang="zh-CN" altLang="en-US" dirty="0"/>
+              <a:t>）</a:t>
+            </a:r>
+            <a:r>
+              <a:rPr lang="zh-CN" altLang="en-US" b="1" dirty="0"/>
+              <a:t>保存中间状态。</a:t>
+            </a:r>
+            <a:r>
+              <a:rPr lang="zh-CN" altLang="en-US" dirty="0"/>
+              <a:t>将生成的中间轨迹片段及其对应的模型状态保存到 </a:t>
+            </a:r>
+            <a:r>
+              <a:rPr lang="en" altLang="zh-CN" dirty="0">
+                <a:hlinkClick r:id="rId2"/>
+              </a:rPr>
+              <a:t>replay buffer</a:t>
+            </a:r>
+            <a:r>
+              <a:rPr lang="en" altLang="zh-CN" dirty="0"/>
+              <a:t> </a:t>
+            </a:r>
+            <a:r>
+              <a:rPr lang="zh-CN" altLang="en-US" dirty="0"/>
+              <a:t>中。</a:t>
+            </a:r>
+          </a:p>
+          <a:p>
+            <a:r>
+              <a:rPr lang="zh-CN" altLang="en-US" dirty="0"/>
+              <a:t>（</a:t>
+            </a:r>
+            <a:r>
+              <a:rPr lang="en-US" altLang="zh-CN" dirty="0"/>
+              <a:t>4</a:t>
+            </a:r>
+            <a:r>
+              <a:rPr lang="zh-CN" altLang="en-US" dirty="0"/>
+              <a:t>）</a:t>
+            </a:r>
+            <a:r>
+              <a:rPr lang="zh-CN" altLang="en-US" b="1" dirty="0"/>
+              <a:t>多次迭代完成长轨迹。</a:t>
+            </a:r>
+            <a:r>
+              <a:rPr lang="zh-CN" altLang="en-US" dirty="0"/>
+              <a:t>在后续的训练迭代中，模型可以从 </a:t>
+            </a:r>
+            <a:r>
+              <a:rPr lang="en" altLang="zh-CN" dirty="0"/>
+              <a:t>replay buffer </a:t>
+            </a:r>
+            <a:r>
+              <a:rPr lang="zh-CN" altLang="en-US" dirty="0"/>
+              <a:t>中读取之前保存的中间轨迹片段，并在此基础上继续生成新的轨迹片段。通过多次迭代，最终完成整个轨迹的生成。</a:t>
+            </a:r>
+          </a:p>
+          <a:p>
+            <a:r>
+              <a:rPr lang="zh-CN" altLang="en-US" dirty="0"/>
+              <a:t>（</a:t>
+            </a:r>
+            <a:r>
+              <a:rPr lang="en-US" altLang="zh-CN" dirty="0"/>
+              <a:t>5</a:t>
+            </a:r>
+            <a:r>
+              <a:rPr lang="zh-CN" altLang="en-US" dirty="0"/>
+              <a:t>）</a:t>
+            </a:r>
+            <a:r>
+              <a:rPr lang="zh-CN" altLang="en-US" b="1" dirty="0"/>
+              <a:t>选择性计算 </a:t>
+            </a:r>
+            <a:r>
+              <a:rPr lang="en" altLang="zh-CN" b="1" dirty="0"/>
+              <a:t>loss</a:t>
+            </a:r>
+            <a:r>
+              <a:rPr lang="zh-CN" altLang="en" b="1" dirty="0"/>
+              <a:t>。</a:t>
+            </a:r>
+            <a:r>
+              <a:rPr lang="zh-CN" altLang="en-US" dirty="0"/>
+              <a:t>在计算 </a:t>
+            </a:r>
+            <a:r>
+              <a:rPr lang="en" altLang="zh-CN" dirty="0"/>
+              <a:t>loss </a:t>
+            </a:r>
+            <a:r>
+              <a:rPr lang="zh-CN" altLang="en-US" dirty="0"/>
+              <a:t>时，可以选择只计算当前迭代生成的部分轨迹片段的 损失，也可以计算整个轨迹的 </a:t>
+            </a:r>
+            <a:r>
+              <a:rPr lang="en" altLang="zh-CN" dirty="0"/>
+              <a:t>loss</a:t>
+            </a:r>
+            <a:r>
+              <a:rPr lang="zh-CN" altLang="en" dirty="0"/>
+              <a:t>，</a:t>
+            </a:r>
+            <a:r>
+              <a:rPr lang="zh-CN" altLang="en-US" dirty="0"/>
+              <a:t>具体策略取决于实际情况。</a:t>
+            </a:r>
+          </a:p>
+          <a:p>
+            <a:r>
+              <a:rPr lang="zh-CN" altLang="en-US" dirty="0"/>
+              <a:t>这个方式显著提升了长上下文任务的处理能力，优化了计算资源，系统能够生成更长的响应，还在不牺牲输出质量的前提下加速了模型训练过程。</a:t>
+            </a:r>
+          </a:p>
+        </p:txBody>
+      </p:sp>
+    </p:spTree>
+    <p:extLst>
+      <p:ext uri="{BB962C8B-B14F-4D97-AF65-F5344CB8AC3E}">
+        <p14:creationId xmlns:p14="http://schemas.microsoft.com/office/powerpoint/2010/main" val="2216551034"/>
       </p:ext>
     </p:extLst>
   </p:cSld>
